--- a/Presentations/CDR_Fall_2015/Individual_Slides/Bryce/PathPlanning.pptx
+++ b/Presentations/CDR_Fall_2015/Individual_Slides/Bryce/PathPlanning.pptx
@@ -10,20 +10,20 @@
   <p:sldIdLst>
     <p:sldId id="257" r:id="rId2"/>
     <p:sldId id="260" r:id="rId3"/>
-    <p:sldId id="267" r:id="rId4"/>
-    <p:sldId id="268" r:id="rId5"/>
-    <p:sldId id="269" r:id="rId6"/>
-    <p:sldId id="270" r:id="rId7"/>
-    <p:sldId id="271" r:id="rId8"/>
-    <p:sldId id="272" r:id="rId9"/>
-    <p:sldId id="273" r:id="rId10"/>
-    <p:sldId id="258" r:id="rId11"/>
-    <p:sldId id="259" r:id="rId12"/>
-    <p:sldId id="262" r:id="rId13"/>
-    <p:sldId id="261" r:id="rId14"/>
-    <p:sldId id="266" r:id="rId15"/>
-    <p:sldId id="263" r:id="rId16"/>
-    <p:sldId id="264" r:id="rId17"/>
+    <p:sldId id="268" r:id="rId4"/>
+    <p:sldId id="271" r:id="rId5"/>
+    <p:sldId id="259" r:id="rId6"/>
+    <p:sldId id="266" r:id="rId7"/>
+    <p:sldId id="270" r:id="rId8"/>
+    <p:sldId id="261" r:id="rId9"/>
+    <p:sldId id="274" r:id="rId10"/>
+    <p:sldId id="264" r:id="rId11"/>
+    <p:sldId id="267" r:id="rId12"/>
+    <p:sldId id="269" r:id="rId13"/>
+    <p:sldId id="272" r:id="rId14"/>
+    <p:sldId id="258" r:id="rId15"/>
+    <p:sldId id="262" r:id="rId16"/>
+    <p:sldId id="273" r:id="rId17"/>
     <p:sldId id="265" r:id="rId18"/>
   </p:sldIdLst>
   <p:sldSz cx="9144000" cy="6858000" type="screen4x3"/>
@@ -424,11 +424,11 @@
           <c:showPercent val="0"/>
           <c:showBubbleSize val="0"/>
         </c:dLbls>
-        <c:axId val="336113448"/>
-        <c:axId val="336113840"/>
+        <c:axId val="292545232"/>
+        <c:axId val="294146200"/>
       </c:scatterChart>
       <c:valAx>
-        <c:axId val="336113448"/>
+        <c:axId val="292545232"/>
         <c:scaling>
           <c:orientation val="minMax"/>
         </c:scaling>
@@ -542,12 +542,12 @@
             <a:endParaRPr lang="en-US"/>
           </a:p>
         </c:txPr>
-        <c:crossAx val="336113840"/>
+        <c:crossAx val="294146200"/>
         <c:crosses val="autoZero"/>
         <c:crossBetween val="midCat"/>
       </c:valAx>
       <c:valAx>
-        <c:axId val="336113840"/>
+        <c:axId val="294146200"/>
         <c:scaling>
           <c:orientation val="minMax"/>
         </c:scaling>
@@ -661,7 +661,7 @@
             <a:endParaRPr lang="en-US"/>
           </a:p>
         </c:txPr>
-        <c:crossAx val="336113448"/>
+        <c:crossAx val="292545232"/>
         <c:crosses val="autoZero"/>
         <c:crossBetween val="midCat"/>
       </c:valAx>
@@ -1338,7 +1338,7 @@
           <a:p>
             <a:fld id="{D09A901D-19D5-465C-B238-7FF712BCA545}" type="datetimeFigureOut">
               <a:rPr lang="en-US" smtClean="0"/>
-              <a:t>12/7/2015</a:t>
+              <a:t>12/8/2015</a:t>
             </a:fld>
             <a:endParaRPr lang="en-US"/>
           </a:p>
@@ -1680,7 +1680,7 @@
     </p:spTree>
     <p:extLst>
       <p:ext uri="{BB962C8B-B14F-4D97-AF65-F5344CB8AC3E}">
-        <p14:creationId xmlns:p14="http://schemas.microsoft.com/office/powerpoint/2010/main" val="628521808"/>
+        <p14:creationId xmlns:p14="http://schemas.microsoft.com/office/powerpoint/2010/main" val="4047430388"/>
       </p:ext>
     </p:extLst>
   </p:cSld>
@@ -1764,7 +1764,7 @@
     </p:spTree>
     <p:extLst>
       <p:ext uri="{BB962C8B-B14F-4D97-AF65-F5344CB8AC3E}">
-        <p14:creationId xmlns:p14="http://schemas.microsoft.com/office/powerpoint/2010/main" val="4047430388"/>
+        <p14:creationId xmlns:p14="http://schemas.microsoft.com/office/powerpoint/2010/main" val="726199699"/>
       </p:ext>
     </p:extLst>
   </p:cSld>
@@ -1818,6 +1818,14 @@
           <a:bodyPr/>
           <a:lstStyle/>
           <a:p>
+            <a:r>
+              <a:rPr lang="en-US" dirty="0" smtClean="0"/>
+              <a:t>Incomplete Matlab algorithmi</a:t>
+            </a:r>
+            <a:r>
+              <a:rPr lang="en-US" baseline="0" dirty="0" smtClean="0"/>
+              <a:t>c demonstration</a:t>
+            </a:r>
             <a:endParaRPr lang="en-US" dirty="0"/>
           </a:p>
         </p:txBody>
@@ -1837,9 +1845,9 @@
           <a:bodyPr/>
           <a:lstStyle/>
           <a:p>
-            <a:fld id="{56482A0D-6C01-4104-BF82-D68F22877923}" type="slidenum">
+            <a:fld id="{22D5E492-03DB-4367-B00B-DDA0F61F69AC}" type="slidenum">
               <a:rPr lang="en-US" smtClean="0"/>
-              <a:t>7</a:t>
+              <a:t>10</a:t>
             </a:fld>
             <a:endParaRPr lang="en-US"/>
           </a:p>
@@ -1848,7 +1856,7 @@
     </p:spTree>
     <p:extLst>
       <p:ext uri="{BB962C8B-B14F-4D97-AF65-F5344CB8AC3E}">
-        <p14:creationId xmlns:p14="http://schemas.microsoft.com/office/powerpoint/2010/main" val="726199699"/>
+        <p14:creationId xmlns:p14="http://schemas.microsoft.com/office/powerpoint/2010/main" val="2943373142"/>
       </p:ext>
     </p:extLst>
   </p:cSld>
@@ -1902,14 +1910,6 @@
           <a:bodyPr/>
           <a:lstStyle/>
           <a:p>
-            <a:r>
-              <a:rPr lang="en-US" dirty="0" smtClean="0"/>
-              <a:t>Incomplete Matlab algorithmi</a:t>
-            </a:r>
-            <a:r>
-              <a:rPr lang="en-US" baseline="0" dirty="0" smtClean="0"/>
-              <a:t>c demonstration</a:t>
-            </a:r>
             <a:endParaRPr lang="en-US" dirty="0"/>
           </a:p>
         </p:txBody>
@@ -1929,9 +1929,9 @@
           <a:bodyPr/>
           <a:lstStyle/>
           <a:p>
-            <a:fld id="{22D5E492-03DB-4367-B00B-DDA0F61F69AC}" type="slidenum">
+            <a:fld id="{56482A0D-6C01-4104-BF82-D68F22877923}" type="slidenum">
               <a:rPr lang="en-US" smtClean="0"/>
-              <a:t>16</a:t>
+              <a:t>11</a:t>
             </a:fld>
             <a:endParaRPr lang="en-US"/>
           </a:p>
@@ -1940,7 +1940,7 @@
     </p:spTree>
     <p:extLst>
       <p:ext uri="{BB962C8B-B14F-4D97-AF65-F5344CB8AC3E}">
-        <p14:creationId xmlns:p14="http://schemas.microsoft.com/office/powerpoint/2010/main" val="2943373142"/>
+        <p14:creationId xmlns:p14="http://schemas.microsoft.com/office/powerpoint/2010/main" val="628521808"/>
       </p:ext>
     </p:extLst>
   </p:cSld>
@@ -2131,7 +2131,7 @@
           <a:p>
             <a:fld id="{A8193F1D-56DB-E44D-9849-55B52730CCEA}" type="datetimeFigureOut">
               <a:rPr lang="en-US" smtClean="0"/>
-              <a:t>12/7/2015</a:t>
+              <a:t>12/8/2015</a:t>
             </a:fld>
             <a:endParaRPr lang="en-US"/>
           </a:p>
@@ -2301,7 +2301,7 @@
           <a:p>
             <a:fld id="{A8193F1D-56DB-E44D-9849-55B52730CCEA}" type="datetimeFigureOut">
               <a:rPr lang="en-US" smtClean="0"/>
-              <a:t>12/7/2015</a:t>
+              <a:t>12/8/2015</a:t>
             </a:fld>
             <a:endParaRPr lang="en-US"/>
           </a:p>
@@ -2481,7 +2481,7 @@
           <a:p>
             <a:fld id="{A8193F1D-56DB-E44D-9849-55B52730CCEA}" type="datetimeFigureOut">
               <a:rPr lang="en-US" smtClean="0"/>
-              <a:t>12/7/2015</a:t>
+              <a:t>12/8/2015</a:t>
             </a:fld>
             <a:endParaRPr lang="en-US"/>
           </a:p>
@@ -2651,7 +2651,7 @@
           <a:p>
             <a:fld id="{A8193F1D-56DB-E44D-9849-55B52730CCEA}" type="datetimeFigureOut">
               <a:rPr lang="en-US" smtClean="0"/>
-              <a:t>12/7/2015</a:t>
+              <a:t>12/8/2015</a:t>
             </a:fld>
             <a:endParaRPr lang="en-US"/>
           </a:p>
@@ -2897,7 +2897,7 @@
           <a:p>
             <a:fld id="{A8193F1D-56DB-E44D-9849-55B52730CCEA}" type="datetimeFigureOut">
               <a:rPr lang="en-US" smtClean="0"/>
-              <a:t>12/7/2015</a:t>
+              <a:t>12/8/2015</a:t>
             </a:fld>
             <a:endParaRPr lang="en-US"/>
           </a:p>
@@ -3185,7 +3185,7 @@
           <a:p>
             <a:fld id="{A8193F1D-56DB-E44D-9849-55B52730CCEA}" type="datetimeFigureOut">
               <a:rPr lang="en-US" smtClean="0"/>
-              <a:t>12/7/2015</a:t>
+              <a:t>12/8/2015</a:t>
             </a:fld>
             <a:endParaRPr lang="en-US"/>
           </a:p>
@@ -3607,7 +3607,7 @@
           <a:p>
             <a:fld id="{A8193F1D-56DB-E44D-9849-55B52730CCEA}" type="datetimeFigureOut">
               <a:rPr lang="en-US" smtClean="0"/>
-              <a:t>12/7/2015</a:t>
+              <a:t>12/8/2015</a:t>
             </a:fld>
             <a:endParaRPr lang="en-US"/>
           </a:p>
@@ -3725,7 +3725,7 @@
           <a:p>
             <a:fld id="{A8193F1D-56DB-E44D-9849-55B52730CCEA}" type="datetimeFigureOut">
               <a:rPr lang="en-US" smtClean="0"/>
-              <a:t>12/7/2015</a:t>
+              <a:t>12/8/2015</a:t>
             </a:fld>
             <a:endParaRPr lang="en-US"/>
           </a:p>
@@ -3820,7 +3820,7 @@
           <a:p>
             <a:fld id="{A8193F1D-56DB-E44D-9849-55B52730CCEA}" type="datetimeFigureOut">
               <a:rPr lang="en-US" smtClean="0"/>
-              <a:t>12/7/2015</a:t>
+              <a:t>12/8/2015</a:t>
             </a:fld>
             <a:endParaRPr lang="en-US"/>
           </a:p>
@@ -4097,7 +4097,7 @@
           <a:p>
             <a:fld id="{A8193F1D-56DB-E44D-9849-55B52730CCEA}" type="datetimeFigureOut">
               <a:rPr lang="en-US" smtClean="0"/>
-              <a:t>12/7/2015</a:t>
+              <a:t>12/8/2015</a:t>
             </a:fld>
             <a:endParaRPr lang="en-US"/>
           </a:p>
@@ -4350,7 +4350,7 @@
           <a:p>
             <a:fld id="{A8193F1D-56DB-E44D-9849-55B52730CCEA}" type="datetimeFigureOut">
               <a:rPr lang="en-US" smtClean="0"/>
-              <a:t>12/7/2015</a:t>
+              <a:t>12/8/2015</a:t>
             </a:fld>
             <a:endParaRPr lang="en-US"/>
           </a:p>
@@ -4563,7 +4563,7 @@
           <a:p>
             <a:fld id="{A8193F1D-56DB-E44D-9849-55B52730CCEA}" type="datetimeFigureOut">
               <a:rPr lang="en-US" smtClean="0"/>
-              <a:t>12/7/2015</a:t>
+              <a:t>12/8/2015</a:t>
             </a:fld>
             <a:endParaRPr lang="en-US"/>
           </a:p>
@@ -5930,7 +5930,7 @@
             <p:nvPr/>
           </p:nvPicPr>
           <p:blipFill>
-            <a:blip r:embed="rId2">
+            <a:blip r:embed="rId3">
               <a:extLst>
                 <a:ext uri="{28A0092B-C50C-407E-A947-70E740481C1C}">
                   <a14:useLocalDpi xmlns:a14="http://schemas.microsoft.com/office/drawing/2010/main" val="0"/>
@@ -6007,7 +6007,7 @@
             <p:nvPr/>
           </p:nvPicPr>
           <p:blipFill>
-            <a:blip r:embed="rId3"/>
+            <a:blip r:embed="rId4"/>
             <a:stretch>
               <a:fillRect/>
             </a:stretch>
@@ -6053,7 +6053,7 @@
                   <a:latin typeface="Candara"/>
                   <a:cs typeface="Candara"/>
                 </a:rPr>
-                <a:t>Path Planning – Proposed Solution</a:t>
+                <a:t>Path Planning – Backup Slides</a:t>
               </a:r>
               <a:endParaRPr lang="en-US" sz="2400" dirty="0">
                 <a:solidFill>
@@ -6066,102 +6066,24 @@
           </p:txBody>
         </p:sp>
       </p:grpSp>
-      <p:sp>
-        <p:nvSpPr>
-          <p:cNvPr id="12" name="Content Placeholder 11"/>
-          <p:cNvSpPr>
-            <a:spLocks noGrp="1"/>
-          </p:cNvSpPr>
-          <p:nvPr>
-            <p:ph sz="half" idx="1"/>
-          </p:nvPr>
-        </p:nvSpPr>
-        <p:spPr>
-          <a:xfrm>
-            <a:off x="457200" y="1098212"/>
-            <a:ext cx="4140926" cy="5027952"/>
-          </a:xfrm>
-        </p:spPr>
-        <p:txBody>
-          <a:bodyPr>
-            <a:normAutofit/>
-          </a:bodyPr>
-          <a:lstStyle/>
-          <a:p>
-            <a:r>
-              <a:rPr lang="en-US" sz="2400" dirty="0" err="1" smtClean="0"/>
-              <a:t>Voronoi</a:t>
-            </a:r>
-            <a:r>
-              <a:rPr lang="en-US" sz="2400" dirty="0" smtClean="0"/>
-              <a:t> path generation</a:t>
-            </a:r>
-          </a:p>
-          <a:p>
-            <a:pPr lvl="1"/>
-            <a:r>
-              <a:rPr lang="en-US" sz="2000" dirty="0" smtClean="0"/>
-              <a:t>Generates nodes which are equidistant from obstacles </a:t>
-            </a:r>
-          </a:p>
-          <a:p>
-            <a:r>
-              <a:rPr lang="en-US" sz="2400" dirty="0" smtClean="0"/>
-              <a:t>A* search</a:t>
-            </a:r>
-          </a:p>
-          <a:p>
-            <a:pPr lvl="1"/>
-            <a:r>
-              <a:rPr lang="en-US" sz="2000" dirty="0" smtClean="0"/>
-              <a:t>Least cost node selection</a:t>
-            </a:r>
-          </a:p>
-          <a:p>
-            <a:pPr lvl="1"/>
-            <a:r>
-              <a:rPr lang="en-US" sz="2000" dirty="0" smtClean="0"/>
-              <a:t>Cost = g(n) + h(n)</a:t>
-            </a:r>
-          </a:p>
-          <a:p>
-            <a:pPr lvl="2"/>
-            <a:r>
-              <a:rPr lang="en-US" sz="1800" dirty="0" smtClean="0"/>
-              <a:t>g(n) = known cost (previously traversed)</a:t>
-            </a:r>
-          </a:p>
-          <a:p>
-            <a:pPr lvl="2"/>
-            <a:r>
-              <a:rPr lang="en-US" sz="1800" dirty="0"/>
-              <a:t>h</a:t>
-            </a:r>
-            <a:r>
-              <a:rPr lang="en-US" sz="1800" dirty="0" smtClean="0"/>
-              <a:t>(n) = estimate of node -&gt; goal distance</a:t>
-            </a:r>
-          </a:p>
-        </p:txBody>
-      </p:sp>
       <p:pic>
         <p:nvPicPr>
-          <p:cNvPr id="15" name="Picture 14"/>
+          <p:cNvPr id="10" name="Picture 9"/>
           <p:cNvPicPr>
             <a:picLocks noChangeAspect="1"/>
           </p:cNvPicPr>
           <p:nvPr/>
         </p:nvPicPr>
         <p:blipFill>
-          <a:blip r:embed="rId4"/>
+          <a:blip r:embed="rId5"/>
           <a:stretch>
             <a:fillRect/>
           </a:stretch>
         </p:blipFill>
         <p:spPr>
           <a:xfrm>
-            <a:off x="4495800" y="1098212"/>
-            <a:ext cx="3970542" cy="5529938"/>
+            <a:off x="737011" y="932902"/>
+            <a:ext cx="7913293" cy="5925098"/>
           </a:xfrm>
           <a:prstGeom prst="rect">
             <a:avLst/>
@@ -6171,7 +6093,7 @@
     </p:spTree>
     <p:extLst>
       <p:ext uri="{BB962C8B-B14F-4D97-AF65-F5344CB8AC3E}">
-        <p14:creationId xmlns:p14="http://schemas.microsoft.com/office/powerpoint/2010/main" val="809357820"/>
+        <p14:creationId xmlns:p14="http://schemas.microsoft.com/office/powerpoint/2010/main" val="613562657"/>
       </p:ext>
     </p:extLst>
   </p:cSld>
@@ -6257,7 +6179,7 @@
             <p:nvPr/>
           </p:nvPicPr>
           <p:blipFill>
-            <a:blip r:embed="rId2">
+            <a:blip r:embed="rId3">
               <a:extLst>
                 <a:ext uri="{28A0092B-C50C-407E-A947-70E740481C1C}">
                   <a14:useLocalDpi xmlns:a14="http://schemas.microsoft.com/office/drawing/2010/main" val="0"/>
@@ -6334,7 +6256,7 @@
             <p:nvPr/>
           </p:nvPicPr>
           <p:blipFill>
-            <a:blip r:embed="rId3"/>
+            <a:blip r:embed="rId4"/>
             <a:stretch>
               <a:fillRect/>
             </a:stretch>
@@ -6373,6 +6295,16 @@
             <a:p>
               <a:pPr algn="ctr"/>
               <a:r>
+                <a:rPr lang="en-US" sz="2400" dirty="0">
+                  <a:solidFill>
+                    <a:srgbClr val="FFFFFF"/>
+                  </a:solidFill>
+                  <a:latin typeface="Candara"/>
+                  <a:cs typeface="Candara"/>
+                </a:rPr>
+                <a:t>Path Planning – </a:t>
+              </a:r>
+              <a:r>
                 <a:rPr lang="en-US" sz="2400" dirty="0" smtClean="0">
                   <a:solidFill>
                     <a:srgbClr val="FFFFFF"/>
@@ -6380,7 +6312,7 @@
                   <a:latin typeface="Candara"/>
                   <a:cs typeface="Candara"/>
                 </a:rPr>
-                <a:t>Path Planning - Methodology</a:t>
+                <a:t>Backup PRM/NN-2opt</a:t>
               </a:r>
               <a:endParaRPr lang="en-US" sz="2400" dirty="0">
                 <a:solidFill>
@@ -6395,22 +6327,28 @@
       </p:grpSp>
       <p:pic>
         <p:nvPicPr>
-          <p:cNvPr id="18" name="Picture 17"/>
+          <p:cNvPr id="2" name="Picture 1"/>
           <p:cNvPicPr>
             <a:picLocks noChangeAspect="1"/>
           </p:cNvPicPr>
           <p:nvPr/>
         </p:nvPicPr>
         <p:blipFill>
-          <a:blip r:embed="rId4"/>
+          <a:blip r:embed="rId5">
+            <a:extLst>
+              <a:ext uri="{28A0092B-C50C-407E-A947-70E740481C1C}">
+                <a14:useLocalDpi xmlns:a14="http://schemas.microsoft.com/office/drawing/2010/main" val="0"/>
+              </a:ext>
+            </a:extLst>
+          </a:blip>
           <a:stretch>
             <a:fillRect/>
           </a:stretch>
         </p:blipFill>
         <p:spPr>
           <a:xfrm>
-            <a:off x="4495800" y="1098212"/>
-            <a:ext cx="3970542" cy="5529938"/>
+            <a:off x="5231136" y="936647"/>
+            <a:ext cx="3625782" cy="5859523"/>
           </a:xfrm>
           <a:prstGeom prst="rect">
             <a:avLst/>
@@ -6419,7 +6357,7 @@
       </p:pic>
       <p:sp>
         <p:nvSpPr>
-          <p:cNvPr id="19" name="Content Placeholder 12"/>
+          <p:cNvPr id="10" name="Content Placeholder 9"/>
           <p:cNvSpPr>
             <a:spLocks noGrp="1"/>
           </p:cNvSpPr>
@@ -6429,213 +6367,103 @@
         </p:nvSpPr>
         <p:spPr>
           <a:xfrm>
-            <a:off x="216195" y="979180"/>
-            <a:ext cx="5291469" cy="515118"/>
+            <a:off x="139939" y="1250799"/>
+            <a:ext cx="4774019" cy="5231218"/>
           </a:xfrm>
         </p:spPr>
         <p:txBody>
           <a:bodyPr>
-            <a:normAutofit lnSpcReduction="10000"/>
+            <a:normAutofit/>
           </a:bodyPr>
           <a:lstStyle/>
           <a:p>
-            <a:pPr marL="0" indent="0">
-              <a:buNone/>
-            </a:pPr>
-            <a:r>
-              <a:rPr lang="en-US" dirty="0" err="1" smtClean="0"/>
-              <a:t>Voronoi</a:t>
-            </a:r>
-            <a:r>
-              <a:rPr lang="en-US" dirty="0" smtClean="0"/>
-              <a:t> Node Generation</a:t>
-            </a:r>
-          </a:p>
-        </p:txBody>
-      </p:sp>
-      <p:sp>
-        <p:nvSpPr>
-          <p:cNvPr id="20" name="Down Arrow Callout 19"/>
-          <p:cNvSpPr/>
-          <p:nvPr/>
-        </p:nvSpPr>
-        <p:spPr>
-          <a:xfrm>
-            <a:off x="260496" y="1494299"/>
-            <a:ext cx="4235304" cy="1440288"/>
-          </a:xfrm>
-          <a:prstGeom prst="downArrowCallout">
-            <a:avLst>
-              <a:gd name="adj1" fmla="val 18317"/>
-              <a:gd name="adj2" fmla="val 12912"/>
-              <a:gd name="adj3" fmla="val 12308"/>
-              <a:gd name="adj4" fmla="val 81900"/>
-            </a:avLst>
-          </a:prstGeom>
-          <a:solidFill>
-            <a:schemeClr val="bg2"/>
-          </a:solidFill>
-        </p:spPr>
-        <p:style>
-          <a:lnRef idx="1">
-            <a:schemeClr val="dk1"/>
-          </a:lnRef>
-          <a:fillRef idx="2">
-            <a:schemeClr val="dk1"/>
-          </a:fillRef>
-          <a:effectRef idx="1">
-            <a:schemeClr val="dk1"/>
-          </a:effectRef>
-          <a:fontRef idx="minor">
-            <a:schemeClr val="dk1"/>
-          </a:fontRef>
-        </p:style>
-        <p:txBody>
-          <a:bodyPr rtlCol="0" anchor="t"/>
-          <a:lstStyle/>
-          <a:p>
-            <a:r>
-              <a:rPr lang="en-US" b="1" dirty="0" smtClean="0"/>
-              <a:t>Inputs</a:t>
-            </a:r>
-            <a:endParaRPr lang="en-US" dirty="0" smtClean="0"/>
-          </a:p>
-          <a:p>
-            <a:pPr marL="285750" lvl="0" indent="-285750">
-              <a:buFont typeface="Arial" panose="020B0604020202020204" pitchFamily="34" charset="0"/>
-              <a:buChar char="•"/>
-            </a:pPr>
-            <a:r>
-              <a:rPr lang="en-US" dirty="0" smtClean="0"/>
-              <a:t>Array of X and Y values that represent obstacles</a:t>
-            </a:r>
-          </a:p>
-        </p:txBody>
-      </p:sp>
-      <p:sp>
-        <p:nvSpPr>
-          <p:cNvPr id="21" name="Down Arrow Callout 20"/>
-          <p:cNvSpPr/>
-          <p:nvPr/>
-        </p:nvSpPr>
-        <p:spPr>
-          <a:xfrm>
-            <a:off x="260496" y="2979025"/>
-            <a:ext cx="4235304" cy="2167117"/>
-          </a:xfrm>
-          <a:prstGeom prst="downArrowCallout">
-            <a:avLst>
-              <a:gd name="adj1" fmla="val 11500"/>
-              <a:gd name="adj2" fmla="val 9968"/>
-              <a:gd name="adj3" fmla="val 8383"/>
-              <a:gd name="adj4" fmla="val 87297"/>
-            </a:avLst>
-          </a:prstGeom>
-          <a:solidFill>
-            <a:schemeClr val="bg2"/>
-          </a:solidFill>
-        </p:spPr>
-        <p:style>
-          <a:lnRef idx="1">
-            <a:schemeClr val="dk1"/>
-          </a:lnRef>
-          <a:fillRef idx="2">
-            <a:schemeClr val="dk1"/>
-          </a:fillRef>
-          <a:effectRef idx="1">
-            <a:schemeClr val="dk1"/>
-          </a:effectRef>
-          <a:fontRef idx="minor">
-            <a:schemeClr val="dk1"/>
-          </a:fontRef>
-        </p:style>
-        <p:txBody>
-          <a:bodyPr rtlCol="0" anchor="t"/>
-          <a:lstStyle/>
-          <a:p>
-            <a:r>
-              <a:rPr lang="en-US" b="1" dirty="0" smtClean="0"/>
-              <a:t>Process</a:t>
-            </a:r>
-            <a:endParaRPr lang="en-US" dirty="0" smtClean="0"/>
-          </a:p>
-          <a:p>
-            <a:pPr marL="285750" lvl="0" indent="-285750">
-              <a:buFont typeface="Arial" panose="020B0604020202020204" pitchFamily="34" charset="0"/>
-              <a:buChar char="•"/>
-            </a:pPr>
-            <a:r>
-              <a:rPr lang="en-US" dirty="0" smtClean="0"/>
-              <a:t> </a:t>
-            </a:r>
-            <a:endParaRPr lang="en-US" dirty="0"/>
-          </a:p>
-        </p:txBody>
-      </p:sp>
-      <p:sp>
-        <p:nvSpPr>
-          <p:cNvPr id="22" name="Rectangle 21"/>
-          <p:cNvSpPr/>
-          <p:nvPr/>
-        </p:nvSpPr>
-        <p:spPr>
-          <a:xfrm>
-            <a:off x="260496" y="5190580"/>
-            <a:ext cx="4235304" cy="1424763"/>
-          </a:xfrm>
-          <a:prstGeom prst="rect">
-            <a:avLst/>
-          </a:prstGeom>
-          <a:solidFill>
-            <a:schemeClr val="bg2"/>
-          </a:solidFill>
-        </p:spPr>
-        <p:style>
-          <a:lnRef idx="1">
-            <a:schemeClr val="dk1"/>
-          </a:lnRef>
-          <a:fillRef idx="2">
-            <a:schemeClr val="dk1"/>
-          </a:fillRef>
-          <a:effectRef idx="1">
-            <a:schemeClr val="dk1"/>
-          </a:effectRef>
-          <a:fontRef idx="minor">
-            <a:schemeClr val="dk1"/>
-          </a:fontRef>
-        </p:style>
-        <p:txBody>
-          <a:bodyPr rtlCol="0" anchor="t"/>
-          <a:lstStyle/>
-          <a:p>
-            <a:r>
-              <a:rPr lang="en-US" b="1" dirty="0" smtClean="0"/>
-              <a:t>Outputs</a:t>
-            </a:r>
-          </a:p>
-          <a:p>
-            <a:pPr marL="285750" lvl="0" indent="-285750">
-              <a:buFont typeface="Arial" panose="020B0604020202020204" pitchFamily="34" charset="0"/>
-              <a:buChar char="•"/>
-            </a:pPr>
-            <a:r>
-              <a:rPr lang="en-US" dirty="0" smtClean="0"/>
-              <a:t>Ordered list of polygon vertices representing points equidistant from obstacles</a:t>
-            </a:r>
-            <a:endParaRPr lang="en-US" dirty="0"/>
+            <a:r>
+              <a:rPr lang="en-US" sz="2400" dirty="0" smtClean="0"/>
+              <a:t>Probabilistic Roadmap (PRM)</a:t>
+            </a:r>
+          </a:p>
+          <a:p>
+            <a:pPr lvl="1"/>
+            <a:r>
+              <a:rPr lang="en-US" sz="2000" dirty="0" smtClean="0"/>
+              <a:t>Creates roadmap based on randomly sampled quadcopter configurations in open space.</a:t>
+            </a:r>
+          </a:p>
+          <a:p>
+            <a:r>
+              <a:rPr lang="en-US" sz="2400" dirty="0" smtClean="0"/>
+              <a:t>Nearest Neighbor (NN) with 2-Opt</a:t>
+            </a:r>
+          </a:p>
+          <a:p>
+            <a:pPr lvl="1"/>
+            <a:r>
+              <a:rPr lang="en-US" sz="2000" dirty="0" smtClean="0"/>
+              <a:t>NN: Traverses roadmap goals by minimizing the total distance traveled from one node to the next.</a:t>
+            </a:r>
+          </a:p>
+          <a:p>
+            <a:pPr lvl="1"/>
+            <a:r>
+              <a:rPr lang="en-US" sz="2000" dirty="0" smtClean="0"/>
+              <a:t>2-Opt: </a:t>
+            </a:r>
+            <a:r>
+              <a:rPr lang="en-US" sz="2000" dirty="0"/>
+              <a:t>Optimizes </a:t>
+            </a:r>
+            <a:r>
+              <a:rPr lang="en-US" sz="2000" dirty="0" smtClean="0"/>
+              <a:t>path takes </a:t>
+            </a:r>
+            <a:r>
+              <a:rPr lang="en-US" sz="2000" dirty="0"/>
+              <a:t>a route that crosses over itself and </a:t>
+            </a:r>
+            <a:r>
+              <a:rPr lang="en-US" sz="2000" dirty="0" smtClean="0"/>
+              <a:t>reorders </a:t>
+            </a:r>
+            <a:r>
+              <a:rPr lang="en-US" sz="2000" dirty="0"/>
+              <a:t>it so </a:t>
+            </a:r>
+            <a:r>
+              <a:rPr lang="en-US" sz="2000" dirty="0" smtClean="0"/>
+              <a:t>it </a:t>
+            </a:r>
+            <a:r>
+              <a:rPr lang="en-US" sz="2000" dirty="0"/>
+              <a:t>does </a:t>
+            </a:r>
+            <a:r>
+              <a:rPr lang="en-US" sz="2000" dirty="0" smtClean="0"/>
+              <a:t>not.</a:t>
+            </a:r>
+          </a:p>
+          <a:p>
+            <a:pPr lvl="1"/>
+            <a:endParaRPr lang="en-US" sz="2000" dirty="0" smtClean="0"/>
           </a:p>
         </p:txBody>
       </p:sp>
     </p:spTree>
     <p:extLst>
       <p:ext uri="{BB962C8B-B14F-4D97-AF65-F5344CB8AC3E}">
-        <p14:creationId xmlns:p14="http://schemas.microsoft.com/office/powerpoint/2010/main" val="2046647567"/>
+        <p14:creationId xmlns:p14="http://schemas.microsoft.com/office/powerpoint/2010/main" val="4101156427"/>
       </p:ext>
     </p:extLst>
   </p:cSld>
   <p:clrMapOvr>
     <a:masterClrMapping/>
   </p:clrMapOvr>
+  <p:timing>
+    <p:tnLst>
+      <p:par>
+        <p:cTn id="1" dur="indefinite" restart="never" nodeType="tmRoot"/>
+      </p:par>
+    </p:tnLst>
+  </p:timing>
 </p:sld>
 </file>
 
@@ -6848,17 +6676,7 @@
                   <a:latin typeface="Candara"/>
                   <a:cs typeface="Candara"/>
                 </a:rPr>
-                <a:t>Methodology (</a:t>
-              </a:r>
-              <a:r>
-                <a:rPr lang="en-US" sz="2400" dirty="0" err="1" smtClean="0">
-                  <a:solidFill>
-                    <a:srgbClr val="FFFFFF"/>
-                  </a:solidFill>
-                  <a:latin typeface="Candara"/>
-                  <a:cs typeface="Candara"/>
-                </a:rPr>
-                <a:t>Voronoi</a:t>
+                <a:t>Backup(PRM</a:t>
               </a:r>
               <a:r>
                 <a:rPr lang="en-US" sz="2400" dirty="0" smtClean="0">
@@ -6894,44 +6712,65 @@
         <p:spPr>
           <a:xfrm>
             <a:off x="308343" y="1073888"/>
-            <a:ext cx="4187457" cy="5474806"/>
+            <a:ext cx="5231219" cy="5474806"/>
           </a:xfrm>
         </p:spPr>
         <p:txBody>
           <a:bodyPr>
-            <a:normAutofit/>
+            <a:normAutofit fontScale="92500" lnSpcReduction="10000"/>
           </a:bodyPr>
           <a:lstStyle/>
           <a:p>
             <a:r>
-              <a:rPr lang="en-US" sz="2400" dirty="0" smtClean="0"/>
-              <a:t>Fewer nodes to evaluate than probabilistic methods</a:t>
-            </a:r>
-          </a:p>
-          <a:p>
-            <a:r>
-              <a:rPr lang="en-US" sz="2400" dirty="0" smtClean="0"/>
-              <a:t>Optimum obstacle margin</a:t>
+              <a:rPr lang="en-US" dirty="0" smtClean="0"/>
+              <a:t>Probabilistically complete</a:t>
             </a:r>
           </a:p>
           <a:p>
             <a:pPr lvl="1"/>
             <a:r>
-              <a:rPr lang="en-US" sz="2000" dirty="0" smtClean="0"/>
-              <a:t>Paths automatically as far from obstacles as possible</a:t>
-            </a:r>
-          </a:p>
-          <a:p>
-            <a:r>
-              <a:rPr lang="en-US" sz="2400" dirty="0" smtClean="0"/>
-              <a:t>Open spaces are often node sparse</a:t>
+              <a:rPr lang="en-US" dirty="0" smtClean="0"/>
+              <a:t>Chance to find route increases as number of nodes increases</a:t>
+            </a:r>
+          </a:p>
+          <a:p>
+            <a:r>
+              <a:rPr lang="en-US" dirty="0" smtClean="0"/>
+              <a:t>Flexible and robust</a:t>
             </a:r>
           </a:p>
           <a:p>
             <a:pPr lvl="1"/>
             <a:r>
-              <a:rPr lang="en-US" sz="2000" dirty="0" smtClean="0"/>
-              <a:t>Depending on size of room, could require node addition to fill out space</a:t>
+              <a:rPr lang="en-US" dirty="0" smtClean="0"/>
+              <a:t>Collision avoidance threshold distance is configurable</a:t>
+            </a:r>
+          </a:p>
+          <a:p>
+            <a:pPr lvl="1"/>
+            <a:r>
+              <a:rPr lang="en-US" dirty="0" smtClean="0"/>
+              <a:t>Number of sample nodes is configurable</a:t>
+            </a:r>
+          </a:p>
+          <a:p>
+            <a:pPr lvl="1"/>
+            <a:r>
+              <a:rPr lang="en-US" dirty="0" smtClean="0"/>
+              <a:t>Maximum node neighbor distance configurable</a:t>
+            </a:r>
+          </a:p>
+          <a:p>
+            <a:pPr lvl="1"/>
+            <a:r>
+              <a:rPr lang="en-US" dirty="0" smtClean="0"/>
+              <a:t>Re-plan only depends on updated map grid</a:t>
+            </a:r>
+          </a:p>
+          <a:p>
+            <a:r>
+              <a:rPr lang="en-US" dirty="0" smtClean="0"/>
+              <a:t>Certain geometries where straight line connections cannot be made are difficult to navigate</a:t>
             </a:r>
           </a:p>
           <a:p>
@@ -6944,10 +6783,8 @@
       </p:sp>
       <p:pic>
         <p:nvPicPr>
-          <p:cNvPr id="10" name="Picture 9"/>
-          <p:cNvPicPr>
-            <a:picLocks noChangeAspect="1"/>
-          </p:cNvPicPr>
+          <p:cNvPr id="12" name="Picture 11"/>
+          <p:cNvPicPr/>
           <p:nvPr/>
         </p:nvPicPr>
         <p:blipFill>
@@ -6957,9 +6794,9 @@
           </a:stretch>
         </p:blipFill>
         <p:spPr>
-          <a:xfrm>
-            <a:off x="4495800" y="1098212"/>
-            <a:ext cx="3970542" cy="5529938"/>
+          <a:xfrm rot="16200000">
+            <a:off x="4510170" y="2238170"/>
+            <a:ext cx="5653590" cy="3146241"/>
           </a:xfrm>
           <a:prstGeom prst="rect">
             <a:avLst/>
@@ -6969,7 +6806,7 @@
     </p:spTree>
     <p:extLst>
       <p:ext uri="{BB962C8B-B14F-4D97-AF65-F5344CB8AC3E}">
-        <p14:creationId xmlns:p14="http://schemas.microsoft.com/office/powerpoint/2010/main" val="138996507"/>
+        <p14:creationId xmlns:p14="http://schemas.microsoft.com/office/powerpoint/2010/main" val="3086829290"/>
       </p:ext>
     </p:extLst>
   </p:cSld>
@@ -7178,7 +7015,7 @@
             <a:p>
               <a:pPr algn="ctr"/>
               <a:r>
-                <a:rPr lang="en-US" sz="2400" dirty="0" smtClean="0">
+                <a:rPr lang="en-US" sz="2400" dirty="0">
                   <a:solidFill>
                     <a:srgbClr val="FFFFFF"/>
                   </a:solidFill>
@@ -7188,16 +7025,6 @@
                 <a:t>Path Planning – </a:t>
               </a:r>
               <a:r>
-                <a:rPr lang="en-US" sz="2400" dirty="0" err="1" smtClean="0">
-                  <a:solidFill>
-                    <a:srgbClr val="FFFFFF"/>
-                  </a:solidFill>
-                  <a:latin typeface="Candara"/>
-                  <a:cs typeface="Candara"/>
-                </a:rPr>
-                <a:t>Voronoi</a:t>
-              </a:r>
-              <a:r>
                 <a:rPr lang="en-US" sz="2400" dirty="0" smtClean="0">
                   <a:solidFill>
                     <a:srgbClr val="FFFFFF"/>
@@ -7205,22 +7032,25 @@
                   <a:latin typeface="Candara"/>
                   <a:cs typeface="Candara"/>
                 </a:rPr>
-                <a:t> Performance</a:t>
+                <a:t>Backup </a:t>
               </a:r>
-              <a:endParaRPr lang="en-US" sz="2400" dirty="0">
-                <a:solidFill>
-                  <a:srgbClr val="FFFFFF"/>
-                </a:solidFill>
-                <a:latin typeface="Candara"/>
-                <a:cs typeface="Candara"/>
-              </a:endParaRPr>
+              <a:r>
+                <a:rPr lang="en-US" sz="2400" dirty="0">
+                  <a:solidFill>
+                    <a:srgbClr val="FFFFFF"/>
+                  </a:solidFill>
+                  <a:latin typeface="Candara"/>
+                  <a:cs typeface="Candara"/>
+                </a:rPr>
+                <a:t>(NN+2Opt)</a:t>
+              </a:r>
             </a:p>
           </p:txBody>
         </p:sp>
       </p:grpSp>
       <p:sp>
         <p:nvSpPr>
-          <p:cNvPr id="12" name="Content Placeholder 11"/>
+          <p:cNvPr id="11" name="Content Placeholder 10"/>
           <p:cNvSpPr>
             <a:spLocks noGrp="1"/>
           </p:cNvSpPr>
@@ -7230,8 +7060,8 @@
         </p:nvSpPr>
         <p:spPr>
           <a:xfrm>
-            <a:off x="457200" y="1133062"/>
-            <a:ext cx="4038600" cy="4993102"/>
+            <a:off x="308343" y="1129005"/>
+            <a:ext cx="5231219" cy="5474806"/>
           </a:xfrm>
         </p:spPr>
         <p:txBody>
@@ -7241,37 +7071,66 @@
           <a:lstStyle/>
           <a:p>
             <a:r>
-              <a:rPr lang="en-US" sz="2400" dirty="0" smtClean="0"/>
-              <a:t>Processing time is more or less linear</a:t>
-            </a:r>
-          </a:p>
-          <a:p>
-            <a:r>
-              <a:rPr lang="en-US" sz="2400" dirty="0" smtClean="0"/>
-              <a:t>Note that our space is define in 340 (red *)</a:t>
-            </a:r>
-            <a:endParaRPr lang="en-US" sz="2400" dirty="0"/>
+              <a:rPr lang="en-US" dirty="0" smtClean="0"/>
+              <a:t>Able to handle multiple goals</a:t>
+            </a:r>
+          </a:p>
+          <a:p>
+            <a:pPr lvl="1"/>
+            <a:r>
+              <a:rPr lang="en-US" dirty="0" smtClean="0"/>
+              <a:t>The computational effort increases as the number of goals (i.e. rooms) increases</a:t>
+            </a:r>
+          </a:p>
+          <a:p>
+            <a:r>
+              <a:rPr lang="en-US" dirty="0" smtClean="0"/>
+              <a:t>Total area coverage is configurable</a:t>
+            </a:r>
+          </a:p>
+          <a:p>
+            <a:pPr lvl="1"/>
+            <a:r>
+              <a:rPr lang="en-US" dirty="0" smtClean="0"/>
+              <a:t>Depends on the granularity of auto-generated goal points</a:t>
+            </a:r>
+          </a:p>
+          <a:p>
+            <a:pPr lvl="1"/>
+            <a:r>
+              <a:rPr lang="en-US" dirty="0" smtClean="0"/>
+              <a:t>Goal points can be recalculated during the mission</a:t>
+            </a:r>
+          </a:p>
+          <a:p>
+            <a:endParaRPr lang="en-US" dirty="0"/>
           </a:p>
         </p:txBody>
       </p:sp>
       <p:pic>
         <p:nvPicPr>
-          <p:cNvPr id="14" name="Picture 13"/>
+          <p:cNvPr id="10" name="Picture 9"/>
           <p:cNvPicPr>
             <a:picLocks noChangeAspect="1"/>
           </p:cNvPicPr>
           <p:nvPr/>
         </p:nvPicPr>
         <p:blipFill>
-          <a:blip r:embed="rId4"/>
+          <a:blip r:embed="rId4">
+            <a:extLst>
+              <a:ext uri="{28A0092B-C50C-407E-A947-70E740481C1C}">
+                <a14:useLocalDpi xmlns:a14="http://schemas.microsoft.com/office/drawing/2010/main" val="0"/>
+              </a:ext>
+            </a:extLst>
+          </a:blip>
           <a:stretch>
             <a:fillRect/>
           </a:stretch>
         </p:blipFill>
         <p:spPr>
           <a:xfrm>
-            <a:off x="4693658" y="834387"/>
-            <a:ext cx="4076750" cy="6109032"/>
+            <a:off x="5443787" y="936647"/>
+            <a:ext cx="3625782" cy="5859523"/>
           </a:xfrm>
           <a:prstGeom prst="rect">
             <a:avLst/>
@@ -7281,13 +7140,20 @@
     </p:spTree>
     <p:extLst>
       <p:ext uri="{BB962C8B-B14F-4D97-AF65-F5344CB8AC3E}">
-        <p14:creationId xmlns:p14="http://schemas.microsoft.com/office/powerpoint/2010/main" val="3343476880"/>
+        <p14:creationId xmlns:p14="http://schemas.microsoft.com/office/powerpoint/2010/main" val="1746585427"/>
       </p:ext>
     </p:extLst>
   </p:cSld>
   <p:clrMapOvr>
     <a:masterClrMapping/>
   </p:clrMapOvr>
+  <p:timing>
+    <p:tnLst>
+      <p:par>
+        <p:cTn id="1" dur="indefinite" restart="never" nodeType="tmRoot"/>
+      </p:par>
+    </p:tnLst>
+  </p:timing>
 </p:sld>
 </file>
 
@@ -7490,7 +7356,37 @@
                   <a:latin typeface="Candara"/>
                   <a:cs typeface="Candara"/>
                 </a:rPr>
-                <a:t>Path Planning - Methodology</a:t>
+                <a:t>Path Planning – </a:t>
+              </a:r>
+              <a:r>
+                <a:rPr lang="en-US" sz="2400" dirty="0" smtClean="0">
+                  <a:solidFill>
+                    <a:srgbClr val="FFFFFF"/>
+                  </a:solidFill>
+                  <a:latin typeface="Candara"/>
+                  <a:cs typeface="Candara"/>
+                </a:rPr>
+                <a:t>Backup </a:t>
+              </a:r>
+              <a:r>
+                <a:rPr lang="en-US" sz="2400" dirty="0" err="1" smtClean="0">
+                  <a:solidFill>
+                    <a:srgbClr val="FFFFFF"/>
+                  </a:solidFill>
+                  <a:latin typeface="Candara"/>
+                  <a:cs typeface="Candara"/>
+                </a:rPr>
+                <a:t>Voronoi</a:t>
+              </a:r>
+              <a:r>
+                <a:rPr lang="en-US" sz="2400" dirty="0" smtClean="0">
+                  <a:solidFill>
+                    <a:srgbClr val="FFFFFF"/>
+                  </a:solidFill>
+                  <a:latin typeface="Candara"/>
+                  <a:cs typeface="Candara"/>
+                </a:rPr>
+                <a:t>/A*</a:t>
               </a:r>
               <a:endParaRPr lang="en-US" sz="2400" dirty="0">
                 <a:solidFill>
@@ -7503,9 +7399,87 @@
           </p:txBody>
         </p:sp>
       </p:grpSp>
+      <p:sp>
+        <p:nvSpPr>
+          <p:cNvPr id="12" name="Content Placeholder 11"/>
+          <p:cNvSpPr>
+            <a:spLocks noGrp="1"/>
+          </p:cNvSpPr>
+          <p:nvPr>
+            <p:ph sz="half" idx="1"/>
+          </p:nvPr>
+        </p:nvSpPr>
+        <p:spPr>
+          <a:xfrm>
+            <a:off x="457200" y="1098212"/>
+            <a:ext cx="4140926" cy="5027952"/>
+          </a:xfrm>
+        </p:spPr>
+        <p:txBody>
+          <a:bodyPr>
+            <a:normAutofit/>
+          </a:bodyPr>
+          <a:lstStyle/>
+          <a:p>
+            <a:r>
+              <a:rPr lang="en-US" sz="2400" dirty="0" err="1" smtClean="0"/>
+              <a:t>Voronoi</a:t>
+            </a:r>
+            <a:r>
+              <a:rPr lang="en-US" sz="2400" dirty="0" smtClean="0"/>
+              <a:t> path generation</a:t>
+            </a:r>
+          </a:p>
+          <a:p>
+            <a:pPr lvl="1"/>
+            <a:r>
+              <a:rPr lang="en-US" sz="2000" dirty="0" smtClean="0"/>
+              <a:t>Generates nodes which are equidistant from obstacles </a:t>
+            </a:r>
+          </a:p>
+          <a:p>
+            <a:r>
+              <a:rPr lang="en-US" sz="2400" dirty="0" smtClean="0"/>
+              <a:t>A* search</a:t>
+            </a:r>
+          </a:p>
+          <a:p>
+            <a:pPr lvl="1"/>
+            <a:r>
+              <a:rPr lang="en-US" sz="2000" dirty="0" smtClean="0"/>
+              <a:t>Least cost node selection</a:t>
+            </a:r>
+          </a:p>
+          <a:p>
+            <a:pPr lvl="1"/>
+            <a:r>
+              <a:rPr lang="en-US" sz="2000" dirty="0" smtClean="0"/>
+              <a:t>Cost = g(n) + h(n)</a:t>
+            </a:r>
+          </a:p>
+          <a:p>
+            <a:pPr lvl="2"/>
+            <a:r>
+              <a:rPr lang="en-US" sz="1800" dirty="0" smtClean="0"/>
+              <a:t>g(n) = known cost (previously traversed)</a:t>
+            </a:r>
+          </a:p>
+          <a:p>
+            <a:pPr lvl="2"/>
+            <a:r>
+              <a:rPr lang="en-US" sz="1800" dirty="0"/>
+              <a:t>h</a:t>
+            </a:r>
+            <a:r>
+              <a:rPr lang="en-US" sz="1800" dirty="0" smtClean="0"/>
+              <a:t>(n) = estimate of node -&gt; goal distance</a:t>
+            </a:r>
+          </a:p>
+        </p:txBody>
+      </p:sp>
       <p:pic>
         <p:nvPicPr>
-          <p:cNvPr id="18" name="Picture 17"/>
+          <p:cNvPr id="15" name="Picture 14"/>
           <p:cNvPicPr>
             <a:picLocks noChangeAspect="1"/>
           </p:cNvPicPr>
@@ -7527,271 +7501,10 @@
           </a:prstGeom>
         </p:spPr>
       </p:pic>
-      <p:sp>
-        <p:nvSpPr>
-          <p:cNvPr id="19" name="Content Placeholder 12"/>
-          <p:cNvSpPr>
-            <a:spLocks noGrp="1"/>
-          </p:cNvSpPr>
-          <p:nvPr>
-            <p:ph sz="half" idx="1"/>
-          </p:nvPr>
-        </p:nvSpPr>
-        <p:spPr>
-          <a:xfrm>
-            <a:off x="216195" y="979180"/>
-            <a:ext cx="5291469" cy="515118"/>
-          </a:xfrm>
-        </p:spPr>
-        <p:txBody>
-          <a:bodyPr>
-            <a:normAutofit lnSpcReduction="10000"/>
-          </a:bodyPr>
-          <a:lstStyle/>
-          <a:p>
-            <a:pPr marL="0" indent="0">
-              <a:buNone/>
-            </a:pPr>
-            <a:r>
-              <a:rPr lang="en-US" dirty="0" smtClean="0"/>
-              <a:t>A*</a:t>
-            </a:r>
-          </a:p>
-        </p:txBody>
-      </p:sp>
-      <p:sp>
-        <p:nvSpPr>
-          <p:cNvPr id="20" name="Down Arrow Callout 19"/>
-          <p:cNvSpPr/>
-          <p:nvPr/>
-        </p:nvSpPr>
-        <p:spPr>
-          <a:xfrm>
-            <a:off x="260496" y="1494299"/>
-            <a:ext cx="4235304" cy="1440288"/>
-          </a:xfrm>
-          <a:prstGeom prst="downArrowCallout">
-            <a:avLst>
-              <a:gd name="adj1" fmla="val 18317"/>
-              <a:gd name="adj2" fmla="val 12912"/>
-              <a:gd name="adj3" fmla="val 12308"/>
-              <a:gd name="adj4" fmla="val 81900"/>
-            </a:avLst>
-          </a:prstGeom>
-          <a:solidFill>
-            <a:schemeClr val="bg2"/>
-          </a:solidFill>
-        </p:spPr>
-        <p:style>
-          <a:lnRef idx="1">
-            <a:schemeClr val="dk1"/>
-          </a:lnRef>
-          <a:fillRef idx="2">
-            <a:schemeClr val="dk1"/>
-          </a:fillRef>
-          <a:effectRef idx="1">
-            <a:schemeClr val="dk1"/>
-          </a:effectRef>
-          <a:fontRef idx="minor">
-            <a:schemeClr val="dk1"/>
-          </a:fontRef>
-        </p:style>
-        <p:txBody>
-          <a:bodyPr rtlCol="0" anchor="t"/>
-          <a:lstStyle/>
-          <a:p>
-            <a:r>
-              <a:rPr lang="en-US" b="1" dirty="0" smtClean="0"/>
-              <a:t>Inputs</a:t>
-            </a:r>
-            <a:endParaRPr lang="en-US" dirty="0" smtClean="0"/>
-          </a:p>
-          <a:p>
-            <a:pPr marL="285750" lvl="0" indent="-285750">
-              <a:buFont typeface="Arial" panose="020B0604020202020204" pitchFamily="34" charset="0"/>
-              <a:buChar char="•"/>
-            </a:pPr>
-            <a:r>
-              <a:rPr lang="en-US" dirty="0" smtClean="0"/>
-              <a:t>Array of X and Y values that represent waypoint possibilities</a:t>
-            </a:r>
-          </a:p>
-        </p:txBody>
-      </p:sp>
-      <p:sp>
-        <p:nvSpPr>
-          <p:cNvPr id="21" name="Down Arrow Callout 20"/>
-          <p:cNvSpPr/>
-          <p:nvPr/>
-        </p:nvSpPr>
-        <p:spPr>
-          <a:xfrm>
-            <a:off x="260496" y="2979025"/>
-            <a:ext cx="4235304" cy="2586888"/>
-          </a:xfrm>
-          <a:prstGeom prst="downArrowCallout">
-            <a:avLst>
-              <a:gd name="adj1" fmla="val 11500"/>
-              <a:gd name="adj2" fmla="val 9968"/>
-              <a:gd name="adj3" fmla="val 8383"/>
-              <a:gd name="adj4" fmla="val 87297"/>
-            </a:avLst>
-          </a:prstGeom>
-          <a:solidFill>
-            <a:schemeClr val="bg2"/>
-          </a:solidFill>
-        </p:spPr>
-        <p:style>
-          <a:lnRef idx="1">
-            <a:schemeClr val="dk1"/>
-          </a:lnRef>
-          <a:fillRef idx="2">
-            <a:schemeClr val="dk1"/>
-          </a:fillRef>
-          <a:effectRef idx="1">
-            <a:schemeClr val="dk1"/>
-          </a:effectRef>
-          <a:fontRef idx="minor">
-            <a:schemeClr val="dk1"/>
-          </a:fontRef>
-        </p:style>
-        <p:txBody>
-          <a:bodyPr rtlCol="0" anchor="t"/>
-          <a:lstStyle/>
-          <a:p>
-            <a:r>
-              <a:rPr lang="en-US" b="1" dirty="0" smtClean="0"/>
-              <a:t>Process</a:t>
-            </a:r>
-            <a:endParaRPr lang="en-US" dirty="0"/>
-          </a:p>
-          <a:p>
-            <a:pPr marL="285750" indent="-285750">
-              <a:buFont typeface="Arial" panose="020B0604020202020204" pitchFamily="34" charset="0"/>
-              <a:buChar char="•"/>
-            </a:pPr>
-            <a:r>
-              <a:rPr lang="en-US" dirty="0" smtClean="0"/>
-              <a:t>Determine path based on least cost approach</a:t>
-            </a:r>
-          </a:p>
-          <a:p>
-            <a:pPr marL="285750" indent="-285750">
-              <a:buFont typeface="Arial" panose="020B0604020202020204" pitchFamily="34" charset="0"/>
-              <a:buChar char="•"/>
-            </a:pPr>
-            <a:r>
-              <a:rPr lang="en-US" dirty="0" smtClean="0"/>
-              <a:t>Cost </a:t>
-            </a:r>
-            <a:r>
-              <a:rPr lang="en-US" dirty="0"/>
-              <a:t>= g(n) + </a:t>
-            </a:r>
-            <a:r>
-              <a:rPr lang="en-US" dirty="0" smtClean="0"/>
-              <a:t>h(n)</a:t>
-            </a:r>
-          </a:p>
-          <a:p>
-            <a:pPr marL="742950" lvl="1" indent="-285750">
-              <a:buFont typeface="Arial" panose="020B0604020202020204" pitchFamily="34" charset="0"/>
-              <a:buChar char="•"/>
-            </a:pPr>
-            <a:r>
-              <a:rPr lang="en-US" dirty="0" smtClean="0"/>
-              <a:t>g(n</a:t>
-            </a:r>
-            <a:r>
-              <a:rPr lang="en-US" dirty="0"/>
-              <a:t>) = known cost (previously </a:t>
-            </a:r>
-            <a:r>
-              <a:rPr lang="en-US" dirty="0" smtClean="0"/>
-              <a:t>traversed)</a:t>
-            </a:r>
-          </a:p>
-          <a:p>
-            <a:pPr marL="742950" lvl="1" indent="-285750">
-              <a:buFont typeface="Arial" panose="020B0604020202020204" pitchFamily="34" charset="0"/>
-              <a:buChar char="•"/>
-            </a:pPr>
-            <a:r>
-              <a:rPr lang="en-US" dirty="0" smtClean="0"/>
-              <a:t>h(n</a:t>
-            </a:r>
-            <a:r>
-              <a:rPr lang="en-US" dirty="0"/>
-              <a:t>) = estimate of node -&gt; goal distance</a:t>
-            </a:r>
-          </a:p>
-          <a:p>
-            <a:pPr marL="285750" lvl="0" indent="-285750">
-              <a:buFont typeface="Arial" panose="020B0604020202020204" pitchFamily="34" charset="0"/>
-              <a:buChar char="•"/>
-            </a:pPr>
-            <a:endParaRPr lang="en-US" dirty="0"/>
-          </a:p>
-        </p:txBody>
-      </p:sp>
-      <p:sp>
-        <p:nvSpPr>
-          <p:cNvPr id="22" name="Rectangle 21"/>
-          <p:cNvSpPr/>
-          <p:nvPr/>
-        </p:nvSpPr>
-        <p:spPr>
-          <a:xfrm>
-            <a:off x="260496" y="5610351"/>
-            <a:ext cx="4235304" cy="1004992"/>
-          </a:xfrm>
-          <a:prstGeom prst="rect">
-            <a:avLst/>
-          </a:prstGeom>
-          <a:solidFill>
-            <a:schemeClr val="bg2"/>
-          </a:solidFill>
-        </p:spPr>
-        <p:style>
-          <a:lnRef idx="1">
-            <a:schemeClr val="dk1"/>
-          </a:lnRef>
-          <a:fillRef idx="2">
-            <a:schemeClr val="dk1"/>
-          </a:fillRef>
-          <a:effectRef idx="1">
-            <a:schemeClr val="dk1"/>
-          </a:effectRef>
-          <a:fontRef idx="minor">
-            <a:schemeClr val="dk1"/>
-          </a:fontRef>
-        </p:style>
-        <p:txBody>
-          <a:bodyPr rtlCol="0" anchor="t"/>
-          <a:lstStyle/>
-          <a:p>
-            <a:r>
-              <a:rPr lang="en-US" b="1" dirty="0" smtClean="0"/>
-              <a:t>Outputs</a:t>
-            </a:r>
-          </a:p>
-          <a:p>
-            <a:pPr marL="285750" lvl="0" indent="-285750">
-              <a:buFont typeface="Arial" panose="020B0604020202020204" pitchFamily="34" charset="0"/>
-              <a:buChar char="•"/>
-            </a:pPr>
-            <a:r>
-              <a:rPr lang="en-US" dirty="0" smtClean="0"/>
-              <a:t>Array of nodes defining path</a:t>
-            </a:r>
-            <a:endParaRPr lang="en-US" dirty="0"/>
-          </a:p>
-        </p:txBody>
-      </p:sp>
     </p:spTree>
     <p:extLst>
       <p:ext uri="{BB962C8B-B14F-4D97-AF65-F5344CB8AC3E}">
-        <p14:creationId xmlns:p14="http://schemas.microsoft.com/office/powerpoint/2010/main" val="3008517176"/>
+        <p14:creationId xmlns:p14="http://schemas.microsoft.com/office/powerpoint/2010/main" val="809357820"/>
       </p:ext>
     </p:extLst>
   </p:cSld>
@@ -7993,6 +7706,16 @@
             <a:p>
               <a:pPr algn="ctr"/>
               <a:r>
+                <a:rPr lang="en-US" sz="2400" dirty="0">
+                  <a:solidFill>
+                    <a:srgbClr val="FFFFFF"/>
+                  </a:solidFill>
+                  <a:latin typeface="Candara"/>
+                  <a:cs typeface="Candara"/>
+                </a:rPr>
+                <a:t>Path Planning – </a:t>
+              </a:r>
+              <a:r>
                 <a:rPr lang="en-US" sz="2400" dirty="0" smtClean="0">
                   <a:solidFill>
                     <a:srgbClr val="FFFFFF"/>
@@ -8000,7 +7723,37 @@
                   <a:latin typeface="Candara"/>
                   <a:cs typeface="Candara"/>
                 </a:rPr>
-                <a:t>Path Planning – Summary</a:t>
+                <a:t>Backup </a:t>
+              </a:r>
+              <a:r>
+                <a:rPr lang="en-US" sz="2400" dirty="0" smtClean="0">
+                  <a:solidFill>
+                    <a:srgbClr val="FFFFFF"/>
+                  </a:solidFill>
+                  <a:latin typeface="Candara"/>
+                  <a:cs typeface="Candara"/>
+                </a:rPr>
+                <a:t>(</a:t>
+              </a:r>
+              <a:r>
+                <a:rPr lang="en-US" sz="2400" dirty="0" err="1" smtClean="0">
+                  <a:solidFill>
+                    <a:srgbClr val="FFFFFF"/>
+                  </a:solidFill>
+                  <a:latin typeface="Candara"/>
+                  <a:cs typeface="Candara"/>
+                </a:rPr>
+                <a:t>Voronoi</a:t>
+              </a:r>
+              <a:r>
+                <a:rPr lang="en-US" sz="2400" dirty="0" smtClean="0">
+                  <a:solidFill>
+                    <a:srgbClr val="FFFFFF"/>
+                  </a:solidFill>
+                  <a:latin typeface="Candara"/>
+                  <a:cs typeface="Candara"/>
+                </a:rPr>
+                <a:t>)</a:t>
               </a:r>
               <a:endParaRPr lang="en-US" sz="2400" dirty="0">
                 <a:solidFill>
@@ -8013,587 +7766,95 @@
           </p:txBody>
         </p:sp>
       </p:grpSp>
-      <p:graphicFrame>
-        <p:nvGraphicFramePr>
-          <p:cNvPr id="3" name="Table 2"/>
-          <p:cNvGraphicFramePr>
-            <a:graphicFrameLocks noGrp="1"/>
-          </p:cNvGraphicFramePr>
+      <p:sp>
+        <p:nvSpPr>
+          <p:cNvPr id="11" name="Content Placeholder 10"/>
+          <p:cNvSpPr>
+            <a:spLocks noGrp="1"/>
+          </p:cNvSpPr>
           <p:nvPr>
-            <p:extLst/>
+            <p:ph sz="half" idx="1"/>
           </p:nvPr>
-        </p:nvGraphicFramePr>
-        <p:xfrm>
-          <a:off x="170121" y="1035667"/>
-          <a:ext cx="8803758" cy="4907280"/>
-        </p:xfrm>
-        <a:graphic>
-          <a:graphicData uri="http://schemas.openxmlformats.org/drawingml/2006/table">
-            <a:tbl>
-              <a:tblPr>
-                <a:tableStyleId>{D7AC3CCA-C797-4891-BE02-D94E43425B78}</a:tableStyleId>
-              </a:tblPr>
-              <a:tblGrid>
-                <a:gridCol w="805222"/>
-                <a:gridCol w="2941743"/>
-                <a:gridCol w="5056793"/>
-              </a:tblGrid>
-              <a:tr h="0">
-                <a:tc gridSpan="2">
-                  <a:txBody>
-                    <a:bodyPr/>
-                    <a:lstStyle/>
-                    <a:p>
-                      <a:pPr algn="l" fontAlgn="ctr"/>
-                      <a:r>
-                        <a:rPr lang="en-US" sz="1400" b="1" i="0" u="none" strike="noStrike" dirty="0" smtClean="0">
-                          <a:solidFill>
-                            <a:srgbClr val="000000"/>
-                          </a:solidFill>
-                          <a:effectLst/>
-                          <a:latin typeface="Calibri (Body)"/>
-                        </a:rPr>
-                        <a:t>Level 3</a:t>
-                      </a:r>
-                      <a:endParaRPr lang="en-US" sz="1400" b="1" i="0" u="none" strike="noStrike" dirty="0">
-                        <a:solidFill>
-                          <a:srgbClr val="000000"/>
-                        </a:solidFill>
-                        <a:effectLst/>
-                        <a:latin typeface="Calibri (Body)"/>
-                      </a:endParaRPr>
-                    </a:p>
-                  </a:txBody>
-                  <a:tcPr anchor="ctr"/>
-                </a:tc>
-                <a:tc hMerge="1">
-                  <a:txBody>
-                    <a:bodyPr/>
-                    <a:lstStyle/>
-                    <a:p>
-                      <a:endParaRPr lang="en-US"/>
-                    </a:p>
-                  </a:txBody>
-                  <a:tcPr/>
-                </a:tc>
-                <a:tc>
-                  <a:txBody>
-                    <a:bodyPr/>
-                    <a:lstStyle/>
-                    <a:p>
-                      <a:pPr algn="l" fontAlgn="ctr"/>
-                      <a:r>
-                        <a:rPr lang="en-US" sz="1400" b="1" i="0" u="none" strike="noStrike" dirty="0" smtClean="0">
-                          <a:solidFill>
-                            <a:srgbClr val="000000"/>
-                          </a:solidFill>
-                          <a:effectLst/>
-                          <a:latin typeface="Calibri (Body)"/>
-                        </a:rPr>
-                        <a:t>PRM/NN+2Opt Solution</a:t>
-                      </a:r>
-                      <a:endParaRPr lang="en-US" sz="1400" b="1" i="0" u="none" strike="noStrike" dirty="0">
-                        <a:solidFill>
-                          <a:srgbClr val="000000"/>
-                        </a:solidFill>
-                        <a:effectLst/>
-                        <a:latin typeface="Calibri (Body)"/>
-                      </a:endParaRPr>
-                    </a:p>
-                  </a:txBody>
-                  <a:tcPr anchor="ctr"/>
-                </a:tc>
-              </a:tr>
-              <a:tr h="0">
-                <a:tc>
-                  <a:txBody>
-                    <a:bodyPr/>
-                    <a:lstStyle/>
-                    <a:p>
-                      <a:r>
-                        <a:rPr lang="en-US" sz="1600" dirty="0" smtClean="0"/>
-                        <a:t>1.2.1</a:t>
-                      </a:r>
-                      <a:endParaRPr lang="en-US" sz="1600" dirty="0"/>
-                    </a:p>
-                  </a:txBody>
-                  <a:tcPr anchor="ctr">
-                    <a:noFill/>
-                  </a:tcPr>
-                </a:tc>
-                <a:tc>
-                  <a:txBody>
-                    <a:bodyPr/>
-                    <a:lstStyle/>
-                    <a:p>
-                      <a:pPr algn="l" fontAlgn="ctr"/>
-                      <a:r>
-                        <a:rPr lang="en-US" sz="1600" u="none" strike="noStrike" dirty="0">
-                          <a:effectLst/>
-                        </a:rPr>
-                        <a:t>The vehicles shall avoid unrecoverable collisions with obstacles</a:t>
-                      </a:r>
-                      <a:endParaRPr lang="en-US" sz="1600" b="0" i="0" u="none" strike="noStrike" dirty="0">
-                        <a:solidFill>
-                          <a:srgbClr val="000000"/>
-                        </a:solidFill>
-                        <a:effectLst/>
-                        <a:latin typeface="Calibri (Body)"/>
-                      </a:endParaRPr>
-                    </a:p>
-                  </a:txBody>
-                  <a:tcPr anchor="ctr">
-                    <a:noFill/>
-                  </a:tcPr>
-                </a:tc>
-                <a:tc>
-                  <a:txBody>
-                    <a:bodyPr/>
-                    <a:lstStyle/>
-                    <a:p>
-                      <a:pPr algn="l" fontAlgn="ctr"/>
-                      <a:r>
-                        <a:rPr lang="en-US" sz="1600" u="none" strike="noStrike" kern="1200" dirty="0" smtClean="0">
-                          <a:solidFill>
-                            <a:schemeClr val="dk1"/>
-                          </a:solidFill>
-                          <a:effectLst/>
-                          <a:latin typeface="+mn-lt"/>
-                          <a:ea typeface="+mn-ea"/>
-                          <a:cs typeface="+mn-cs"/>
-                        </a:rPr>
-                        <a:t>- Nodes are randomly placed in open space.</a:t>
-                      </a:r>
-                    </a:p>
-                    <a:p>
-                      <a:pPr algn="l" fontAlgn="ctr"/>
-                      <a:r>
-                        <a:rPr lang="en-US" sz="1600" u="none" strike="noStrike" kern="1200" dirty="0" smtClean="0">
-                          <a:solidFill>
-                            <a:schemeClr val="dk1"/>
-                          </a:solidFill>
-                          <a:effectLst/>
-                          <a:latin typeface="+mn-lt"/>
-                          <a:ea typeface="+mn-ea"/>
-                          <a:cs typeface="+mn-cs"/>
-                        </a:rPr>
-                        <a:t>- Collision-prone node connections are discarded.</a:t>
-                      </a:r>
-                      <a:endParaRPr lang="en-US" sz="1600" u="none" strike="noStrike" kern="1200" dirty="0">
-                        <a:solidFill>
-                          <a:schemeClr val="dk1"/>
-                        </a:solidFill>
-                        <a:effectLst/>
-                        <a:latin typeface="+mn-lt"/>
-                        <a:ea typeface="+mn-ea"/>
-                        <a:cs typeface="+mn-cs"/>
-                      </a:endParaRPr>
-                    </a:p>
-                  </a:txBody>
-                  <a:tcPr anchor="ctr">
-                    <a:noFill/>
-                  </a:tcPr>
-                </a:tc>
-              </a:tr>
-              <a:tr h="0">
-                <a:tc>
-                  <a:txBody>
-                    <a:bodyPr/>
-                    <a:lstStyle/>
-                    <a:p>
-                      <a:r>
-                        <a:rPr lang="en-US" sz="1600" dirty="0" smtClean="0"/>
-                        <a:t>1.2.2</a:t>
-                      </a:r>
-                      <a:endParaRPr lang="en-US" sz="1600" dirty="0"/>
-                    </a:p>
-                  </a:txBody>
-                  <a:tcPr anchor="ctr">
-                    <a:noFill/>
-                  </a:tcPr>
-                </a:tc>
-                <a:tc>
-                  <a:txBody>
-                    <a:bodyPr/>
-                    <a:lstStyle/>
-                    <a:p>
-                      <a:pPr algn="l" fontAlgn="ctr"/>
-                      <a:r>
-                        <a:rPr lang="en-US" sz="1600" u="none" strike="noStrike" dirty="0">
-                          <a:effectLst/>
-                        </a:rPr>
-                        <a:t>The system shall plan vehicle trajectories through the environment</a:t>
-                      </a:r>
-                      <a:endParaRPr lang="en-US" sz="1600" b="0" i="0" u="none" strike="noStrike" dirty="0">
-                        <a:solidFill>
-                          <a:srgbClr val="000000"/>
-                        </a:solidFill>
-                        <a:effectLst/>
-                        <a:latin typeface="Calibri (Body)"/>
-                      </a:endParaRPr>
-                    </a:p>
-                  </a:txBody>
-                  <a:tcPr anchor="ctr">
-                    <a:noFill/>
-                  </a:tcPr>
-                </a:tc>
-                <a:tc>
-                  <a:txBody>
-                    <a:bodyPr/>
-                    <a:lstStyle/>
-                    <a:p>
-                      <a:pPr algn="l" fontAlgn="ctr"/>
-                      <a:r>
-                        <a:rPr lang="en-US" sz="1600" u="none" strike="noStrike" kern="1200" dirty="0" smtClean="0">
-                          <a:solidFill>
-                            <a:schemeClr val="dk1"/>
-                          </a:solidFill>
-                          <a:effectLst/>
-                          <a:latin typeface="+mn-lt"/>
-                          <a:ea typeface="+mn-ea"/>
-                          <a:cs typeface="+mn-cs"/>
-                        </a:rPr>
-                        <a:t>- Roadmap provides collision-free paths to most points in open space.</a:t>
-                      </a:r>
-                    </a:p>
-                    <a:p>
-                      <a:pPr algn="l" fontAlgn="ctr"/>
-                      <a:r>
-                        <a:rPr lang="en-US" sz="1600" u="none" strike="noStrike" kern="1200" dirty="0" smtClean="0">
-                          <a:solidFill>
-                            <a:schemeClr val="dk1"/>
-                          </a:solidFill>
-                          <a:effectLst/>
-                          <a:latin typeface="+mn-lt"/>
-                          <a:ea typeface="+mn-ea"/>
-                          <a:cs typeface="+mn-cs"/>
-                        </a:rPr>
-                        <a:t>- NN+2Opt</a:t>
-                      </a:r>
-                      <a:r>
-                        <a:rPr lang="en-US" sz="1600" u="none" strike="noStrike" kern="1200" baseline="0" dirty="0" smtClean="0">
-                          <a:solidFill>
-                            <a:schemeClr val="dk1"/>
-                          </a:solidFill>
-                          <a:effectLst/>
-                          <a:latin typeface="+mn-lt"/>
-                          <a:ea typeface="+mn-ea"/>
-                          <a:cs typeface="+mn-cs"/>
-                        </a:rPr>
-                        <a:t> method provides a trajectory to visit most of the open space on the roadmap.</a:t>
-                      </a:r>
-                      <a:endParaRPr lang="en-US" sz="1600" u="none" strike="noStrike" kern="1200" dirty="0" smtClean="0">
-                        <a:solidFill>
-                          <a:schemeClr val="dk1"/>
-                        </a:solidFill>
-                        <a:effectLst/>
-                        <a:latin typeface="+mn-lt"/>
-                        <a:ea typeface="+mn-ea"/>
-                        <a:cs typeface="+mn-cs"/>
-                      </a:endParaRPr>
-                    </a:p>
-                  </a:txBody>
-                  <a:tcPr anchor="ctr">
-                    <a:noFill/>
-                  </a:tcPr>
-                </a:tc>
-              </a:tr>
-              <a:tr h="0">
-                <a:tc>
-                  <a:txBody>
-                    <a:bodyPr/>
-                    <a:lstStyle/>
-                    <a:p>
-                      <a:r>
-                        <a:rPr lang="en-US" sz="1600" dirty="0" smtClean="0"/>
-                        <a:t>1.2.3</a:t>
-                      </a:r>
-                      <a:endParaRPr lang="en-US" sz="1600" dirty="0"/>
-                    </a:p>
-                  </a:txBody>
-                  <a:tcPr anchor="ctr">
-                    <a:noFill/>
-                  </a:tcPr>
-                </a:tc>
-                <a:tc>
-                  <a:txBody>
-                    <a:bodyPr/>
-                    <a:lstStyle/>
-                    <a:p>
-                      <a:pPr algn="l" fontAlgn="ctr"/>
-                      <a:r>
-                        <a:rPr lang="en-US" sz="1600" u="none" strike="noStrike" dirty="0">
-                          <a:effectLst/>
-                        </a:rPr>
-                        <a:t>The vehicles shall move through the environment along planned trajectories to within 20 RMS error of the planned trajectory when no obstacles are present.</a:t>
-                      </a:r>
-                      <a:endParaRPr lang="en-US" sz="1600" b="0" i="0" u="none" strike="noStrike" dirty="0">
-                        <a:solidFill>
-                          <a:srgbClr val="000000"/>
-                        </a:solidFill>
-                        <a:effectLst/>
-                        <a:latin typeface="Calibri (Body)"/>
-                      </a:endParaRPr>
-                    </a:p>
-                  </a:txBody>
-                  <a:tcPr anchor="ctr">
-                    <a:noFill/>
-                  </a:tcPr>
-                </a:tc>
-                <a:tc>
-                  <a:txBody>
-                    <a:bodyPr/>
-                    <a:lstStyle/>
-                    <a:p>
-                      <a:pPr algn="l" fontAlgn="ctr"/>
-                      <a:r>
-                        <a:rPr lang="en-US" sz="1600" u="none" strike="noStrike" kern="1200" dirty="0" smtClean="0">
-                          <a:solidFill>
-                            <a:schemeClr val="dk1"/>
-                          </a:solidFill>
-                          <a:effectLst/>
-                          <a:latin typeface="+mn-lt"/>
-                          <a:ea typeface="+mn-ea"/>
-                          <a:cs typeface="+mn-cs"/>
-                        </a:rPr>
-                        <a:t>- NN+2Opt</a:t>
-                      </a:r>
-                      <a:r>
-                        <a:rPr lang="en-US" sz="1600" u="none" strike="noStrike" kern="1200" baseline="0" dirty="0" smtClean="0">
-                          <a:solidFill>
-                            <a:schemeClr val="dk1"/>
-                          </a:solidFill>
-                          <a:effectLst/>
-                          <a:latin typeface="+mn-lt"/>
-                          <a:ea typeface="+mn-ea"/>
-                          <a:cs typeface="+mn-cs"/>
-                        </a:rPr>
-                        <a:t> provides a trajectory plan that avoids obstacles and visits most of the open space on the roadmap.</a:t>
-                      </a:r>
-                      <a:endParaRPr lang="en-US" sz="1600" u="none" strike="noStrike" kern="1200" dirty="0">
-                        <a:solidFill>
-                          <a:schemeClr val="dk1"/>
-                        </a:solidFill>
-                        <a:effectLst/>
-                        <a:latin typeface="+mn-lt"/>
-                        <a:ea typeface="+mn-ea"/>
-                        <a:cs typeface="+mn-cs"/>
-                      </a:endParaRPr>
-                    </a:p>
-                  </a:txBody>
-                  <a:tcPr anchor="ctr">
-                    <a:noFill/>
-                  </a:tcPr>
-                </a:tc>
-              </a:tr>
-              <a:tr h="0">
-                <a:tc>
-                  <a:txBody>
-                    <a:bodyPr/>
-                    <a:lstStyle/>
-                    <a:p>
-                      <a:r>
-                        <a:rPr lang="en-US" sz="1600" u="none" strike="noStrike" kern="1200" dirty="0" smtClean="0">
-                          <a:solidFill>
-                            <a:schemeClr val="dk1"/>
-                          </a:solidFill>
-                          <a:effectLst/>
-                          <a:latin typeface="+mn-lt"/>
-                          <a:ea typeface="+mn-ea"/>
-                          <a:cs typeface="+mn-cs"/>
-                        </a:rPr>
-                        <a:t>1.2.4</a:t>
-                      </a:r>
-                      <a:endParaRPr lang="en-US" sz="1600" u="none" strike="noStrike" kern="1200" dirty="0">
-                        <a:solidFill>
-                          <a:schemeClr val="dk1"/>
-                        </a:solidFill>
-                        <a:effectLst/>
-                        <a:latin typeface="+mn-lt"/>
-                        <a:ea typeface="+mn-ea"/>
-                        <a:cs typeface="+mn-cs"/>
-                      </a:endParaRPr>
-                    </a:p>
-                  </a:txBody>
-                  <a:tcPr anchor="ctr">
-                    <a:noFill/>
-                  </a:tcPr>
-                </a:tc>
-                <a:tc>
-                  <a:txBody>
-                    <a:bodyPr/>
-                    <a:lstStyle/>
-                    <a:p>
-                      <a:pPr algn="l" fontAlgn="ctr"/>
-                      <a:r>
-                        <a:rPr lang="en-US" sz="1600" u="none" strike="noStrike" kern="1200" dirty="0" smtClean="0">
-                          <a:solidFill>
-                            <a:schemeClr val="dk1"/>
-                          </a:solidFill>
-                          <a:effectLst/>
-                          <a:latin typeface="+mn-lt"/>
-                          <a:ea typeface="+mn-ea"/>
-                          <a:cs typeface="+mn-cs"/>
-                        </a:rPr>
-                        <a:t>The aerial vehicle will maintain a minimum distance of 5 cm from obstacles</a:t>
-                      </a:r>
-                      <a:endParaRPr lang="en-US" sz="1600" u="none" strike="noStrike" kern="1200" dirty="0">
-                        <a:solidFill>
-                          <a:schemeClr val="dk1"/>
-                        </a:solidFill>
-                        <a:effectLst/>
-                        <a:latin typeface="+mn-lt"/>
-                        <a:ea typeface="+mn-ea"/>
-                        <a:cs typeface="+mn-cs"/>
-                      </a:endParaRPr>
-                    </a:p>
-                  </a:txBody>
-                  <a:tcPr anchor="ctr">
-                    <a:noFill/>
-                  </a:tcPr>
-                </a:tc>
-                <a:tc>
-                  <a:txBody>
-                    <a:bodyPr/>
-                    <a:lstStyle/>
-                    <a:p>
-                      <a:pPr algn="l" fontAlgn="ctr"/>
-                      <a:r>
-                        <a:rPr lang="en-US" sz="1600" u="none" strike="noStrike" kern="1200" dirty="0" smtClean="0">
-                          <a:solidFill>
-                            <a:schemeClr val="dk1"/>
-                          </a:solidFill>
-                          <a:effectLst/>
-                          <a:latin typeface="+mn-lt"/>
-                          <a:ea typeface="+mn-ea"/>
-                          <a:cs typeface="+mn-cs"/>
-                        </a:rPr>
-                        <a:t>- PRM</a:t>
-                      </a:r>
-                      <a:r>
-                        <a:rPr lang="en-US" sz="1600" u="none" strike="noStrike" kern="1200" baseline="0" dirty="0" smtClean="0">
-                          <a:solidFill>
-                            <a:schemeClr val="dk1"/>
-                          </a:solidFill>
-                          <a:effectLst/>
-                          <a:latin typeface="+mn-lt"/>
-                          <a:ea typeface="+mn-ea"/>
-                          <a:cs typeface="+mn-cs"/>
-                        </a:rPr>
-                        <a:t> has the capability to configure the minimum distance from obstacles.</a:t>
-                      </a:r>
-                      <a:endParaRPr lang="en-US" sz="1600" u="none" strike="noStrike" kern="1200" dirty="0">
-                        <a:solidFill>
-                          <a:schemeClr val="dk1"/>
-                        </a:solidFill>
-                        <a:effectLst/>
-                        <a:latin typeface="+mn-lt"/>
-                        <a:ea typeface="+mn-ea"/>
-                        <a:cs typeface="+mn-cs"/>
-                      </a:endParaRPr>
-                    </a:p>
-                  </a:txBody>
-                  <a:tcPr anchor="ctr">
-                    <a:noFill/>
-                  </a:tcPr>
-                </a:tc>
-              </a:tr>
-              <a:tr h="0">
-                <a:tc>
-                  <a:txBody>
-                    <a:bodyPr/>
-                    <a:lstStyle/>
-                    <a:p>
-                      <a:r>
-                        <a:rPr lang="en-US" sz="1600" dirty="0" smtClean="0"/>
-                        <a:t>4.4.1</a:t>
-                      </a:r>
-                      <a:endParaRPr lang="en-US" sz="1600" dirty="0"/>
-                    </a:p>
-                  </a:txBody>
-                  <a:tcPr anchor="ctr">
-                    <a:noFill/>
-                  </a:tcPr>
-                </a:tc>
-                <a:tc>
-                  <a:txBody>
-                    <a:bodyPr/>
-                    <a:lstStyle/>
-                    <a:p>
-                      <a:pPr algn="l" fontAlgn="ctr"/>
-                      <a:r>
-                        <a:rPr lang="en-US" sz="1600" u="none" strike="noStrike" dirty="0" smtClean="0">
-                          <a:effectLst/>
-                        </a:rPr>
-                        <a:t>The system shall make all navigation decisions onboard.</a:t>
-                      </a:r>
-                      <a:endParaRPr lang="en-US" sz="1600" b="0" i="0" u="none" strike="noStrike" dirty="0">
-                        <a:solidFill>
-                          <a:srgbClr val="000000"/>
-                        </a:solidFill>
-                        <a:effectLst/>
-                        <a:latin typeface="Calibri (Body)"/>
-                      </a:endParaRPr>
-                    </a:p>
-                  </a:txBody>
-                  <a:tcPr anchor="ctr">
-                    <a:noFill/>
-                  </a:tcPr>
-                </a:tc>
-                <a:tc>
-                  <a:txBody>
-                    <a:bodyPr/>
-                    <a:lstStyle/>
-                    <a:p>
-                      <a:pPr algn="l" fontAlgn="ctr"/>
-                      <a:r>
-                        <a:rPr lang="en-US" sz="1600" u="none" strike="noStrike" kern="1200" dirty="0" smtClean="0">
-                          <a:solidFill>
-                            <a:schemeClr val="dk1"/>
-                          </a:solidFill>
-                          <a:effectLst/>
-                          <a:latin typeface="+mn-lt"/>
-                          <a:ea typeface="+mn-ea"/>
-                          <a:cs typeface="+mn-cs"/>
-                        </a:rPr>
-                        <a:t>- PRM approach provides</a:t>
-                      </a:r>
-                      <a:r>
-                        <a:rPr lang="en-US" sz="1600" u="none" strike="noStrike" kern="1200" baseline="0" dirty="0" smtClean="0">
-                          <a:solidFill>
-                            <a:schemeClr val="dk1"/>
-                          </a:solidFill>
-                          <a:effectLst/>
-                          <a:latin typeface="+mn-lt"/>
-                          <a:ea typeface="+mn-ea"/>
-                          <a:cs typeface="+mn-cs"/>
-                        </a:rPr>
-                        <a:t> position set points in open space with collision-free paths between them.</a:t>
-                      </a:r>
-                      <a:endParaRPr lang="en-US" sz="1600" u="none" strike="noStrike" kern="1200" dirty="0">
-                        <a:solidFill>
-                          <a:schemeClr val="dk1"/>
-                        </a:solidFill>
-                        <a:effectLst/>
-                        <a:latin typeface="+mn-lt"/>
-                        <a:ea typeface="+mn-ea"/>
-                        <a:cs typeface="+mn-cs"/>
-                      </a:endParaRPr>
-                    </a:p>
-                  </a:txBody>
-                  <a:tcPr anchor="ctr">
-                    <a:noFill/>
-                  </a:tcPr>
-                </a:tc>
-              </a:tr>
-            </a:tbl>
-          </a:graphicData>
-        </a:graphic>
-      </p:graphicFrame>
+        </p:nvSpPr>
+        <p:spPr>
+          <a:xfrm>
+            <a:off x="308343" y="1073888"/>
+            <a:ext cx="4187457" cy="5474806"/>
+          </a:xfrm>
+        </p:spPr>
+        <p:txBody>
+          <a:bodyPr>
+            <a:normAutofit/>
+          </a:bodyPr>
+          <a:lstStyle/>
+          <a:p>
+            <a:r>
+              <a:rPr lang="en-US" sz="2400" dirty="0" smtClean="0"/>
+              <a:t>Fewer nodes to evaluate than probabilistic methods</a:t>
+            </a:r>
+          </a:p>
+          <a:p>
+            <a:r>
+              <a:rPr lang="en-US" sz="2400" dirty="0" smtClean="0"/>
+              <a:t>Optimum obstacle margin</a:t>
+            </a:r>
+          </a:p>
+          <a:p>
+            <a:pPr lvl="1"/>
+            <a:r>
+              <a:rPr lang="en-US" sz="2000" dirty="0" smtClean="0"/>
+              <a:t>Paths automatically as far from obstacles as possible</a:t>
+            </a:r>
+          </a:p>
+          <a:p>
+            <a:r>
+              <a:rPr lang="en-US" sz="2400" dirty="0" smtClean="0"/>
+              <a:t>Open spaces are often node sparse</a:t>
+            </a:r>
+          </a:p>
+          <a:p>
+            <a:pPr lvl="1"/>
+            <a:r>
+              <a:rPr lang="en-US" sz="2000" dirty="0" smtClean="0"/>
+              <a:t>Depending on size of room, could require node addition to fill out space</a:t>
+            </a:r>
+          </a:p>
+          <a:p>
+            <a:endParaRPr lang="en-US" dirty="0" smtClean="0"/>
+          </a:p>
+          <a:p>
+            <a:endParaRPr lang="en-US" dirty="0"/>
+          </a:p>
+        </p:txBody>
+      </p:sp>
+      <p:pic>
+        <p:nvPicPr>
+          <p:cNvPr id="10" name="Picture 9"/>
+          <p:cNvPicPr>
+            <a:picLocks noChangeAspect="1"/>
+          </p:cNvPicPr>
+          <p:nvPr/>
+        </p:nvPicPr>
+        <p:blipFill>
+          <a:blip r:embed="rId4"/>
+          <a:stretch>
+            <a:fillRect/>
+          </a:stretch>
+        </p:blipFill>
+        <p:spPr>
+          <a:xfrm>
+            <a:off x="4495800" y="1098212"/>
+            <a:ext cx="3970542" cy="5529938"/>
+          </a:xfrm>
+          <a:prstGeom prst="rect">
+            <a:avLst/>
+          </a:prstGeom>
+        </p:spPr>
+      </p:pic>
     </p:spTree>
     <p:extLst>
       <p:ext uri="{BB962C8B-B14F-4D97-AF65-F5344CB8AC3E}">
-        <p14:creationId xmlns:p14="http://schemas.microsoft.com/office/powerpoint/2010/main" val="2998875460"/>
+        <p14:creationId xmlns:p14="http://schemas.microsoft.com/office/powerpoint/2010/main" val="138996507"/>
       </p:ext>
     </p:extLst>
   </p:cSld>
@@ -8686,7 +7947,7 @@
             <p:nvPr/>
           </p:nvPicPr>
           <p:blipFill>
-            <a:blip r:embed="rId3">
+            <a:blip r:embed="rId2">
               <a:extLst>
                 <a:ext uri="{28A0092B-C50C-407E-A947-70E740481C1C}">
                   <a14:useLocalDpi xmlns:a14="http://schemas.microsoft.com/office/drawing/2010/main" val="0"/>
@@ -8763,7 +8024,7 @@
             <p:nvPr/>
           </p:nvPicPr>
           <p:blipFill>
-            <a:blip r:embed="rId4"/>
+            <a:blip r:embed="rId3"/>
             <a:stretch>
               <a:fillRect/>
             </a:stretch>
@@ -8802,6 +8063,16 @@
             <a:p>
               <a:pPr algn="ctr"/>
               <a:r>
+                <a:rPr lang="en-US" sz="2400" dirty="0">
+                  <a:solidFill>
+                    <a:srgbClr val="FFFFFF"/>
+                  </a:solidFill>
+                  <a:latin typeface="Candara"/>
+                  <a:cs typeface="Candara"/>
+                </a:rPr>
+                <a:t>Path Planning – </a:t>
+              </a:r>
+              <a:r>
                 <a:rPr lang="en-US" sz="2400" dirty="0" smtClean="0">
                   <a:solidFill>
                     <a:srgbClr val="FFFFFF"/>
@@ -8809,7 +8080,7 @@
                   <a:latin typeface="Candara"/>
                   <a:cs typeface="Candara"/>
                 </a:rPr>
-                <a:t>Path Planning – Backup Slides</a:t>
+                <a:t>NN+2Opt Performance</a:t>
               </a:r>
               <a:endParaRPr lang="en-US" sz="2400" dirty="0">
                 <a:solidFill>
@@ -8822,40 +8093,115 @@
           </p:txBody>
         </p:sp>
       </p:grpSp>
-      <p:pic>
-        <p:nvPicPr>
-          <p:cNvPr id="10" name="Picture 9"/>
-          <p:cNvPicPr>
-            <a:picLocks noChangeAspect="1"/>
-          </p:cNvPicPr>
+      <p:sp>
+        <p:nvSpPr>
+          <p:cNvPr id="15" name="TextBox 14"/>
+          <p:cNvSpPr txBox="1"/>
           <p:nvPr/>
-        </p:nvPicPr>
-        <p:blipFill>
-          <a:blip r:embed="rId5"/>
-          <a:stretch>
-            <a:fillRect/>
-          </a:stretch>
-        </p:blipFill>
+        </p:nvSpPr>
         <p:spPr>
           <a:xfrm>
-            <a:off x="737011" y="932902"/>
-            <a:ext cx="7913293" cy="5925098"/>
+            <a:off x="5147874" y="6394805"/>
+            <a:ext cx="3889334" cy="307777"/>
           </a:xfrm>
           <a:prstGeom prst="rect">
             <a:avLst/>
           </a:prstGeom>
+          <a:noFill/>
         </p:spPr>
-      </p:pic>
+        <p:txBody>
+          <a:bodyPr wrap="none" rtlCol="0">
+            <a:spAutoFit/>
+          </a:bodyPr>
+          <a:lstStyle/>
+          <a:p>
+            <a:r>
+              <a:rPr lang="en-US" sz="1400" dirty="0" smtClean="0"/>
+              <a:t>Note: Performance based on Matlab computations</a:t>
+            </a:r>
+            <a:endParaRPr lang="en-US" sz="1400" dirty="0"/>
+          </a:p>
+        </p:txBody>
+      </p:sp>
+      <p:graphicFrame>
+        <p:nvGraphicFramePr>
+          <p:cNvPr id="19" name="Chart 18"/>
+          <p:cNvGraphicFramePr/>
+          <p:nvPr>
+            <p:extLst/>
+          </p:nvPr>
+        </p:nvGraphicFramePr>
+        <p:xfrm>
+          <a:off x="3215229" y="1020725"/>
+          <a:ext cx="5535257" cy="3690171"/>
+        </p:xfrm>
+        <a:graphic>
+          <a:graphicData uri="http://schemas.openxmlformats.org/drawingml/2006/chart">
+            <c:chart xmlns:c="http://schemas.openxmlformats.org/drawingml/2006/chart" xmlns:r="http://schemas.openxmlformats.org/officeDocument/2006/relationships" r:id="rId4"/>
+          </a:graphicData>
+        </a:graphic>
+      </p:graphicFrame>
+      <p:sp>
+        <p:nvSpPr>
+          <p:cNvPr id="22" name="Content Placeholder 1"/>
+          <p:cNvSpPr>
+            <a:spLocks noGrp="1"/>
+          </p:cNvSpPr>
+          <p:nvPr>
+            <p:ph sz="half" idx="1"/>
+          </p:nvPr>
+        </p:nvSpPr>
+        <p:spPr>
+          <a:xfrm>
+            <a:off x="180754" y="1080210"/>
+            <a:ext cx="2944411" cy="5622372"/>
+          </a:xfrm>
+        </p:spPr>
+        <p:txBody>
+          <a:bodyPr>
+            <a:normAutofit/>
+          </a:bodyPr>
+          <a:lstStyle/>
+          <a:p>
+            <a:r>
+              <a:rPr lang="en-US" dirty="0" smtClean="0"/>
+              <a:t>Processing time increases </a:t>
+            </a:r>
+            <a:r>
+              <a:rPr lang="en-US" dirty="0" err="1" smtClean="0"/>
+              <a:t>quadratically</a:t>
+            </a:r>
+            <a:r>
+              <a:rPr lang="en-US" dirty="0" smtClean="0"/>
+              <a:t> as the number of goals increases</a:t>
+            </a:r>
+          </a:p>
+          <a:p>
+            <a:r>
+              <a:rPr lang="en-US" dirty="0" smtClean="0"/>
+              <a:t>Goals are auto-generated for uniform coverage of the open space</a:t>
+            </a:r>
+            <a:endParaRPr lang="en-US" dirty="0"/>
+          </a:p>
+        </p:txBody>
+      </p:sp>
     </p:spTree>
     <p:extLst>
       <p:ext uri="{BB962C8B-B14F-4D97-AF65-F5344CB8AC3E}">
-        <p14:creationId xmlns:p14="http://schemas.microsoft.com/office/powerpoint/2010/main" val="613562657"/>
+        <p14:creationId xmlns:p14="http://schemas.microsoft.com/office/powerpoint/2010/main" val="1399227577"/>
       </p:ext>
     </p:extLst>
   </p:cSld>
   <p:clrMapOvr>
     <a:masterClrMapping/>
   </p:clrMapOvr>
+  <p:timing>
+    <p:tnLst>
+      <p:par>
+        <p:cTn id="1" dur="indefinite" restart="never" nodeType="tmRoot"/>
+      </p:par>
+    </p:tnLst>
+  </p:timing>
 </p:sld>
 </file>
 
@@ -9387,8 +8733,9 @@
             </a:pPr>
             <a:r>
               <a:rPr lang="en-US" dirty="0" smtClean="0"/>
-              <a:t>Waypoint Generation</a:t>
-            </a:r>
+              <a:t>Roadmap Algorithm</a:t>
+            </a:r>
+            <a:endParaRPr lang="en-US" dirty="0" smtClean="0"/>
           </a:p>
           <a:p>
             <a:pPr lvl="1"/>
@@ -9437,8 +8784,13 @@
             </a:pPr>
             <a:r>
               <a:rPr lang="en-US" dirty="0" smtClean="0"/>
-              <a:t>Path determination</a:t>
-            </a:r>
+              <a:t>Path </a:t>
+            </a:r>
+            <a:r>
+              <a:rPr lang="en-US" dirty="0" smtClean="0"/>
+              <a:t>Selection Algorithm</a:t>
+            </a:r>
+            <a:endParaRPr lang="en-US" dirty="0" smtClean="0"/>
           </a:p>
           <a:p>
             <a:pPr lvl="1"/>
@@ -9478,370 +8830,6 @@
 </file>
 
 <file path=ppt/slides/slide3.xml><?xml version="1.0" encoding="utf-8"?>
-<p:sld xmlns:a="http://schemas.openxmlformats.org/drawingml/2006/main" xmlns:r="http://schemas.openxmlformats.org/officeDocument/2006/relationships" xmlns:p="http://schemas.openxmlformats.org/presentationml/2006/main">
-  <p:cSld>
-    <p:spTree>
-      <p:nvGrpSpPr>
-        <p:cNvPr id="1" name=""/>
-        <p:cNvGrpSpPr/>
-        <p:nvPr/>
-      </p:nvGrpSpPr>
-      <p:grpSpPr>
-        <a:xfrm>
-          <a:off x="0" y="0"/>
-          <a:ext cx="0" cy="0"/>
-          <a:chOff x="0" y="0"/>
-          <a:chExt cx="0" cy="0"/>
-        </a:xfrm>
-      </p:grpSpPr>
-      <p:grpSp>
-        <p:nvGrpSpPr>
-          <p:cNvPr id="4" name="Group 3"/>
-          <p:cNvGrpSpPr/>
-          <p:nvPr/>
-        </p:nvGrpSpPr>
-        <p:grpSpPr>
-          <a:xfrm>
-            <a:off x="0" y="1"/>
-            <a:ext cx="9144000" cy="844012"/>
-            <a:chOff x="0" y="1"/>
-            <a:chExt cx="9144000" cy="844012"/>
-          </a:xfrm>
-        </p:grpSpPr>
-        <p:cxnSp>
-          <p:nvCxnSpPr>
-            <p:cNvPr id="5" name="Straight Connector 4"/>
-            <p:cNvCxnSpPr/>
-            <p:nvPr/>
-          </p:nvCxnSpPr>
-          <p:spPr>
-            <a:xfrm>
-              <a:off x="0" y="844013"/>
-              <a:ext cx="9144000" cy="0"/>
-            </a:xfrm>
-            <a:prstGeom prst="line">
-              <a:avLst/>
-            </a:prstGeom>
-            <a:ln>
-              <a:solidFill>
-                <a:schemeClr val="tx1"/>
-              </a:solidFill>
-            </a:ln>
-            <a:effectLst/>
-          </p:spPr>
-          <p:style>
-            <a:lnRef idx="2">
-              <a:schemeClr val="accent1"/>
-            </a:lnRef>
-            <a:fillRef idx="0">
-              <a:schemeClr val="accent1"/>
-            </a:fillRef>
-            <a:effectRef idx="1">
-              <a:schemeClr val="accent1"/>
-            </a:effectRef>
-            <a:fontRef idx="minor">
-              <a:schemeClr val="tx1"/>
-            </a:fontRef>
-          </p:style>
-        </p:cxnSp>
-        <p:pic>
-          <p:nvPicPr>
-            <p:cNvPr id="6" name="Picture 5" descr="Screen Shot 2015-10-11 at 11.16.20 AM.png"/>
-            <p:cNvPicPr>
-              <a:picLocks noChangeAspect="1"/>
-            </p:cNvPicPr>
-            <p:nvPr/>
-          </p:nvPicPr>
-          <p:blipFill>
-            <a:blip r:embed="rId3">
-              <a:extLst>
-                <a:ext uri="{28A0092B-C50C-407E-A947-70E740481C1C}">
-                  <a14:useLocalDpi xmlns:a14="http://schemas.microsoft.com/office/drawing/2010/main" val="0"/>
-                </a:ext>
-              </a:extLst>
-            </a:blip>
-            <a:stretch>
-              <a:fillRect/>
-            </a:stretch>
-          </p:blipFill>
-          <p:spPr>
-            <a:xfrm>
-              <a:off x="0" y="1"/>
-              <a:ext cx="1151748" cy="844012"/>
-            </a:xfrm>
-            <a:prstGeom prst="rect">
-              <a:avLst/>
-            </a:prstGeom>
-          </p:spPr>
-        </p:pic>
-        <p:sp>
-          <p:nvSpPr>
-            <p:cNvPr id="7" name="Rectangle 6"/>
-            <p:cNvSpPr/>
-            <p:nvPr/>
-          </p:nvSpPr>
-          <p:spPr>
-            <a:xfrm>
-              <a:off x="1151748" y="2283"/>
-              <a:ext cx="7992252" cy="832104"/>
-            </a:xfrm>
-            <a:prstGeom prst="rect">
-              <a:avLst/>
-            </a:prstGeom>
-            <a:solidFill>
-              <a:schemeClr val="tx1"/>
-            </a:solidFill>
-            <a:ln>
-              <a:solidFill>
-                <a:schemeClr val="tx1"/>
-              </a:solidFill>
-            </a:ln>
-            <a:effectLst/>
-          </p:spPr>
-          <p:style>
-            <a:lnRef idx="1">
-              <a:schemeClr val="accent1"/>
-            </a:lnRef>
-            <a:fillRef idx="3">
-              <a:schemeClr val="accent1"/>
-            </a:fillRef>
-            <a:effectRef idx="2">
-              <a:schemeClr val="accent1"/>
-            </a:effectRef>
-            <a:fontRef idx="minor">
-              <a:schemeClr val="lt1"/>
-            </a:fontRef>
-          </p:style>
-          <p:txBody>
-            <a:bodyPr rtlCol="0" anchor="ctr"/>
-            <a:lstStyle/>
-            <a:p>
-              <a:pPr algn="ctr"/>
-              <a:endParaRPr lang="en-US"/>
-            </a:p>
-          </p:txBody>
-        </p:sp>
-        <p:pic>
-          <p:nvPicPr>
-            <p:cNvPr id="8" name="Picture 7"/>
-            <p:cNvPicPr>
-              <a:picLocks noChangeAspect="1"/>
-            </p:cNvPicPr>
-            <p:nvPr/>
-          </p:nvPicPr>
-          <p:blipFill>
-            <a:blip r:embed="rId4"/>
-            <a:stretch>
-              <a:fillRect/>
-            </a:stretch>
-          </p:blipFill>
-          <p:spPr>
-            <a:xfrm>
-              <a:off x="8311013" y="2283"/>
-              <a:ext cx="832987" cy="832987"/>
-            </a:xfrm>
-            <a:prstGeom prst="rect">
-              <a:avLst/>
-            </a:prstGeom>
-          </p:spPr>
-        </p:pic>
-        <p:sp>
-          <p:nvSpPr>
-            <p:cNvPr id="9" name="TextBox 8"/>
-            <p:cNvSpPr txBox="1"/>
-            <p:nvPr/>
-          </p:nvSpPr>
-          <p:spPr>
-            <a:xfrm>
-              <a:off x="1202040" y="188621"/>
-              <a:ext cx="6983237" cy="461665"/>
-            </a:xfrm>
-            <a:prstGeom prst="rect">
-              <a:avLst/>
-            </a:prstGeom>
-            <a:noFill/>
-          </p:spPr>
-          <p:txBody>
-            <a:bodyPr wrap="square" rtlCol="0">
-              <a:spAutoFit/>
-            </a:bodyPr>
-            <a:lstStyle/>
-            <a:p>
-              <a:pPr algn="ctr"/>
-              <a:r>
-                <a:rPr lang="en-US" sz="2400" dirty="0">
-                  <a:solidFill>
-                    <a:srgbClr val="FFFFFF"/>
-                  </a:solidFill>
-                  <a:latin typeface="Candara"/>
-                  <a:cs typeface="Candara"/>
-                </a:rPr>
-                <a:t>Path Planning – </a:t>
-              </a:r>
-              <a:r>
-                <a:rPr lang="en-US" sz="2400" dirty="0" smtClean="0">
-                  <a:solidFill>
-                    <a:srgbClr val="FFFFFF"/>
-                  </a:solidFill>
-                  <a:latin typeface="Candara"/>
-                  <a:cs typeface="Candara"/>
-                </a:rPr>
-                <a:t>Proposed Solution</a:t>
-              </a:r>
-              <a:endParaRPr lang="en-US" sz="2400" dirty="0">
-                <a:solidFill>
-                  <a:srgbClr val="FFFFFF"/>
-                </a:solidFill>
-                <a:latin typeface="Candara"/>
-                <a:cs typeface="Candara"/>
-              </a:endParaRPr>
-            </a:p>
-          </p:txBody>
-        </p:sp>
-      </p:grpSp>
-      <p:pic>
-        <p:nvPicPr>
-          <p:cNvPr id="2" name="Picture 1"/>
-          <p:cNvPicPr>
-            <a:picLocks noChangeAspect="1"/>
-          </p:cNvPicPr>
-          <p:nvPr/>
-        </p:nvPicPr>
-        <p:blipFill>
-          <a:blip r:embed="rId5">
-            <a:extLst>
-              <a:ext uri="{28A0092B-C50C-407E-A947-70E740481C1C}">
-                <a14:useLocalDpi xmlns:a14="http://schemas.microsoft.com/office/drawing/2010/main" val="0"/>
-              </a:ext>
-            </a:extLst>
-          </a:blip>
-          <a:stretch>
-            <a:fillRect/>
-          </a:stretch>
-        </p:blipFill>
-        <p:spPr>
-          <a:xfrm>
-            <a:off x="5231136" y="936647"/>
-            <a:ext cx="3625782" cy="5859523"/>
-          </a:xfrm>
-          <a:prstGeom prst="rect">
-            <a:avLst/>
-          </a:prstGeom>
-        </p:spPr>
-      </p:pic>
-      <p:sp>
-        <p:nvSpPr>
-          <p:cNvPr id="10" name="Content Placeholder 9"/>
-          <p:cNvSpPr>
-            <a:spLocks noGrp="1"/>
-          </p:cNvSpPr>
-          <p:nvPr>
-            <p:ph sz="half" idx="1"/>
-          </p:nvPr>
-        </p:nvSpPr>
-        <p:spPr>
-          <a:xfrm>
-            <a:off x="139939" y="1250799"/>
-            <a:ext cx="4774019" cy="5231218"/>
-          </a:xfrm>
-        </p:spPr>
-        <p:txBody>
-          <a:bodyPr>
-            <a:normAutofit/>
-          </a:bodyPr>
-          <a:lstStyle/>
-          <a:p>
-            <a:r>
-              <a:rPr lang="en-US" sz="2400" dirty="0" smtClean="0"/>
-              <a:t>Probabilistic Roadmap (PRM)</a:t>
-            </a:r>
-          </a:p>
-          <a:p>
-            <a:pPr lvl="1"/>
-            <a:r>
-              <a:rPr lang="en-US" sz="2000" dirty="0" smtClean="0"/>
-              <a:t>Creates roadmap based on randomly sampled quadcopter configurations in open space.</a:t>
-            </a:r>
-          </a:p>
-          <a:p>
-            <a:r>
-              <a:rPr lang="en-US" sz="2400" dirty="0" smtClean="0"/>
-              <a:t>Nearest Neighbor (NN) with 2-Opt</a:t>
-            </a:r>
-          </a:p>
-          <a:p>
-            <a:pPr lvl="1"/>
-            <a:r>
-              <a:rPr lang="en-US" sz="2000" dirty="0" smtClean="0"/>
-              <a:t>NN: Traverses roadmap goals by minimizing the total distance traveled from one node to the next.</a:t>
-            </a:r>
-          </a:p>
-          <a:p>
-            <a:pPr lvl="1"/>
-            <a:r>
-              <a:rPr lang="en-US" sz="2000" dirty="0" smtClean="0"/>
-              <a:t>2-Opt: </a:t>
-            </a:r>
-            <a:r>
-              <a:rPr lang="en-US" sz="2000" dirty="0"/>
-              <a:t>Optimizes </a:t>
-            </a:r>
-            <a:r>
-              <a:rPr lang="en-US" sz="2000" dirty="0" smtClean="0"/>
-              <a:t>path takes </a:t>
-            </a:r>
-            <a:r>
-              <a:rPr lang="en-US" sz="2000" dirty="0"/>
-              <a:t>a route that crosses over itself and </a:t>
-            </a:r>
-            <a:r>
-              <a:rPr lang="en-US" sz="2000" dirty="0" smtClean="0"/>
-              <a:t>reorders </a:t>
-            </a:r>
-            <a:r>
-              <a:rPr lang="en-US" sz="2000" dirty="0"/>
-              <a:t>it so </a:t>
-            </a:r>
-            <a:r>
-              <a:rPr lang="en-US" sz="2000" dirty="0" smtClean="0"/>
-              <a:t>it </a:t>
-            </a:r>
-            <a:r>
-              <a:rPr lang="en-US" sz="2000" dirty="0"/>
-              <a:t>does </a:t>
-            </a:r>
-            <a:r>
-              <a:rPr lang="en-US" sz="2000" dirty="0" smtClean="0"/>
-              <a:t>not.</a:t>
-            </a:r>
-          </a:p>
-          <a:p>
-            <a:pPr lvl="1"/>
-            <a:endParaRPr lang="en-US" sz="2000" dirty="0" smtClean="0"/>
-          </a:p>
-        </p:txBody>
-      </p:sp>
-    </p:spTree>
-    <p:extLst>
-      <p:ext uri="{BB962C8B-B14F-4D97-AF65-F5344CB8AC3E}">
-        <p14:creationId xmlns:p14="http://schemas.microsoft.com/office/powerpoint/2010/main" val="4101156427"/>
-      </p:ext>
-    </p:extLst>
-  </p:cSld>
-  <p:clrMapOvr>
-    <a:masterClrMapping/>
-  </p:clrMapOvr>
-  <p:timing>
-    <p:tnLst>
-      <p:par>
-        <p:cTn id="1" dur="indefinite" restart="never" nodeType="tmRoot"/>
-      </p:par>
-    </p:tnLst>
-  </p:timing>
-</p:sld>
-</file>
-
-<file path=ppt/slides/slide4.xml><?xml version="1.0" encoding="utf-8"?>
 <p:sld xmlns:a="http://schemas.openxmlformats.org/drawingml/2006/main" xmlns:r="http://schemas.openxmlformats.org/officeDocument/2006/relationships" xmlns:p="http://schemas.openxmlformats.org/presentationml/2006/main">
   <p:cSld>
     <p:spTree>
@@ -10376,6 +9364,774 @@
 </p:sld>
 </file>
 
+<file path=ppt/slides/slide4.xml><?xml version="1.0" encoding="utf-8"?>
+<p:sld xmlns:a="http://schemas.openxmlformats.org/drawingml/2006/main" xmlns:r="http://schemas.openxmlformats.org/officeDocument/2006/relationships" xmlns:p="http://schemas.openxmlformats.org/presentationml/2006/main">
+  <p:cSld>
+    <p:spTree>
+      <p:nvGrpSpPr>
+        <p:cNvPr id="1" name=""/>
+        <p:cNvGrpSpPr/>
+        <p:nvPr/>
+      </p:nvGrpSpPr>
+      <p:grpSpPr>
+        <a:xfrm>
+          <a:off x="0" y="0"/>
+          <a:ext cx="0" cy="0"/>
+          <a:chOff x="0" y="0"/>
+          <a:chExt cx="0" cy="0"/>
+        </a:xfrm>
+      </p:grpSpPr>
+      <p:grpSp>
+        <p:nvGrpSpPr>
+          <p:cNvPr id="4" name="Group 3"/>
+          <p:cNvGrpSpPr/>
+          <p:nvPr/>
+        </p:nvGrpSpPr>
+        <p:grpSpPr>
+          <a:xfrm>
+            <a:off x="0" y="1"/>
+            <a:ext cx="9144000" cy="844012"/>
+            <a:chOff x="0" y="1"/>
+            <a:chExt cx="9144000" cy="844012"/>
+          </a:xfrm>
+        </p:grpSpPr>
+        <p:cxnSp>
+          <p:nvCxnSpPr>
+            <p:cNvPr id="5" name="Straight Connector 4"/>
+            <p:cNvCxnSpPr/>
+            <p:nvPr/>
+          </p:nvCxnSpPr>
+          <p:spPr>
+            <a:xfrm>
+              <a:off x="0" y="844013"/>
+              <a:ext cx="9144000" cy="0"/>
+            </a:xfrm>
+            <a:prstGeom prst="line">
+              <a:avLst/>
+            </a:prstGeom>
+            <a:ln>
+              <a:solidFill>
+                <a:schemeClr val="tx1"/>
+              </a:solidFill>
+            </a:ln>
+            <a:effectLst/>
+          </p:spPr>
+          <p:style>
+            <a:lnRef idx="2">
+              <a:schemeClr val="accent1"/>
+            </a:lnRef>
+            <a:fillRef idx="0">
+              <a:schemeClr val="accent1"/>
+            </a:fillRef>
+            <a:effectRef idx="1">
+              <a:schemeClr val="accent1"/>
+            </a:effectRef>
+            <a:fontRef idx="minor">
+              <a:schemeClr val="tx1"/>
+            </a:fontRef>
+          </p:style>
+        </p:cxnSp>
+        <p:pic>
+          <p:nvPicPr>
+            <p:cNvPr id="6" name="Picture 5" descr="Screen Shot 2015-10-11 at 11.16.20 AM.png"/>
+            <p:cNvPicPr>
+              <a:picLocks noChangeAspect="1"/>
+            </p:cNvPicPr>
+            <p:nvPr/>
+          </p:nvPicPr>
+          <p:blipFill>
+            <a:blip r:embed="rId3">
+              <a:extLst>
+                <a:ext uri="{28A0092B-C50C-407E-A947-70E740481C1C}">
+                  <a14:useLocalDpi xmlns:a14="http://schemas.microsoft.com/office/drawing/2010/main" val="0"/>
+                </a:ext>
+              </a:extLst>
+            </a:blip>
+            <a:stretch>
+              <a:fillRect/>
+            </a:stretch>
+          </p:blipFill>
+          <p:spPr>
+            <a:xfrm>
+              <a:off x="0" y="1"/>
+              <a:ext cx="1151748" cy="844012"/>
+            </a:xfrm>
+            <a:prstGeom prst="rect">
+              <a:avLst/>
+            </a:prstGeom>
+          </p:spPr>
+        </p:pic>
+        <p:sp>
+          <p:nvSpPr>
+            <p:cNvPr id="7" name="Rectangle 6"/>
+            <p:cNvSpPr/>
+            <p:nvPr/>
+          </p:nvSpPr>
+          <p:spPr>
+            <a:xfrm>
+              <a:off x="1151748" y="2283"/>
+              <a:ext cx="7992252" cy="832104"/>
+            </a:xfrm>
+            <a:prstGeom prst="rect">
+              <a:avLst/>
+            </a:prstGeom>
+            <a:solidFill>
+              <a:schemeClr val="tx1"/>
+            </a:solidFill>
+            <a:ln>
+              <a:solidFill>
+                <a:schemeClr val="tx1"/>
+              </a:solidFill>
+            </a:ln>
+            <a:effectLst/>
+          </p:spPr>
+          <p:style>
+            <a:lnRef idx="1">
+              <a:schemeClr val="accent1"/>
+            </a:lnRef>
+            <a:fillRef idx="3">
+              <a:schemeClr val="accent1"/>
+            </a:fillRef>
+            <a:effectRef idx="2">
+              <a:schemeClr val="accent1"/>
+            </a:effectRef>
+            <a:fontRef idx="minor">
+              <a:schemeClr val="lt1"/>
+            </a:fontRef>
+          </p:style>
+          <p:txBody>
+            <a:bodyPr rtlCol="0" anchor="ctr"/>
+            <a:lstStyle/>
+            <a:p>
+              <a:pPr algn="ctr"/>
+              <a:endParaRPr lang="en-US"/>
+            </a:p>
+          </p:txBody>
+        </p:sp>
+        <p:pic>
+          <p:nvPicPr>
+            <p:cNvPr id="8" name="Picture 7"/>
+            <p:cNvPicPr>
+              <a:picLocks noChangeAspect="1"/>
+            </p:cNvPicPr>
+            <p:nvPr/>
+          </p:nvPicPr>
+          <p:blipFill>
+            <a:blip r:embed="rId4"/>
+            <a:stretch>
+              <a:fillRect/>
+            </a:stretch>
+          </p:blipFill>
+          <p:spPr>
+            <a:xfrm>
+              <a:off x="8311013" y="2283"/>
+              <a:ext cx="832987" cy="832987"/>
+            </a:xfrm>
+            <a:prstGeom prst="rect">
+              <a:avLst/>
+            </a:prstGeom>
+          </p:spPr>
+        </p:pic>
+        <p:sp>
+          <p:nvSpPr>
+            <p:cNvPr id="9" name="TextBox 8"/>
+            <p:cNvSpPr txBox="1"/>
+            <p:nvPr/>
+          </p:nvSpPr>
+          <p:spPr>
+            <a:xfrm>
+              <a:off x="1202040" y="188621"/>
+              <a:ext cx="6983237" cy="461665"/>
+            </a:xfrm>
+            <a:prstGeom prst="rect">
+              <a:avLst/>
+            </a:prstGeom>
+            <a:noFill/>
+          </p:spPr>
+          <p:txBody>
+            <a:bodyPr wrap="square" rtlCol="0">
+              <a:spAutoFit/>
+            </a:bodyPr>
+            <a:lstStyle/>
+            <a:p>
+              <a:pPr algn="ctr"/>
+              <a:r>
+                <a:rPr lang="en-US" sz="2400" dirty="0">
+                  <a:solidFill>
+                    <a:srgbClr val="FFFFFF"/>
+                  </a:solidFill>
+                  <a:latin typeface="Candara"/>
+                  <a:cs typeface="Candara"/>
+                </a:rPr>
+                <a:t>Path </a:t>
+              </a:r>
+              <a:r>
+                <a:rPr lang="en-US" sz="2400" dirty="0" smtClean="0">
+                  <a:solidFill>
+                    <a:srgbClr val="FFFFFF"/>
+                  </a:solidFill>
+                  <a:latin typeface="Candara"/>
+                  <a:cs typeface="Candara"/>
+                </a:rPr>
+                <a:t>Planning – Methodology (NN+2Opt)</a:t>
+              </a:r>
+              <a:endParaRPr lang="en-US" sz="2400" dirty="0">
+                <a:solidFill>
+                  <a:srgbClr val="FFFFFF"/>
+                </a:solidFill>
+                <a:latin typeface="Candara"/>
+                <a:cs typeface="Candara"/>
+              </a:endParaRPr>
+            </a:p>
+          </p:txBody>
+        </p:sp>
+      </p:grpSp>
+      <p:sp>
+        <p:nvSpPr>
+          <p:cNvPr id="13" name="Content Placeholder 12"/>
+          <p:cNvSpPr>
+            <a:spLocks noGrp="1"/>
+          </p:cNvSpPr>
+          <p:nvPr>
+            <p:ph sz="half" idx="1"/>
+          </p:nvPr>
+        </p:nvSpPr>
+        <p:spPr>
+          <a:xfrm>
+            <a:off x="216195" y="979180"/>
+            <a:ext cx="5291469" cy="515118"/>
+          </a:xfrm>
+        </p:spPr>
+        <p:txBody>
+          <a:bodyPr>
+            <a:normAutofit lnSpcReduction="10000"/>
+          </a:bodyPr>
+          <a:lstStyle/>
+          <a:p>
+            <a:pPr marL="0" indent="0">
+              <a:buNone/>
+            </a:pPr>
+            <a:r>
+              <a:rPr lang="en-US" dirty="0" smtClean="0"/>
+              <a:t>Nearest Neighbor + 2-Opt</a:t>
+            </a:r>
+          </a:p>
+        </p:txBody>
+      </p:sp>
+      <p:sp>
+        <p:nvSpPr>
+          <p:cNvPr id="10" name="Down Arrow Callout 9"/>
+          <p:cNvSpPr/>
+          <p:nvPr/>
+        </p:nvSpPr>
+        <p:spPr>
+          <a:xfrm>
+            <a:off x="260496" y="1494298"/>
+            <a:ext cx="5199320" cy="1440288"/>
+          </a:xfrm>
+          <a:prstGeom prst="downArrowCallout">
+            <a:avLst>
+              <a:gd name="adj1" fmla="val 17352"/>
+              <a:gd name="adj2" fmla="val 15894"/>
+              <a:gd name="adj3" fmla="val 12308"/>
+              <a:gd name="adj4" fmla="val 80424"/>
+            </a:avLst>
+          </a:prstGeom>
+          <a:solidFill>
+            <a:schemeClr val="bg2"/>
+          </a:solidFill>
+        </p:spPr>
+        <p:style>
+          <a:lnRef idx="1">
+            <a:schemeClr val="dk1"/>
+          </a:lnRef>
+          <a:fillRef idx="2">
+            <a:schemeClr val="dk1"/>
+          </a:fillRef>
+          <a:effectRef idx="1">
+            <a:schemeClr val="dk1"/>
+          </a:effectRef>
+          <a:fontRef idx="minor">
+            <a:schemeClr val="dk1"/>
+          </a:fontRef>
+        </p:style>
+        <p:txBody>
+          <a:bodyPr rtlCol="0" anchor="t"/>
+          <a:lstStyle/>
+          <a:p>
+            <a:r>
+              <a:rPr lang="en-US" b="1" dirty="0" smtClean="0"/>
+              <a:t>Inputs</a:t>
+            </a:r>
+            <a:endParaRPr lang="en-US" dirty="0" smtClean="0"/>
+          </a:p>
+          <a:p>
+            <a:pPr marL="285750" lvl="0" indent="-285750">
+              <a:buFont typeface="Arial" panose="020B0604020202020204" pitchFamily="34" charset="0"/>
+              <a:buChar char="•"/>
+            </a:pPr>
+            <a:r>
+              <a:rPr lang="en-US" dirty="0" smtClean="0"/>
+              <a:t>Auto-generated goal coordinates (a set of uniformly distributed points in free space)</a:t>
+            </a:r>
+          </a:p>
+          <a:p>
+            <a:pPr marL="285750" lvl="0" indent="-285750">
+              <a:buFont typeface="Arial" panose="020B0604020202020204" pitchFamily="34" charset="0"/>
+              <a:buChar char="•"/>
+            </a:pPr>
+            <a:r>
+              <a:rPr lang="en-US" dirty="0" smtClean="0"/>
+              <a:t>PRM</a:t>
+            </a:r>
+            <a:endParaRPr lang="en-US" dirty="0"/>
+          </a:p>
+        </p:txBody>
+      </p:sp>
+      <p:sp>
+        <p:nvSpPr>
+          <p:cNvPr id="14" name="Down Arrow Callout 13"/>
+          <p:cNvSpPr/>
+          <p:nvPr/>
+        </p:nvSpPr>
+        <p:spPr>
+          <a:xfrm>
+            <a:off x="260496" y="3094073"/>
+            <a:ext cx="5199320" cy="2349779"/>
+          </a:xfrm>
+          <a:prstGeom prst="downArrowCallout">
+            <a:avLst>
+              <a:gd name="adj1" fmla="val 8785"/>
+              <a:gd name="adj2" fmla="val 9063"/>
+              <a:gd name="adj3" fmla="val 8383"/>
+              <a:gd name="adj4" fmla="val 87297"/>
+            </a:avLst>
+          </a:prstGeom>
+          <a:solidFill>
+            <a:schemeClr val="bg2"/>
+          </a:solidFill>
+        </p:spPr>
+        <p:style>
+          <a:lnRef idx="1">
+            <a:schemeClr val="dk1"/>
+          </a:lnRef>
+          <a:fillRef idx="2">
+            <a:schemeClr val="dk1"/>
+          </a:fillRef>
+          <a:effectRef idx="1">
+            <a:schemeClr val="dk1"/>
+          </a:effectRef>
+          <a:fontRef idx="minor">
+            <a:schemeClr val="dk1"/>
+          </a:fontRef>
+        </p:style>
+        <p:txBody>
+          <a:bodyPr rtlCol="0" anchor="t"/>
+          <a:lstStyle/>
+          <a:p>
+            <a:r>
+              <a:rPr lang="en-US" b="1" dirty="0" smtClean="0"/>
+              <a:t>Process</a:t>
+            </a:r>
+            <a:endParaRPr lang="en-US" dirty="0" smtClean="0"/>
+          </a:p>
+          <a:p>
+            <a:pPr marL="285750" lvl="0" indent="-285750">
+              <a:buFont typeface="Arial" panose="020B0604020202020204" pitchFamily="34" charset="0"/>
+              <a:buChar char="•"/>
+            </a:pPr>
+            <a:r>
+              <a:rPr lang="en-US" dirty="0" smtClean="0"/>
+              <a:t>Build cost-weighted adjacency matrix for each goal coordinate</a:t>
+            </a:r>
+          </a:p>
+          <a:p>
+            <a:pPr marL="285750" lvl="0" indent="-285750">
+              <a:buFont typeface="Arial" panose="020B0604020202020204" pitchFamily="34" charset="0"/>
+              <a:buChar char="•"/>
+            </a:pPr>
+            <a:r>
+              <a:rPr lang="en-US" dirty="0" smtClean="0"/>
+              <a:t>Compute path to the nearest goal for each goal</a:t>
+            </a:r>
+          </a:p>
+          <a:p>
+            <a:pPr marL="285750" lvl="0" indent="-285750">
+              <a:buFont typeface="Arial" panose="020B0604020202020204" pitchFamily="34" charset="0"/>
+              <a:buChar char="•"/>
+            </a:pPr>
+            <a:r>
+              <a:rPr lang="en-US" dirty="0" smtClean="0"/>
+              <a:t>Optimize path using 2-Opt which removes unnecessary path crossover</a:t>
+            </a:r>
+          </a:p>
+          <a:p>
+            <a:pPr marL="285750" lvl="0" indent="-285750">
+              <a:buFont typeface="Arial" panose="020B0604020202020204" pitchFamily="34" charset="0"/>
+              <a:buChar char="•"/>
+            </a:pPr>
+            <a:endParaRPr lang="en-US" dirty="0"/>
+          </a:p>
+        </p:txBody>
+      </p:sp>
+      <p:sp>
+        <p:nvSpPr>
+          <p:cNvPr id="15" name="Rectangle 14"/>
+          <p:cNvSpPr/>
+          <p:nvPr/>
+        </p:nvSpPr>
+        <p:spPr>
+          <a:xfrm>
+            <a:off x="260496" y="5603358"/>
+            <a:ext cx="5199320" cy="1011985"/>
+          </a:xfrm>
+          <a:prstGeom prst="rect">
+            <a:avLst/>
+          </a:prstGeom>
+          <a:solidFill>
+            <a:schemeClr val="bg2"/>
+          </a:solidFill>
+        </p:spPr>
+        <p:style>
+          <a:lnRef idx="1">
+            <a:schemeClr val="dk1"/>
+          </a:lnRef>
+          <a:fillRef idx="2">
+            <a:schemeClr val="dk1"/>
+          </a:fillRef>
+          <a:effectRef idx="1">
+            <a:schemeClr val="dk1"/>
+          </a:effectRef>
+          <a:fontRef idx="minor">
+            <a:schemeClr val="dk1"/>
+          </a:fontRef>
+        </p:style>
+        <p:txBody>
+          <a:bodyPr rtlCol="0" anchor="t"/>
+          <a:lstStyle/>
+          <a:p>
+            <a:r>
+              <a:rPr lang="en-US" b="1" dirty="0" smtClean="0"/>
+              <a:t>Outputs</a:t>
+            </a:r>
+            <a:endParaRPr lang="en-US" dirty="0" smtClean="0"/>
+          </a:p>
+          <a:p>
+            <a:pPr marL="285750" lvl="0" indent="-285750">
+              <a:buFont typeface="Arial" panose="020B0604020202020204" pitchFamily="34" charset="0"/>
+              <a:buChar char="•"/>
+            </a:pPr>
+            <a:r>
+              <a:rPr lang="en-US" dirty="0" smtClean="0"/>
+              <a:t>Position set points that efficiently traverse all goal coordinates.</a:t>
+            </a:r>
+            <a:endParaRPr lang="en-US" dirty="0"/>
+          </a:p>
+        </p:txBody>
+      </p:sp>
+      <p:pic>
+        <p:nvPicPr>
+          <p:cNvPr id="1026" name="Picture 2" descr="https://upload.wikimedia.org/wikipedia/commons/thumb/b/b8/2-opt_wiki.svg/306px-2-opt_wiki.svg.png"/>
+          <p:cNvPicPr>
+            <a:picLocks noChangeAspect="1" noChangeArrowheads="1"/>
+          </p:cNvPicPr>
+          <p:nvPr/>
+        </p:nvPicPr>
+        <p:blipFill>
+          <a:blip r:embed="rId5">
+            <a:extLst>
+              <a:ext uri="{28A0092B-C50C-407E-A947-70E740481C1C}">
+                <a14:useLocalDpi xmlns:a14="http://schemas.microsoft.com/office/drawing/2010/main" val="0"/>
+              </a:ext>
+            </a:extLst>
+          </a:blip>
+          <a:srcRect/>
+          <a:stretch>
+            <a:fillRect/>
+          </a:stretch>
+        </p:blipFill>
+        <p:spPr bwMode="auto">
+          <a:xfrm>
+            <a:off x="6422034" y="3604437"/>
+            <a:ext cx="2162264" cy="2798225"/>
+          </a:xfrm>
+          <a:prstGeom prst="rect">
+            <a:avLst/>
+          </a:prstGeom>
+          <a:noFill/>
+          <a:extLst>
+            <a:ext uri="{909E8E84-426E-40DD-AFC4-6F175D3DCCD1}">
+              <a14:hiddenFill xmlns:a14="http://schemas.microsoft.com/office/drawing/2010/main">
+                <a:solidFill>
+                  <a:srgbClr val="FFFFFF"/>
+                </a:solidFill>
+              </a14:hiddenFill>
+            </a:ext>
+          </a:extLst>
+        </p:spPr>
+      </p:pic>
+      <p:sp>
+        <p:nvSpPr>
+          <p:cNvPr id="11" name="Rectangle 10"/>
+          <p:cNvSpPr/>
+          <p:nvPr/>
+        </p:nvSpPr>
+        <p:spPr>
+          <a:xfrm>
+            <a:off x="5862332" y="6596390"/>
+            <a:ext cx="3281668" cy="261610"/>
+          </a:xfrm>
+          <a:prstGeom prst="rect">
+            <a:avLst/>
+          </a:prstGeom>
+        </p:spPr>
+        <p:txBody>
+          <a:bodyPr wrap="none">
+            <a:spAutoFit/>
+          </a:bodyPr>
+          <a:lstStyle/>
+          <a:p>
+            <a:r>
+              <a:rPr lang="en-US" sz="1100" dirty="0" smtClean="0"/>
+              <a:t>Image courtesy of https</a:t>
+            </a:r>
+            <a:r>
+              <a:rPr lang="en-US" sz="1100" dirty="0"/>
+              <a:t>://en.wikipedia.org/wiki/2-opt</a:t>
+            </a:r>
+          </a:p>
+        </p:txBody>
+      </p:sp>
+      <p:sp>
+        <p:nvSpPr>
+          <p:cNvPr id="12" name="TextBox 11"/>
+          <p:cNvSpPr txBox="1"/>
+          <p:nvPr/>
+        </p:nvSpPr>
+        <p:spPr>
+          <a:xfrm>
+            <a:off x="7048360" y="3353685"/>
+            <a:ext cx="1262653" cy="307777"/>
+          </a:xfrm>
+          <a:prstGeom prst="rect">
+            <a:avLst/>
+          </a:prstGeom>
+        </p:spPr>
+        <p:style>
+          <a:lnRef idx="2">
+            <a:schemeClr val="dk1"/>
+          </a:lnRef>
+          <a:fillRef idx="1">
+            <a:schemeClr val="lt1"/>
+          </a:fillRef>
+          <a:effectRef idx="0">
+            <a:schemeClr val="dk1"/>
+          </a:effectRef>
+          <a:fontRef idx="minor">
+            <a:schemeClr val="dk1"/>
+          </a:fontRef>
+        </p:style>
+        <p:txBody>
+          <a:bodyPr wrap="none" rtlCol="0">
+            <a:spAutoFit/>
+          </a:bodyPr>
+          <a:lstStyle/>
+          <a:p>
+            <a:r>
+              <a:rPr lang="en-US" sz="1400" dirty="0" smtClean="0"/>
+              <a:t>2-Opt Example</a:t>
+            </a:r>
+            <a:endParaRPr lang="en-US" sz="1400" dirty="0"/>
+          </a:p>
+        </p:txBody>
+      </p:sp>
+      <p:pic>
+        <p:nvPicPr>
+          <p:cNvPr id="17" name="Picture 16"/>
+          <p:cNvPicPr>
+            <a:picLocks noChangeAspect="1"/>
+          </p:cNvPicPr>
+          <p:nvPr/>
+        </p:nvPicPr>
+        <p:blipFill>
+          <a:blip r:embed="rId6"/>
+          <a:stretch>
+            <a:fillRect/>
+          </a:stretch>
+        </p:blipFill>
+        <p:spPr>
+          <a:xfrm>
+            <a:off x="5551965" y="1494298"/>
+            <a:ext cx="3538811" cy="1578496"/>
+          </a:xfrm>
+          <a:prstGeom prst="rect">
+            <a:avLst/>
+          </a:prstGeom>
+        </p:spPr>
+      </p:pic>
+      <p:cxnSp>
+        <p:nvCxnSpPr>
+          <p:cNvPr id="23" name="Straight Arrow Connector 22"/>
+          <p:cNvCxnSpPr>
+            <a:stCxn id="20" idx="2"/>
+          </p:cNvCxnSpPr>
+          <p:nvPr/>
+        </p:nvCxnSpPr>
+        <p:spPr>
+          <a:xfrm>
+            <a:off x="7679686" y="1392916"/>
+            <a:ext cx="730667" cy="691065"/>
+          </a:xfrm>
+          <a:prstGeom prst="straightConnector1">
+            <a:avLst/>
+          </a:prstGeom>
+          <a:ln>
+            <a:solidFill>
+              <a:schemeClr val="bg1"/>
+            </a:solidFill>
+            <a:tailEnd type="triangle"/>
+          </a:ln>
+          <a:effectLst>
+            <a:glow rad="101600">
+              <a:schemeClr val="tx1">
+                <a:alpha val="60000"/>
+              </a:schemeClr>
+            </a:glow>
+            <a:outerShdw blurRad="40000" dist="23000" dir="5400000" rotWithShape="0">
+              <a:srgbClr val="000000">
+                <a:alpha val="35000"/>
+              </a:srgbClr>
+            </a:outerShdw>
+          </a:effectLst>
+        </p:spPr>
+        <p:style>
+          <a:lnRef idx="3">
+            <a:schemeClr val="accent6"/>
+          </a:lnRef>
+          <a:fillRef idx="0">
+            <a:schemeClr val="accent6"/>
+          </a:fillRef>
+          <a:effectRef idx="2">
+            <a:schemeClr val="accent6"/>
+          </a:effectRef>
+          <a:fontRef idx="minor">
+            <a:schemeClr val="tx1"/>
+          </a:fontRef>
+        </p:style>
+      </p:cxnSp>
+      <p:cxnSp>
+        <p:nvCxnSpPr>
+          <p:cNvPr id="21" name="Straight Arrow Connector 20"/>
+          <p:cNvCxnSpPr>
+            <a:stCxn id="20" idx="2"/>
+          </p:cNvCxnSpPr>
+          <p:nvPr/>
+        </p:nvCxnSpPr>
+        <p:spPr>
+          <a:xfrm flipH="1">
+            <a:off x="7240772" y="1392916"/>
+            <a:ext cx="438914" cy="818656"/>
+          </a:xfrm>
+          <a:prstGeom prst="straightConnector1">
+            <a:avLst/>
+          </a:prstGeom>
+          <a:ln>
+            <a:solidFill>
+              <a:schemeClr val="bg1"/>
+            </a:solidFill>
+            <a:tailEnd type="triangle"/>
+          </a:ln>
+          <a:effectLst>
+            <a:glow rad="101600">
+              <a:schemeClr val="tx1">
+                <a:alpha val="60000"/>
+              </a:schemeClr>
+            </a:glow>
+            <a:outerShdw blurRad="40000" dist="23000" dir="5400000" rotWithShape="0">
+              <a:srgbClr val="000000">
+                <a:alpha val="35000"/>
+              </a:srgbClr>
+            </a:outerShdw>
+          </a:effectLst>
+        </p:spPr>
+        <p:style>
+          <a:lnRef idx="3">
+            <a:schemeClr val="accent6"/>
+          </a:lnRef>
+          <a:fillRef idx="0">
+            <a:schemeClr val="accent6"/>
+          </a:fillRef>
+          <a:effectRef idx="2">
+            <a:schemeClr val="accent6"/>
+          </a:effectRef>
+          <a:fontRef idx="minor">
+            <a:schemeClr val="tx1"/>
+          </a:fontRef>
+        </p:style>
+      </p:cxnSp>
+      <p:sp>
+        <p:nvSpPr>
+          <p:cNvPr id="20" name="TextBox 19"/>
+          <p:cNvSpPr txBox="1"/>
+          <p:nvPr/>
+        </p:nvSpPr>
+        <p:spPr>
+          <a:xfrm>
+            <a:off x="6908994" y="1085139"/>
+            <a:ext cx="1541384" cy="307777"/>
+          </a:xfrm>
+          <a:prstGeom prst="rect">
+            <a:avLst/>
+          </a:prstGeom>
+        </p:spPr>
+        <p:style>
+          <a:lnRef idx="2">
+            <a:schemeClr val="dk1"/>
+          </a:lnRef>
+          <a:fillRef idx="1">
+            <a:schemeClr val="lt1"/>
+          </a:fillRef>
+          <a:effectRef idx="0">
+            <a:schemeClr val="dk1"/>
+          </a:effectRef>
+          <a:fontRef idx="minor">
+            <a:schemeClr val="dk1"/>
+          </a:fontRef>
+        </p:style>
+        <p:txBody>
+          <a:bodyPr wrap="none" rtlCol="0">
+            <a:spAutoFit/>
+          </a:bodyPr>
+          <a:lstStyle/>
+          <a:p>
+            <a:r>
+              <a:rPr lang="en-US" sz="1400" dirty="0" smtClean="0"/>
+              <a:t>Nearest Neighbors</a:t>
+            </a:r>
+            <a:endParaRPr lang="en-US" sz="1400" dirty="0"/>
+          </a:p>
+        </p:txBody>
+      </p:sp>
+    </p:spTree>
+    <p:extLst>
+      <p:ext uri="{BB962C8B-B14F-4D97-AF65-F5344CB8AC3E}">
+        <p14:creationId xmlns:p14="http://schemas.microsoft.com/office/powerpoint/2010/main" val="1058461330"/>
+      </p:ext>
+    </p:extLst>
+  </p:cSld>
+  <p:clrMapOvr>
+    <a:masterClrMapping/>
+  </p:clrMapOvr>
+  <p:timing>
+    <p:tnLst>
+      <p:par>
+        <p:cTn id="1" dur="indefinite" restart="never" nodeType="tmRoot"/>
+      </p:par>
+    </p:tnLst>
+  </p:timing>
+</p:sld>
+</file>
+
 <file path=ppt/slides/slide5.xml><?xml version="1.0" encoding="utf-8"?>
 <p:sld xmlns:a="http://schemas.openxmlformats.org/drawingml/2006/main" xmlns:r="http://schemas.openxmlformats.org/officeDocument/2006/relationships" xmlns:p="http://schemas.openxmlformats.org/presentationml/2006/main">
   <p:cSld>
@@ -10568,16 +10324,6 @@
             <a:p>
               <a:pPr algn="ctr"/>
               <a:r>
-                <a:rPr lang="en-US" sz="2400" dirty="0">
-                  <a:solidFill>
-                    <a:srgbClr val="FFFFFF"/>
-                  </a:solidFill>
-                  <a:latin typeface="Candara"/>
-                  <a:cs typeface="Candara"/>
-                </a:rPr>
-                <a:t>Path Planning – </a:t>
-              </a:r>
-              <a:r>
                 <a:rPr lang="en-US" sz="2400" dirty="0" smtClean="0">
                   <a:solidFill>
                     <a:srgbClr val="FFFFFF"/>
@@ -10585,7 +10331,7 @@
                   <a:latin typeface="Candara"/>
                   <a:cs typeface="Candara"/>
                 </a:rPr>
-                <a:t>Methodology (PRM)</a:t>
+                <a:t>Path Planning - Methodology</a:t>
               </a:r>
               <a:endParaRPr lang="en-US" sz="2400" dirty="0">
                 <a:solidFill>
@@ -10598,9 +10344,33 @@
           </p:txBody>
         </p:sp>
       </p:grpSp>
+      <p:pic>
+        <p:nvPicPr>
+          <p:cNvPr id="18" name="Picture 17"/>
+          <p:cNvPicPr>
+            <a:picLocks noChangeAspect="1"/>
+          </p:cNvPicPr>
+          <p:nvPr/>
+        </p:nvPicPr>
+        <p:blipFill>
+          <a:blip r:embed="rId4"/>
+          <a:stretch>
+            <a:fillRect/>
+          </a:stretch>
+        </p:blipFill>
+        <p:spPr>
+          <a:xfrm>
+            <a:off x="4495800" y="1098212"/>
+            <a:ext cx="3970542" cy="5529938"/>
+          </a:xfrm>
+          <a:prstGeom prst="rect">
+            <a:avLst/>
+          </a:prstGeom>
+        </p:spPr>
+      </p:pic>
       <p:sp>
         <p:nvSpPr>
-          <p:cNvPr id="11" name="Content Placeholder 10"/>
+          <p:cNvPr id="19" name="Content Placeholder 12"/>
           <p:cNvSpPr>
             <a:spLocks noGrp="1"/>
           </p:cNvSpPr>
@@ -10610,80 +10380,460 @@
         </p:nvSpPr>
         <p:spPr>
           <a:xfrm>
-            <a:off x="308343" y="1073888"/>
-            <a:ext cx="5231219" cy="5474806"/>
+            <a:off x="216195" y="979180"/>
+            <a:ext cx="5291469" cy="515118"/>
           </a:xfrm>
         </p:spPr>
         <p:txBody>
           <a:bodyPr>
-            <a:normAutofit fontScale="92500" lnSpcReduction="10000"/>
+            <a:normAutofit lnSpcReduction="10000"/>
           </a:bodyPr>
           <a:lstStyle/>
           <a:p>
+            <a:pPr marL="0" indent="0">
+              <a:buNone/>
+            </a:pPr>
+            <a:r>
+              <a:rPr lang="en-US" dirty="0" err="1" smtClean="0"/>
+              <a:t>Voronoi</a:t>
+            </a:r>
             <a:r>
               <a:rPr lang="en-US" dirty="0" smtClean="0"/>
-              <a:t>Probabilistically complete</a:t>
-            </a:r>
-          </a:p>
-          <a:p>
-            <a:pPr lvl="1"/>
-            <a:r>
-              <a:rPr lang="en-US" dirty="0" smtClean="0"/>
-              <a:t>Chance to find route increases as number of nodes increases</a:t>
-            </a:r>
-          </a:p>
-          <a:p>
-            <a:r>
-              <a:rPr lang="en-US" dirty="0" smtClean="0"/>
-              <a:t>Flexible and robust</a:t>
-            </a:r>
-          </a:p>
-          <a:p>
-            <a:pPr lvl="1"/>
-            <a:r>
-              <a:rPr lang="en-US" dirty="0" smtClean="0"/>
-              <a:t>Collision avoidance threshold distance is configurable</a:t>
-            </a:r>
-          </a:p>
-          <a:p>
-            <a:pPr lvl="1"/>
-            <a:r>
-              <a:rPr lang="en-US" dirty="0" smtClean="0"/>
-              <a:t>Number of sample nodes is configurable</a:t>
-            </a:r>
-          </a:p>
-          <a:p>
-            <a:pPr lvl="1"/>
-            <a:r>
-              <a:rPr lang="en-US" dirty="0" smtClean="0"/>
-              <a:t>Maximum node neighbor distance configurable</a:t>
-            </a:r>
-          </a:p>
-          <a:p>
-            <a:pPr lvl="1"/>
-            <a:r>
-              <a:rPr lang="en-US" dirty="0" smtClean="0"/>
-              <a:t>Re-plan only depends on updated map grid</a:t>
-            </a:r>
-          </a:p>
-          <a:p>
-            <a:r>
-              <a:rPr lang="en-US" dirty="0" smtClean="0"/>
-              <a:t>Certain geometries where straight line connections cannot be made are difficult to navigate</a:t>
-            </a:r>
-          </a:p>
-          <a:p>
-            <a:endParaRPr lang="en-US" dirty="0" smtClean="0"/>
-          </a:p>
-          <a:p>
-            <a:endParaRPr lang="en-US" dirty="0"/>
+              <a:t> Node Generation</a:t>
+            </a:r>
           </a:p>
         </p:txBody>
       </p:sp>
+      <p:sp>
+        <p:nvSpPr>
+          <p:cNvPr id="20" name="Down Arrow Callout 19"/>
+          <p:cNvSpPr/>
+          <p:nvPr/>
+        </p:nvSpPr>
+        <p:spPr>
+          <a:xfrm>
+            <a:off x="260496" y="1494299"/>
+            <a:ext cx="4235304" cy="1440288"/>
+          </a:xfrm>
+          <a:prstGeom prst="downArrowCallout">
+            <a:avLst>
+              <a:gd name="adj1" fmla="val 18317"/>
+              <a:gd name="adj2" fmla="val 12912"/>
+              <a:gd name="adj3" fmla="val 12308"/>
+              <a:gd name="adj4" fmla="val 81900"/>
+            </a:avLst>
+          </a:prstGeom>
+          <a:solidFill>
+            <a:schemeClr val="bg2"/>
+          </a:solidFill>
+        </p:spPr>
+        <p:style>
+          <a:lnRef idx="1">
+            <a:schemeClr val="dk1"/>
+          </a:lnRef>
+          <a:fillRef idx="2">
+            <a:schemeClr val="dk1"/>
+          </a:fillRef>
+          <a:effectRef idx="1">
+            <a:schemeClr val="dk1"/>
+          </a:effectRef>
+          <a:fontRef idx="minor">
+            <a:schemeClr val="dk1"/>
+          </a:fontRef>
+        </p:style>
+        <p:txBody>
+          <a:bodyPr rtlCol="0" anchor="t"/>
+          <a:lstStyle/>
+          <a:p>
+            <a:r>
+              <a:rPr lang="en-US" b="1" dirty="0" smtClean="0"/>
+              <a:t>Inputs</a:t>
+            </a:r>
+            <a:endParaRPr lang="en-US" dirty="0" smtClean="0"/>
+          </a:p>
+          <a:p>
+            <a:pPr marL="285750" lvl="0" indent="-285750">
+              <a:buFont typeface="Arial" panose="020B0604020202020204" pitchFamily="34" charset="0"/>
+              <a:buChar char="•"/>
+            </a:pPr>
+            <a:r>
+              <a:rPr lang="en-US" dirty="0" smtClean="0"/>
+              <a:t>Array of X and Y values that represent obstacles</a:t>
+            </a:r>
+          </a:p>
+        </p:txBody>
+      </p:sp>
+      <p:sp>
+        <p:nvSpPr>
+          <p:cNvPr id="21" name="Down Arrow Callout 20"/>
+          <p:cNvSpPr/>
+          <p:nvPr/>
+        </p:nvSpPr>
+        <p:spPr>
+          <a:xfrm>
+            <a:off x="260496" y="2979025"/>
+            <a:ext cx="4235304" cy="2167117"/>
+          </a:xfrm>
+          <a:prstGeom prst="downArrowCallout">
+            <a:avLst>
+              <a:gd name="adj1" fmla="val 11500"/>
+              <a:gd name="adj2" fmla="val 9968"/>
+              <a:gd name="adj3" fmla="val 8383"/>
+              <a:gd name="adj4" fmla="val 87297"/>
+            </a:avLst>
+          </a:prstGeom>
+          <a:solidFill>
+            <a:schemeClr val="bg2"/>
+          </a:solidFill>
+        </p:spPr>
+        <p:style>
+          <a:lnRef idx="1">
+            <a:schemeClr val="dk1"/>
+          </a:lnRef>
+          <a:fillRef idx="2">
+            <a:schemeClr val="dk1"/>
+          </a:fillRef>
+          <a:effectRef idx="1">
+            <a:schemeClr val="dk1"/>
+          </a:effectRef>
+          <a:fontRef idx="minor">
+            <a:schemeClr val="dk1"/>
+          </a:fontRef>
+        </p:style>
+        <p:txBody>
+          <a:bodyPr rtlCol="0" anchor="t"/>
+          <a:lstStyle/>
+          <a:p>
+            <a:r>
+              <a:rPr lang="en-US" b="1" dirty="0" smtClean="0"/>
+              <a:t>Process</a:t>
+            </a:r>
+          </a:p>
+          <a:p>
+            <a:pPr marL="285750" indent="-285750">
+              <a:buFont typeface="Arial" panose="020B0604020202020204" pitchFamily="34" charset="0"/>
+              <a:buChar char="•"/>
+            </a:pPr>
+            <a:r>
+              <a:rPr lang="en-US" dirty="0" smtClean="0"/>
+              <a:t>Delaunay triangulation</a:t>
+            </a:r>
+          </a:p>
+          <a:p>
+            <a:pPr marL="742950" lvl="1" indent="-285750">
+              <a:buFont typeface="Arial" panose="020B0604020202020204" pitchFamily="34" charset="0"/>
+              <a:buChar char="•"/>
+            </a:pPr>
+            <a:r>
+              <a:rPr lang="en-US" dirty="0" smtClean="0"/>
+              <a:t>Draw circles through triangles node (obstacles)</a:t>
+            </a:r>
+          </a:p>
+          <a:p>
+            <a:pPr marL="742950" lvl="1" indent="-285750">
+              <a:buFont typeface="Arial" panose="020B0604020202020204" pitchFamily="34" charset="0"/>
+              <a:buChar char="•"/>
+            </a:pPr>
+            <a:r>
+              <a:rPr lang="en-US" dirty="0" smtClean="0"/>
+              <a:t>Connect centers of circles with lines</a:t>
+            </a:r>
+            <a:endParaRPr lang="en-US" dirty="0" smtClean="0"/>
+          </a:p>
+          <a:p>
+            <a:pPr marL="285750" lvl="0" indent="-285750">
+              <a:buFont typeface="Arial" panose="020B0604020202020204" pitchFamily="34" charset="0"/>
+              <a:buChar char="•"/>
+            </a:pPr>
+            <a:endParaRPr lang="en-US" dirty="0"/>
+          </a:p>
+        </p:txBody>
+      </p:sp>
+      <p:sp>
+        <p:nvSpPr>
+          <p:cNvPr id="22" name="Rectangle 21"/>
+          <p:cNvSpPr/>
+          <p:nvPr/>
+        </p:nvSpPr>
+        <p:spPr>
+          <a:xfrm>
+            <a:off x="260496" y="5190580"/>
+            <a:ext cx="4235304" cy="1424763"/>
+          </a:xfrm>
+          <a:prstGeom prst="rect">
+            <a:avLst/>
+          </a:prstGeom>
+          <a:solidFill>
+            <a:schemeClr val="bg2"/>
+          </a:solidFill>
+        </p:spPr>
+        <p:style>
+          <a:lnRef idx="1">
+            <a:schemeClr val="dk1"/>
+          </a:lnRef>
+          <a:fillRef idx="2">
+            <a:schemeClr val="dk1"/>
+          </a:fillRef>
+          <a:effectRef idx="1">
+            <a:schemeClr val="dk1"/>
+          </a:effectRef>
+          <a:fontRef idx="minor">
+            <a:schemeClr val="dk1"/>
+          </a:fontRef>
+        </p:style>
+        <p:txBody>
+          <a:bodyPr rtlCol="0" anchor="t"/>
+          <a:lstStyle/>
+          <a:p>
+            <a:r>
+              <a:rPr lang="en-US" b="1" dirty="0" smtClean="0"/>
+              <a:t>Outputs</a:t>
+            </a:r>
+          </a:p>
+          <a:p>
+            <a:pPr marL="285750" lvl="0" indent="-285750">
+              <a:buFont typeface="Arial" panose="020B0604020202020204" pitchFamily="34" charset="0"/>
+              <a:buChar char="•"/>
+            </a:pPr>
+            <a:r>
+              <a:rPr lang="en-US" dirty="0" smtClean="0"/>
+              <a:t>Ordered list of polygon vertices representing points equidistant from obstacles</a:t>
+            </a:r>
+            <a:endParaRPr lang="en-US" dirty="0"/>
+          </a:p>
+        </p:txBody>
+      </p:sp>
+    </p:spTree>
+    <p:extLst>
+      <p:ext uri="{BB962C8B-B14F-4D97-AF65-F5344CB8AC3E}">
+        <p14:creationId xmlns:p14="http://schemas.microsoft.com/office/powerpoint/2010/main" val="2046647567"/>
+      </p:ext>
+    </p:extLst>
+  </p:cSld>
+  <p:clrMapOvr>
+    <a:masterClrMapping/>
+  </p:clrMapOvr>
+</p:sld>
+</file>
+
+<file path=ppt/slides/slide6.xml><?xml version="1.0" encoding="utf-8"?>
+<p:sld xmlns:a="http://schemas.openxmlformats.org/drawingml/2006/main" xmlns:r="http://schemas.openxmlformats.org/officeDocument/2006/relationships" xmlns:p="http://schemas.openxmlformats.org/presentationml/2006/main">
+  <p:cSld>
+    <p:spTree>
+      <p:nvGrpSpPr>
+        <p:cNvPr id="1" name=""/>
+        <p:cNvGrpSpPr/>
+        <p:nvPr/>
+      </p:nvGrpSpPr>
+      <p:grpSpPr>
+        <a:xfrm>
+          <a:off x="0" y="0"/>
+          <a:ext cx="0" cy="0"/>
+          <a:chOff x="0" y="0"/>
+          <a:chExt cx="0" cy="0"/>
+        </a:xfrm>
+      </p:grpSpPr>
+      <p:grpSp>
+        <p:nvGrpSpPr>
+          <p:cNvPr id="4" name="Group 3"/>
+          <p:cNvGrpSpPr/>
+          <p:nvPr/>
+        </p:nvGrpSpPr>
+        <p:grpSpPr>
+          <a:xfrm>
+            <a:off x="0" y="1"/>
+            <a:ext cx="9144000" cy="844012"/>
+            <a:chOff x="0" y="1"/>
+            <a:chExt cx="9144000" cy="844012"/>
+          </a:xfrm>
+        </p:grpSpPr>
+        <p:cxnSp>
+          <p:nvCxnSpPr>
+            <p:cNvPr id="5" name="Straight Connector 4"/>
+            <p:cNvCxnSpPr/>
+            <p:nvPr/>
+          </p:nvCxnSpPr>
+          <p:spPr>
+            <a:xfrm>
+              <a:off x="0" y="844013"/>
+              <a:ext cx="9144000" cy="0"/>
+            </a:xfrm>
+            <a:prstGeom prst="line">
+              <a:avLst/>
+            </a:prstGeom>
+            <a:ln>
+              <a:solidFill>
+                <a:schemeClr val="tx1"/>
+              </a:solidFill>
+            </a:ln>
+            <a:effectLst/>
+          </p:spPr>
+          <p:style>
+            <a:lnRef idx="2">
+              <a:schemeClr val="accent1"/>
+            </a:lnRef>
+            <a:fillRef idx="0">
+              <a:schemeClr val="accent1"/>
+            </a:fillRef>
+            <a:effectRef idx="1">
+              <a:schemeClr val="accent1"/>
+            </a:effectRef>
+            <a:fontRef idx="minor">
+              <a:schemeClr val="tx1"/>
+            </a:fontRef>
+          </p:style>
+        </p:cxnSp>
+        <p:pic>
+          <p:nvPicPr>
+            <p:cNvPr id="6" name="Picture 5" descr="Screen Shot 2015-10-11 at 11.16.20 AM.png"/>
+            <p:cNvPicPr>
+              <a:picLocks noChangeAspect="1"/>
+            </p:cNvPicPr>
+            <p:nvPr/>
+          </p:nvPicPr>
+          <p:blipFill>
+            <a:blip r:embed="rId2">
+              <a:extLst>
+                <a:ext uri="{28A0092B-C50C-407E-A947-70E740481C1C}">
+                  <a14:useLocalDpi xmlns:a14="http://schemas.microsoft.com/office/drawing/2010/main" val="0"/>
+                </a:ext>
+              </a:extLst>
+            </a:blip>
+            <a:stretch>
+              <a:fillRect/>
+            </a:stretch>
+          </p:blipFill>
+          <p:spPr>
+            <a:xfrm>
+              <a:off x="0" y="1"/>
+              <a:ext cx="1151748" cy="844012"/>
+            </a:xfrm>
+            <a:prstGeom prst="rect">
+              <a:avLst/>
+            </a:prstGeom>
+          </p:spPr>
+        </p:pic>
+        <p:sp>
+          <p:nvSpPr>
+            <p:cNvPr id="7" name="Rectangle 6"/>
+            <p:cNvSpPr/>
+            <p:nvPr/>
+          </p:nvSpPr>
+          <p:spPr>
+            <a:xfrm>
+              <a:off x="1151748" y="2283"/>
+              <a:ext cx="7992252" cy="832104"/>
+            </a:xfrm>
+            <a:prstGeom prst="rect">
+              <a:avLst/>
+            </a:prstGeom>
+            <a:solidFill>
+              <a:schemeClr val="tx1"/>
+            </a:solidFill>
+            <a:ln>
+              <a:solidFill>
+                <a:schemeClr val="tx1"/>
+              </a:solidFill>
+            </a:ln>
+            <a:effectLst/>
+          </p:spPr>
+          <p:style>
+            <a:lnRef idx="1">
+              <a:schemeClr val="accent1"/>
+            </a:lnRef>
+            <a:fillRef idx="3">
+              <a:schemeClr val="accent1"/>
+            </a:fillRef>
+            <a:effectRef idx="2">
+              <a:schemeClr val="accent1"/>
+            </a:effectRef>
+            <a:fontRef idx="minor">
+              <a:schemeClr val="lt1"/>
+            </a:fontRef>
+          </p:style>
+          <p:txBody>
+            <a:bodyPr rtlCol="0" anchor="ctr"/>
+            <a:lstStyle/>
+            <a:p>
+              <a:pPr algn="ctr"/>
+              <a:endParaRPr lang="en-US"/>
+            </a:p>
+          </p:txBody>
+        </p:sp>
+        <p:pic>
+          <p:nvPicPr>
+            <p:cNvPr id="8" name="Picture 7"/>
+            <p:cNvPicPr>
+              <a:picLocks noChangeAspect="1"/>
+            </p:cNvPicPr>
+            <p:nvPr/>
+          </p:nvPicPr>
+          <p:blipFill>
+            <a:blip r:embed="rId3"/>
+            <a:stretch>
+              <a:fillRect/>
+            </a:stretch>
+          </p:blipFill>
+          <p:spPr>
+            <a:xfrm>
+              <a:off x="8311013" y="2283"/>
+              <a:ext cx="832987" cy="832987"/>
+            </a:xfrm>
+            <a:prstGeom prst="rect">
+              <a:avLst/>
+            </a:prstGeom>
+          </p:spPr>
+        </p:pic>
+        <p:sp>
+          <p:nvSpPr>
+            <p:cNvPr id="9" name="TextBox 8"/>
+            <p:cNvSpPr txBox="1"/>
+            <p:nvPr/>
+          </p:nvSpPr>
+          <p:spPr>
+            <a:xfrm>
+              <a:off x="1202040" y="188621"/>
+              <a:ext cx="6983237" cy="461665"/>
+            </a:xfrm>
+            <a:prstGeom prst="rect">
+              <a:avLst/>
+            </a:prstGeom>
+            <a:noFill/>
+          </p:spPr>
+          <p:txBody>
+            <a:bodyPr wrap="square" rtlCol="0">
+              <a:spAutoFit/>
+            </a:bodyPr>
+            <a:lstStyle/>
+            <a:p>
+              <a:pPr algn="ctr"/>
+              <a:r>
+                <a:rPr lang="en-US" sz="2400" dirty="0" smtClean="0">
+                  <a:solidFill>
+                    <a:srgbClr val="FFFFFF"/>
+                  </a:solidFill>
+                  <a:latin typeface="Candara"/>
+                  <a:cs typeface="Candara"/>
+                </a:rPr>
+                <a:t>Path Planning - Methodology</a:t>
+              </a:r>
+              <a:endParaRPr lang="en-US" sz="2400" dirty="0">
+                <a:solidFill>
+                  <a:srgbClr val="FFFFFF"/>
+                </a:solidFill>
+                <a:latin typeface="Candara"/>
+                <a:cs typeface="Candara"/>
+              </a:endParaRPr>
+            </a:p>
+          </p:txBody>
+        </p:sp>
+      </p:grpSp>
       <p:pic>
         <p:nvPicPr>
-          <p:cNvPr id="12" name="Picture 11"/>
-          <p:cNvPicPr/>
+          <p:cNvPr id="18" name="Picture 17"/>
+          <p:cNvPicPr>
+            <a:picLocks noChangeAspect="1"/>
+          </p:cNvPicPr>
           <p:nvPr/>
         </p:nvPicPr>
         <p:blipFill>
@@ -10693,36 +10843,290 @@
           </a:stretch>
         </p:blipFill>
         <p:spPr>
-          <a:xfrm rot="16200000">
-            <a:off x="4510170" y="2238170"/>
-            <a:ext cx="5653590" cy="3146241"/>
+          <a:xfrm>
+            <a:off x="4495800" y="1098212"/>
+            <a:ext cx="3970542" cy="5529938"/>
           </a:xfrm>
           <a:prstGeom prst="rect">
             <a:avLst/>
           </a:prstGeom>
         </p:spPr>
       </p:pic>
+      <p:sp>
+        <p:nvSpPr>
+          <p:cNvPr id="19" name="Content Placeholder 12"/>
+          <p:cNvSpPr>
+            <a:spLocks noGrp="1"/>
+          </p:cNvSpPr>
+          <p:nvPr>
+            <p:ph sz="half" idx="1"/>
+          </p:nvPr>
+        </p:nvSpPr>
+        <p:spPr>
+          <a:xfrm>
+            <a:off x="216195" y="979180"/>
+            <a:ext cx="5291469" cy="515118"/>
+          </a:xfrm>
+        </p:spPr>
+        <p:txBody>
+          <a:bodyPr>
+            <a:normAutofit lnSpcReduction="10000"/>
+          </a:bodyPr>
+          <a:lstStyle/>
+          <a:p>
+            <a:pPr marL="0" indent="0">
+              <a:buNone/>
+            </a:pPr>
+            <a:r>
+              <a:rPr lang="en-US" dirty="0" smtClean="0"/>
+              <a:t>A*</a:t>
+            </a:r>
+          </a:p>
+        </p:txBody>
+      </p:sp>
+      <p:sp>
+        <p:nvSpPr>
+          <p:cNvPr id="20" name="Down Arrow Callout 19"/>
+          <p:cNvSpPr/>
+          <p:nvPr/>
+        </p:nvSpPr>
+        <p:spPr>
+          <a:xfrm>
+            <a:off x="260496" y="1494299"/>
+            <a:ext cx="4235304" cy="1440288"/>
+          </a:xfrm>
+          <a:prstGeom prst="downArrowCallout">
+            <a:avLst>
+              <a:gd name="adj1" fmla="val 18317"/>
+              <a:gd name="adj2" fmla="val 12912"/>
+              <a:gd name="adj3" fmla="val 12308"/>
+              <a:gd name="adj4" fmla="val 81900"/>
+            </a:avLst>
+          </a:prstGeom>
+          <a:solidFill>
+            <a:schemeClr val="bg2"/>
+          </a:solidFill>
+        </p:spPr>
+        <p:style>
+          <a:lnRef idx="1">
+            <a:schemeClr val="dk1"/>
+          </a:lnRef>
+          <a:fillRef idx="2">
+            <a:schemeClr val="dk1"/>
+          </a:fillRef>
+          <a:effectRef idx="1">
+            <a:schemeClr val="dk1"/>
+          </a:effectRef>
+          <a:fontRef idx="minor">
+            <a:schemeClr val="dk1"/>
+          </a:fontRef>
+        </p:style>
+        <p:txBody>
+          <a:bodyPr rtlCol="0" anchor="t"/>
+          <a:lstStyle/>
+          <a:p>
+            <a:r>
+              <a:rPr lang="en-US" b="1" dirty="0" smtClean="0"/>
+              <a:t>Inputs</a:t>
+            </a:r>
+            <a:endParaRPr lang="en-US" dirty="0" smtClean="0"/>
+          </a:p>
+          <a:p>
+            <a:pPr marL="285750" lvl="0" indent="-285750">
+              <a:buFont typeface="Arial" panose="020B0604020202020204" pitchFamily="34" charset="0"/>
+              <a:buChar char="•"/>
+            </a:pPr>
+            <a:r>
+              <a:rPr lang="en-US" dirty="0" smtClean="0"/>
+              <a:t>Array of X and Y values that represent waypoint possibilities</a:t>
+            </a:r>
+          </a:p>
+        </p:txBody>
+      </p:sp>
+      <p:sp>
+        <p:nvSpPr>
+          <p:cNvPr id="21" name="Down Arrow Callout 20"/>
+          <p:cNvSpPr/>
+          <p:nvPr/>
+        </p:nvSpPr>
+        <p:spPr>
+          <a:xfrm>
+            <a:off x="260496" y="2979025"/>
+            <a:ext cx="4235304" cy="2586888"/>
+          </a:xfrm>
+          <a:prstGeom prst="downArrowCallout">
+            <a:avLst>
+              <a:gd name="adj1" fmla="val 11500"/>
+              <a:gd name="adj2" fmla="val 9968"/>
+              <a:gd name="adj3" fmla="val 8383"/>
+              <a:gd name="adj4" fmla="val 87297"/>
+            </a:avLst>
+          </a:prstGeom>
+          <a:solidFill>
+            <a:schemeClr val="bg2"/>
+          </a:solidFill>
+        </p:spPr>
+        <p:style>
+          <a:lnRef idx="1">
+            <a:schemeClr val="dk1"/>
+          </a:lnRef>
+          <a:fillRef idx="2">
+            <a:schemeClr val="dk1"/>
+          </a:fillRef>
+          <a:effectRef idx="1">
+            <a:schemeClr val="dk1"/>
+          </a:effectRef>
+          <a:fontRef idx="minor">
+            <a:schemeClr val="dk1"/>
+          </a:fontRef>
+        </p:style>
+        <p:txBody>
+          <a:bodyPr rtlCol="0" anchor="t"/>
+          <a:lstStyle/>
+          <a:p>
+            <a:r>
+              <a:rPr lang="en-US" b="1" dirty="0" smtClean="0"/>
+              <a:t>Process</a:t>
+            </a:r>
+            <a:endParaRPr lang="en-US" dirty="0"/>
+          </a:p>
+          <a:p>
+            <a:pPr marL="285750" indent="-285750">
+              <a:buFont typeface="Arial" panose="020B0604020202020204" pitchFamily="34" charset="0"/>
+              <a:buChar char="•"/>
+            </a:pPr>
+            <a:r>
+              <a:rPr lang="en-US" dirty="0" smtClean="0"/>
+              <a:t>Determine path based on least cost approach</a:t>
+            </a:r>
+          </a:p>
+          <a:p>
+            <a:pPr marL="285750" indent="-285750">
+              <a:buFont typeface="Arial" panose="020B0604020202020204" pitchFamily="34" charset="0"/>
+              <a:buChar char="•"/>
+            </a:pPr>
+            <a:r>
+              <a:rPr lang="en-US" dirty="0" smtClean="0"/>
+              <a:t>Cost </a:t>
+            </a:r>
+            <a:r>
+              <a:rPr lang="en-US" dirty="0"/>
+              <a:t>= g(n) + </a:t>
+            </a:r>
+            <a:r>
+              <a:rPr lang="en-US" dirty="0" smtClean="0"/>
+              <a:t>h(n)</a:t>
+            </a:r>
+          </a:p>
+          <a:p>
+            <a:pPr marL="742950" lvl="1" indent="-285750">
+              <a:buFont typeface="Arial" panose="020B0604020202020204" pitchFamily="34" charset="0"/>
+              <a:buChar char="•"/>
+            </a:pPr>
+            <a:r>
+              <a:rPr lang="en-US" dirty="0" smtClean="0"/>
+              <a:t>g(n</a:t>
+            </a:r>
+            <a:r>
+              <a:rPr lang="en-US" dirty="0"/>
+              <a:t>) = known cost (previously </a:t>
+            </a:r>
+            <a:r>
+              <a:rPr lang="en-US" dirty="0" smtClean="0"/>
+              <a:t>traversed)</a:t>
+            </a:r>
+          </a:p>
+          <a:p>
+            <a:pPr marL="742950" lvl="1" indent="-285750">
+              <a:buFont typeface="Arial" panose="020B0604020202020204" pitchFamily="34" charset="0"/>
+              <a:buChar char="•"/>
+            </a:pPr>
+            <a:r>
+              <a:rPr lang="en-US" dirty="0" smtClean="0"/>
+              <a:t>h(n</a:t>
+            </a:r>
+            <a:r>
+              <a:rPr lang="en-US" dirty="0"/>
+              <a:t>) = estimate of node -&gt; goal distance</a:t>
+            </a:r>
+          </a:p>
+          <a:p>
+            <a:pPr marL="285750" lvl="0" indent="-285750">
+              <a:buFont typeface="Arial" panose="020B0604020202020204" pitchFamily="34" charset="0"/>
+              <a:buChar char="•"/>
+            </a:pPr>
+            <a:endParaRPr lang="en-US" dirty="0"/>
+          </a:p>
+        </p:txBody>
+      </p:sp>
+      <p:sp>
+        <p:nvSpPr>
+          <p:cNvPr id="22" name="Rectangle 21"/>
+          <p:cNvSpPr/>
+          <p:nvPr/>
+        </p:nvSpPr>
+        <p:spPr>
+          <a:xfrm>
+            <a:off x="260496" y="5610351"/>
+            <a:ext cx="4235304" cy="1004992"/>
+          </a:xfrm>
+          <a:prstGeom prst="rect">
+            <a:avLst/>
+          </a:prstGeom>
+          <a:solidFill>
+            <a:schemeClr val="bg2"/>
+          </a:solidFill>
+        </p:spPr>
+        <p:style>
+          <a:lnRef idx="1">
+            <a:schemeClr val="dk1"/>
+          </a:lnRef>
+          <a:fillRef idx="2">
+            <a:schemeClr val="dk1"/>
+          </a:fillRef>
+          <a:effectRef idx="1">
+            <a:schemeClr val="dk1"/>
+          </a:effectRef>
+          <a:fontRef idx="minor">
+            <a:schemeClr val="dk1"/>
+          </a:fontRef>
+        </p:style>
+        <p:txBody>
+          <a:bodyPr rtlCol="0" anchor="t"/>
+          <a:lstStyle/>
+          <a:p>
+            <a:r>
+              <a:rPr lang="en-US" b="1" dirty="0" smtClean="0"/>
+              <a:t>Outputs</a:t>
+            </a:r>
+          </a:p>
+          <a:p>
+            <a:pPr marL="285750" lvl="0" indent="-285750">
+              <a:buFont typeface="Arial" panose="020B0604020202020204" pitchFamily="34" charset="0"/>
+              <a:buChar char="•"/>
+            </a:pPr>
+            <a:r>
+              <a:rPr lang="en-US" dirty="0" smtClean="0"/>
+              <a:t>Array of nodes defining path</a:t>
+            </a:r>
+            <a:endParaRPr lang="en-US" dirty="0"/>
+          </a:p>
+        </p:txBody>
+      </p:sp>
     </p:spTree>
     <p:extLst>
       <p:ext uri="{BB962C8B-B14F-4D97-AF65-F5344CB8AC3E}">
-        <p14:creationId xmlns:p14="http://schemas.microsoft.com/office/powerpoint/2010/main" val="3086829290"/>
+        <p14:creationId xmlns:p14="http://schemas.microsoft.com/office/powerpoint/2010/main" val="3008517176"/>
       </p:ext>
     </p:extLst>
   </p:cSld>
   <p:clrMapOvr>
     <a:masterClrMapping/>
   </p:clrMapOvr>
-  <p:timing>
-    <p:tnLst>
-      <p:par>
-        <p:cTn id="1" dur="indefinite" restart="never" nodeType="tmRoot"/>
-      </p:par>
-    </p:tnLst>
-  </p:timing>
 </p:sld>
 </file>
 
-<file path=ppt/slides/slide6.xml><?xml version="1.0" encoding="utf-8"?>
+<file path=ppt/slides/slide7.xml><?xml version="1.0" encoding="utf-8"?>
 <p:sld xmlns:a="http://schemas.openxmlformats.org/drawingml/2006/main" xmlns:r="http://schemas.openxmlformats.org/officeDocument/2006/relationships" xmlns:p="http://schemas.openxmlformats.org/presentationml/2006/main">
   <p:cSld>
     <p:spTree>
@@ -11062,774 +11466,6 @@
 </p:sld>
 </file>
 
-<file path=ppt/slides/slide7.xml><?xml version="1.0" encoding="utf-8"?>
-<p:sld xmlns:a="http://schemas.openxmlformats.org/drawingml/2006/main" xmlns:r="http://schemas.openxmlformats.org/officeDocument/2006/relationships" xmlns:p="http://schemas.openxmlformats.org/presentationml/2006/main">
-  <p:cSld>
-    <p:spTree>
-      <p:nvGrpSpPr>
-        <p:cNvPr id="1" name=""/>
-        <p:cNvGrpSpPr/>
-        <p:nvPr/>
-      </p:nvGrpSpPr>
-      <p:grpSpPr>
-        <a:xfrm>
-          <a:off x="0" y="0"/>
-          <a:ext cx="0" cy="0"/>
-          <a:chOff x="0" y="0"/>
-          <a:chExt cx="0" cy="0"/>
-        </a:xfrm>
-      </p:grpSpPr>
-      <p:grpSp>
-        <p:nvGrpSpPr>
-          <p:cNvPr id="4" name="Group 3"/>
-          <p:cNvGrpSpPr/>
-          <p:nvPr/>
-        </p:nvGrpSpPr>
-        <p:grpSpPr>
-          <a:xfrm>
-            <a:off x="0" y="1"/>
-            <a:ext cx="9144000" cy="844012"/>
-            <a:chOff x="0" y="1"/>
-            <a:chExt cx="9144000" cy="844012"/>
-          </a:xfrm>
-        </p:grpSpPr>
-        <p:cxnSp>
-          <p:nvCxnSpPr>
-            <p:cNvPr id="5" name="Straight Connector 4"/>
-            <p:cNvCxnSpPr/>
-            <p:nvPr/>
-          </p:nvCxnSpPr>
-          <p:spPr>
-            <a:xfrm>
-              <a:off x="0" y="844013"/>
-              <a:ext cx="9144000" cy="0"/>
-            </a:xfrm>
-            <a:prstGeom prst="line">
-              <a:avLst/>
-            </a:prstGeom>
-            <a:ln>
-              <a:solidFill>
-                <a:schemeClr val="tx1"/>
-              </a:solidFill>
-            </a:ln>
-            <a:effectLst/>
-          </p:spPr>
-          <p:style>
-            <a:lnRef idx="2">
-              <a:schemeClr val="accent1"/>
-            </a:lnRef>
-            <a:fillRef idx="0">
-              <a:schemeClr val="accent1"/>
-            </a:fillRef>
-            <a:effectRef idx="1">
-              <a:schemeClr val="accent1"/>
-            </a:effectRef>
-            <a:fontRef idx="minor">
-              <a:schemeClr val="tx1"/>
-            </a:fontRef>
-          </p:style>
-        </p:cxnSp>
-        <p:pic>
-          <p:nvPicPr>
-            <p:cNvPr id="6" name="Picture 5" descr="Screen Shot 2015-10-11 at 11.16.20 AM.png"/>
-            <p:cNvPicPr>
-              <a:picLocks noChangeAspect="1"/>
-            </p:cNvPicPr>
-            <p:nvPr/>
-          </p:nvPicPr>
-          <p:blipFill>
-            <a:blip r:embed="rId3">
-              <a:extLst>
-                <a:ext uri="{28A0092B-C50C-407E-A947-70E740481C1C}">
-                  <a14:useLocalDpi xmlns:a14="http://schemas.microsoft.com/office/drawing/2010/main" val="0"/>
-                </a:ext>
-              </a:extLst>
-            </a:blip>
-            <a:stretch>
-              <a:fillRect/>
-            </a:stretch>
-          </p:blipFill>
-          <p:spPr>
-            <a:xfrm>
-              <a:off x="0" y="1"/>
-              <a:ext cx="1151748" cy="844012"/>
-            </a:xfrm>
-            <a:prstGeom prst="rect">
-              <a:avLst/>
-            </a:prstGeom>
-          </p:spPr>
-        </p:pic>
-        <p:sp>
-          <p:nvSpPr>
-            <p:cNvPr id="7" name="Rectangle 6"/>
-            <p:cNvSpPr/>
-            <p:nvPr/>
-          </p:nvSpPr>
-          <p:spPr>
-            <a:xfrm>
-              <a:off x="1151748" y="2283"/>
-              <a:ext cx="7992252" cy="832104"/>
-            </a:xfrm>
-            <a:prstGeom prst="rect">
-              <a:avLst/>
-            </a:prstGeom>
-            <a:solidFill>
-              <a:schemeClr val="tx1"/>
-            </a:solidFill>
-            <a:ln>
-              <a:solidFill>
-                <a:schemeClr val="tx1"/>
-              </a:solidFill>
-            </a:ln>
-            <a:effectLst/>
-          </p:spPr>
-          <p:style>
-            <a:lnRef idx="1">
-              <a:schemeClr val="accent1"/>
-            </a:lnRef>
-            <a:fillRef idx="3">
-              <a:schemeClr val="accent1"/>
-            </a:fillRef>
-            <a:effectRef idx="2">
-              <a:schemeClr val="accent1"/>
-            </a:effectRef>
-            <a:fontRef idx="minor">
-              <a:schemeClr val="lt1"/>
-            </a:fontRef>
-          </p:style>
-          <p:txBody>
-            <a:bodyPr rtlCol="0" anchor="ctr"/>
-            <a:lstStyle/>
-            <a:p>
-              <a:pPr algn="ctr"/>
-              <a:endParaRPr lang="en-US"/>
-            </a:p>
-          </p:txBody>
-        </p:sp>
-        <p:pic>
-          <p:nvPicPr>
-            <p:cNvPr id="8" name="Picture 7"/>
-            <p:cNvPicPr>
-              <a:picLocks noChangeAspect="1"/>
-            </p:cNvPicPr>
-            <p:nvPr/>
-          </p:nvPicPr>
-          <p:blipFill>
-            <a:blip r:embed="rId4"/>
-            <a:stretch>
-              <a:fillRect/>
-            </a:stretch>
-          </p:blipFill>
-          <p:spPr>
-            <a:xfrm>
-              <a:off x="8311013" y="2283"/>
-              <a:ext cx="832987" cy="832987"/>
-            </a:xfrm>
-            <a:prstGeom prst="rect">
-              <a:avLst/>
-            </a:prstGeom>
-          </p:spPr>
-        </p:pic>
-        <p:sp>
-          <p:nvSpPr>
-            <p:cNvPr id="9" name="TextBox 8"/>
-            <p:cNvSpPr txBox="1"/>
-            <p:nvPr/>
-          </p:nvSpPr>
-          <p:spPr>
-            <a:xfrm>
-              <a:off x="1202040" y="188621"/>
-              <a:ext cx="6983237" cy="461665"/>
-            </a:xfrm>
-            <a:prstGeom prst="rect">
-              <a:avLst/>
-            </a:prstGeom>
-            <a:noFill/>
-          </p:spPr>
-          <p:txBody>
-            <a:bodyPr wrap="square" rtlCol="0">
-              <a:spAutoFit/>
-            </a:bodyPr>
-            <a:lstStyle/>
-            <a:p>
-              <a:pPr algn="ctr"/>
-              <a:r>
-                <a:rPr lang="en-US" sz="2400" dirty="0">
-                  <a:solidFill>
-                    <a:srgbClr val="FFFFFF"/>
-                  </a:solidFill>
-                  <a:latin typeface="Candara"/>
-                  <a:cs typeface="Candara"/>
-                </a:rPr>
-                <a:t>Path </a:t>
-              </a:r>
-              <a:r>
-                <a:rPr lang="en-US" sz="2400" dirty="0" smtClean="0">
-                  <a:solidFill>
-                    <a:srgbClr val="FFFFFF"/>
-                  </a:solidFill>
-                  <a:latin typeface="Candara"/>
-                  <a:cs typeface="Candara"/>
-                </a:rPr>
-                <a:t>Planning – Methodology (NN+2Opt)</a:t>
-              </a:r>
-              <a:endParaRPr lang="en-US" sz="2400" dirty="0">
-                <a:solidFill>
-                  <a:srgbClr val="FFFFFF"/>
-                </a:solidFill>
-                <a:latin typeface="Candara"/>
-                <a:cs typeface="Candara"/>
-              </a:endParaRPr>
-            </a:p>
-          </p:txBody>
-        </p:sp>
-      </p:grpSp>
-      <p:sp>
-        <p:nvSpPr>
-          <p:cNvPr id="13" name="Content Placeholder 12"/>
-          <p:cNvSpPr>
-            <a:spLocks noGrp="1"/>
-          </p:cNvSpPr>
-          <p:nvPr>
-            <p:ph sz="half" idx="1"/>
-          </p:nvPr>
-        </p:nvSpPr>
-        <p:spPr>
-          <a:xfrm>
-            <a:off x="216195" y="979180"/>
-            <a:ext cx="5291469" cy="515118"/>
-          </a:xfrm>
-        </p:spPr>
-        <p:txBody>
-          <a:bodyPr>
-            <a:normAutofit lnSpcReduction="10000"/>
-          </a:bodyPr>
-          <a:lstStyle/>
-          <a:p>
-            <a:pPr marL="0" indent="0">
-              <a:buNone/>
-            </a:pPr>
-            <a:r>
-              <a:rPr lang="en-US" dirty="0" smtClean="0"/>
-              <a:t>Nearest Neighbor + 2-Opt</a:t>
-            </a:r>
-          </a:p>
-        </p:txBody>
-      </p:sp>
-      <p:sp>
-        <p:nvSpPr>
-          <p:cNvPr id="10" name="Down Arrow Callout 9"/>
-          <p:cNvSpPr/>
-          <p:nvPr/>
-        </p:nvSpPr>
-        <p:spPr>
-          <a:xfrm>
-            <a:off x="260496" y="1494298"/>
-            <a:ext cx="5199320" cy="1440288"/>
-          </a:xfrm>
-          <a:prstGeom prst="downArrowCallout">
-            <a:avLst>
-              <a:gd name="adj1" fmla="val 17352"/>
-              <a:gd name="adj2" fmla="val 15894"/>
-              <a:gd name="adj3" fmla="val 12308"/>
-              <a:gd name="adj4" fmla="val 80424"/>
-            </a:avLst>
-          </a:prstGeom>
-          <a:solidFill>
-            <a:schemeClr val="bg2"/>
-          </a:solidFill>
-        </p:spPr>
-        <p:style>
-          <a:lnRef idx="1">
-            <a:schemeClr val="dk1"/>
-          </a:lnRef>
-          <a:fillRef idx="2">
-            <a:schemeClr val="dk1"/>
-          </a:fillRef>
-          <a:effectRef idx="1">
-            <a:schemeClr val="dk1"/>
-          </a:effectRef>
-          <a:fontRef idx="minor">
-            <a:schemeClr val="dk1"/>
-          </a:fontRef>
-        </p:style>
-        <p:txBody>
-          <a:bodyPr rtlCol="0" anchor="t"/>
-          <a:lstStyle/>
-          <a:p>
-            <a:r>
-              <a:rPr lang="en-US" b="1" dirty="0" smtClean="0"/>
-              <a:t>Inputs</a:t>
-            </a:r>
-            <a:endParaRPr lang="en-US" dirty="0" smtClean="0"/>
-          </a:p>
-          <a:p>
-            <a:pPr marL="285750" lvl="0" indent="-285750">
-              <a:buFont typeface="Arial" panose="020B0604020202020204" pitchFamily="34" charset="0"/>
-              <a:buChar char="•"/>
-            </a:pPr>
-            <a:r>
-              <a:rPr lang="en-US" dirty="0" smtClean="0"/>
-              <a:t>Auto-generated goal coordinates (a set of uniformly distributed points in free space)</a:t>
-            </a:r>
-          </a:p>
-          <a:p>
-            <a:pPr marL="285750" lvl="0" indent="-285750">
-              <a:buFont typeface="Arial" panose="020B0604020202020204" pitchFamily="34" charset="0"/>
-              <a:buChar char="•"/>
-            </a:pPr>
-            <a:r>
-              <a:rPr lang="en-US" dirty="0" smtClean="0"/>
-              <a:t>PRM</a:t>
-            </a:r>
-            <a:endParaRPr lang="en-US" dirty="0"/>
-          </a:p>
-        </p:txBody>
-      </p:sp>
-      <p:sp>
-        <p:nvSpPr>
-          <p:cNvPr id="14" name="Down Arrow Callout 13"/>
-          <p:cNvSpPr/>
-          <p:nvPr/>
-        </p:nvSpPr>
-        <p:spPr>
-          <a:xfrm>
-            <a:off x="260496" y="3094073"/>
-            <a:ext cx="5199320" cy="2349779"/>
-          </a:xfrm>
-          <a:prstGeom prst="downArrowCallout">
-            <a:avLst>
-              <a:gd name="adj1" fmla="val 8785"/>
-              <a:gd name="adj2" fmla="val 9063"/>
-              <a:gd name="adj3" fmla="val 8383"/>
-              <a:gd name="adj4" fmla="val 87297"/>
-            </a:avLst>
-          </a:prstGeom>
-          <a:solidFill>
-            <a:schemeClr val="bg2"/>
-          </a:solidFill>
-        </p:spPr>
-        <p:style>
-          <a:lnRef idx="1">
-            <a:schemeClr val="dk1"/>
-          </a:lnRef>
-          <a:fillRef idx="2">
-            <a:schemeClr val="dk1"/>
-          </a:fillRef>
-          <a:effectRef idx="1">
-            <a:schemeClr val="dk1"/>
-          </a:effectRef>
-          <a:fontRef idx="minor">
-            <a:schemeClr val="dk1"/>
-          </a:fontRef>
-        </p:style>
-        <p:txBody>
-          <a:bodyPr rtlCol="0" anchor="t"/>
-          <a:lstStyle/>
-          <a:p>
-            <a:r>
-              <a:rPr lang="en-US" b="1" dirty="0" smtClean="0"/>
-              <a:t>Process</a:t>
-            </a:r>
-            <a:endParaRPr lang="en-US" dirty="0" smtClean="0"/>
-          </a:p>
-          <a:p>
-            <a:pPr marL="285750" lvl="0" indent="-285750">
-              <a:buFont typeface="Arial" panose="020B0604020202020204" pitchFamily="34" charset="0"/>
-              <a:buChar char="•"/>
-            </a:pPr>
-            <a:r>
-              <a:rPr lang="en-US" dirty="0" smtClean="0"/>
-              <a:t>Build cost-weighted adjacency matrix for each goal coordinate</a:t>
-            </a:r>
-          </a:p>
-          <a:p>
-            <a:pPr marL="285750" lvl="0" indent="-285750">
-              <a:buFont typeface="Arial" panose="020B0604020202020204" pitchFamily="34" charset="0"/>
-              <a:buChar char="•"/>
-            </a:pPr>
-            <a:r>
-              <a:rPr lang="en-US" dirty="0" smtClean="0"/>
-              <a:t>Compute path to the nearest goal for each goal</a:t>
-            </a:r>
-          </a:p>
-          <a:p>
-            <a:pPr marL="285750" lvl="0" indent="-285750">
-              <a:buFont typeface="Arial" panose="020B0604020202020204" pitchFamily="34" charset="0"/>
-              <a:buChar char="•"/>
-            </a:pPr>
-            <a:r>
-              <a:rPr lang="en-US" dirty="0" smtClean="0"/>
-              <a:t>Optimize path using 2-Opt which removes unnecessary path crossover</a:t>
-            </a:r>
-          </a:p>
-          <a:p>
-            <a:pPr marL="285750" lvl="0" indent="-285750">
-              <a:buFont typeface="Arial" panose="020B0604020202020204" pitchFamily="34" charset="0"/>
-              <a:buChar char="•"/>
-            </a:pPr>
-            <a:endParaRPr lang="en-US" dirty="0"/>
-          </a:p>
-        </p:txBody>
-      </p:sp>
-      <p:sp>
-        <p:nvSpPr>
-          <p:cNvPr id="15" name="Rectangle 14"/>
-          <p:cNvSpPr/>
-          <p:nvPr/>
-        </p:nvSpPr>
-        <p:spPr>
-          <a:xfrm>
-            <a:off x="260496" y="5603358"/>
-            <a:ext cx="5199320" cy="1011985"/>
-          </a:xfrm>
-          <a:prstGeom prst="rect">
-            <a:avLst/>
-          </a:prstGeom>
-          <a:solidFill>
-            <a:schemeClr val="bg2"/>
-          </a:solidFill>
-        </p:spPr>
-        <p:style>
-          <a:lnRef idx="1">
-            <a:schemeClr val="dk1"/>
-          </a:lnRef>
-          <a:fillRef idx="2">
-            <a:schemeClr val="dk1"/>
-          </a:fillRef>
-          <a:effectRef idx="1">
-            <a:schemeClr val="dk1"/>
-          </a:effectRef>
-          <a:fontRef idx="minor">
-            <a:schemeClr val="dk1"/>
-          </a:fontRef>
-        </p:style>
-        <p:txBody>
-          <a:bodyPr rtlCol="0" anchor="t"/>
-          <a:lstStyle/>
-          <a:p>
-            <a:r>
-              <a:rPr lang="en-US" b="1" dirty="0" smtClean="0"/>
-              <a:t>Outputs</a:t>
-            </a:r>
-            <a:endParaRPr lang="en-US" dirty="0" smtClean="0"/>
-          </a:p>
-          <a:p>
-            <a:pPr marL="285750" lvl="0" indent="-285750">
-              <a:buFont typeface="Arial" panose="020B0604020202020204" pitchFamily="34" charset="0"/>
-              <a:buChar char="•"/>
-            </a:pPr>
-            <a:r>
-              <a:rPr lang="en-US" dirty="0" smtClean="0"/>
-              <a:t>Position set points that efficiently traverse all goal coordinates.</a:t>
-            </a:r>
-            <a:endParaRPr lang="en-US" dirty="0"/>
-          </a:p>
-        </p:txBody>
-      </p:sp>
-      <p:pic>
-        <p:nvPicPr>
-          <p:cNvPr id="1026" name="Picture 2" descr="https://upload.wikimedia.org/wikipedia/commons/thumb/b/b8/2-opt_wiki.svg/306px-2-opt_wiki.svg.png"/>
-          <p:cNvPicPr>
-            <a:picLocks noChangeAspect="1" noChangeArrowheads="1"/>
-          </p:cNvPicPr>
-          <p:nvPr/>
-        </p:nvPicPr>
-        <p:blipFill>
-          <a:blip r:embed="rId5">
-            <a:extLst>
-              <a:ext uri="{28A0092B-C50C-407E-A947-70E740481C1C}">
-                <a14:useLocalDpi xmlns:a14="http://schemas.microsoft.com/office/drawing/2010/main" val="0"/>
-              </a:ext>
-            </a:extLst>
-          </a:blip>
-          <a:srcRect/>
-          <a:stretch>
-            <a:fillRect/>
-          </a:stretch>
-        </p:blipFill>
-        <p:spPr bwMode="auto">
-          <a:xfrm>
-            <a:off x="6422034" y="3604437"/>
-            <a:ext cx="2162264" cy="2798225"/>
-          </a:xfrm>
-          <a:prstGeom prst="rect">
-            <a:avLst/>
-          </a:prstGeom>
-          <a:noFill/>
-          <a:extLst>
-            <a:ext uri="{909E8E84-426E-40DD-AFC4-6F175D3DCCD1}">
-              <a14:hiddenFill xmlns:a14="http://schemas.microsoft.com/office/drawing/2010/main">
-                <a:solidFill>
-                  <a:srgbClr val="FFFFFF"/>
-                </a:solidFill>
-              </a14:hiddenFill>
-            </a:ext>
-          </a:extLst>
-        </p:spPr>
-      </p:pic>
-      <p:sp>
-        <p:nvSpPr>
-          <p:cNvPr id="11" name="Rectangle 10"/>
-          <p:cNvSpPr/>
-          <p:nvPr/>
-        </p:nvSpPr>
-        <p:spPr>
-          <a:xfrm>
-            <a:off x="5862332" y="6596390"/>
-            <a:ext cx="3281668" cy="261610"/>
-          </a:xfrm>
-          <a:prstGeom prst="rect">
-            <a:avLst/>
-          </a:prstGeom>
-        </p:spPr>
-        <p:txBody>
-          <a:bodyPr wrap="none">
-            <a:spAutoFit/>
-          </a:bodyPr>
-          <a:lstStyle/>
-          <a:p>
-            <a:r>
-              <a:rPr lang="en-US" sz="1100" dirty="0" smtClean="0"/>
-              <a:t>Image courtesy of https</a:t>
-            </a:r>
-            <a:r>
-              <a:rPr lang="en-US" sz="1100" dirty="0"/>
-              <a:t>://en.wikipedia.org/wiki/2-opt</a:t>
-            </a:r>
-          </a:p>
-        </p:txBody>
-      </p:sp>
-      <p:sp>
-        <p:nvSpPr>
-          <p:cNvPr id="12" name="TextBox 11"/>
-          <p:cNvSpPr txBox="1"/>
-          <p:nvPr/>
-        </p:nvSpPr>
-        <p:spPr>
-          <a:xfrm>
-            <a:off x="7048360" y="3353685"/>
-            <a:ext cx="1262653" cy="307777"/>
-          </a:xfrm>
-          <a:prstGeom prst="rect">
-            <a:avLst/>
-          </a:prstGeom>
-        </p:spPr>
-        <p:style>
-          <a:lnRef idx="2">
-            <a:schemeClr val="dk1"/>
-          </a:lnRef>
-          <a:fillRef idx="1">
-            <a:schemeClr val="lt1"/>
-          </a:fillRef>
-          <a:effectRef idx="0">
-            <a:schemeClr val="dk1"/>
-          </a:effectRef>
-          <a:fontRef idx="minor">
-            <a:schemeClr val="dk1"/>
-          </a:fontRef>
-        </p:style>
-        <p:txBody>
-          <a:bodyPr wrap="none" rtlCol="0">
-            <a:spAutoFit/>
-          </a:bodyPr>
-          <a:lstStyle/>
-          <a:p>
-            <a:r>
-              <a:rPr lang="en-US" sz="1400" dirty="0" smtClean="0"/>
-              <a:t>2-Opt Example</a:t>
-            </a:r>
-            <a:endParaRPr lang="en-US" sz="1400" dirty="0"/>
-          </a:p>
-        </p:txBody>
-      </p:sp>
-      <p:pic>
-        <p:nvPicPr>
-          <p:cNvPr id="17" name="Picture 16"/>
-          <p:cNvPicPr>
-            <a:picLocks noChangeAspect="1"/>
-          </p:cNvPicPr>
-          <p:nvPr/>
-        </p:nvPicPr>
-        <p:blipFill>
-          <a:blip r:embed="rId6"/>
-          <a:stretch>
-            <a:fillRect/>
-          </a:stretch>
-        </p:blipFill>
-        <p:spPr>
-          <a:xfrm>
-            <a:off x="5551965" y="1494298"/>
-            <a:ext cx="3538811" cy="1578496"/>
-          </a:xfrm>
-          <a:prstGeom prst="rect">
-            <a:avLst/>
-          </a:prstGeom>
-        </p:spPr>
-      </p:pic>
-      <p:cxnSp>
-        <p:nvCxnSpPr>
-          <p:cNvPr id="23" name="Straight Arrow Connector 22"/>
-          <p:cNvCxnSpPr>
-            <a:stCxn id="20" idx="2"/>
-          </p:cNvCxnSpPr>
-          <p:nvPr/>
-        </p:nvCxnSpPr>
-        <p:spPr>
-          <a:xfrm>
-            <a:off x="7679686" y="1392916"/>
-            <a:ext cx="730667" cy="691065"/>
-          </a:xfrm>
-          <a:prstGeom prst="straightConnector1">
-            <a:avLst/>
-          </a:prstGeom>
-          <a:ln>
-            <a:solidFill>
-              <a:schemeClr val="bg1"/>
-            </a:solidFill>
-            <a:tailEnd type="triangle"/>
-          </a:ln>
-          <a:effectLst>
-            <a:glow rad="101600">
-              <a:schemeClr val="tx1">
-                <a:alpha val="60000"/>
-              </a:schemeClr>
-            </a:glow>
-            <a:outerShdw blurRad="40000" dist="23000" dir="5400000" rotWithShape="0">
-              <a:srgbClr val="000000">
-                <a:alpha val="35000"/>
-              </a:srgbClr>
-            </a:outerShdw>
-          </a:effectLst>
-        </p:spPr>
-        <p:style>
-          <a:lnRef idx="3">
-            <a:schemeClr val="accent6"/>
-          </a:lnRef>
-          <a:fillRef idx="0">
-            <a:schemeClr val="accent6"/>
-          </a:fillRef>
-          <a:effectRef idx="2">
-            <a:schemeClr val="accent6"/>
-          </a:effectRef>
-          <a:fontRef idx="minor">
-            <a:schemeClr val="tx1"/>
-          </a:fontRef>
-        </p:style>
-      </p:cxnSp>
-      <p:cxnSp>
-        <p:nvCxnSpPr>
-          <p:cNvPr id="21" name="Straight Arrow Connector 20"/>
-          <p:cNvCxnSpPr>
-            <a:stCxn id="20" idx="2"/>
-          </p:cNvCxnSpPr>
-          <p:nvPr/>
-        </p:nvCxnSpPr>
-        <p:spPr>
-          <a:xfrm flipH="1">
-            <a:off x="7240772" y="1392916"/>
-            <a:ext cx="438914" cy="818656"/>
-          </a:xfrm>
-          <a:prstGeom prst="straightConnector1">
-            <a:avLst/>
-          </a:prstGeom>
-          <a:ln>
-            <a:solidFill>
-              <a:schemeClr val="bg1"/>
-            </a:solidFill>
-            <a:tailEnd type="triangle"/>
-          </a:ln>
-          <a:effectLst>
-            <a:glow rad="101600">
-              <a:schemeClr val="tx1">
-                <a:alpha val="60000"/>
-              </a:schemeClr>
-            </a:glow>
-            <a:outerShdw blurRad="40000" dist="23000" dir="5400000" rotWithShape="0">
-              <a:srgbClr val="000000">
-                <a:alpha val="35000"/>
-              </a:srgbClr>
-            </a:outerShdw>
-          </a:effectLst>
-        </p:spPr>
-        <p:style>
-          <a:lnRef idx="3">
-            <a:schemeClr val="accent6"/>
-          </a:lnRef>
-          <a:fillRef idx="0">
-            <a:schemeClr val="accent6"/>
-          </a:fillRef>
-          <a:effectRef idx="2">
-            <a:schemeClr val="accent6"/>
-          </a:effectRef>
-          <a:fontRef idx="minor">
-            <a:schemeClr val="tx1"/>
-          </a:fontRef>
-        </p:style>
-      </p:cxnSp>
-      <p:sp>
-        <p:nvSpPr>
-          <p:cNvPr id="20" name="TextBox 19"/>
-          <p:cNvSpPr txBox="1"/>
-          <p:nvPr/>
-        </p:nvSpPr>
-        <p:spPr>
-          <a:xfrm>
-            <a:off x="6908994" y="1085139"/>
-            <a:ext cx="1541384" cy="307777"/>
-          </a:xfrm>
-          <a:prstGeom prst="rect">
-            <a:avLst/>
-          </a:prstGeom>
-        </p:spPr>
-        <p:style>
-          <a:lnRef idx="2">
-            <a:schemeClr val="dk1"/>
-          </a:lnRef>
-          <a:fillRef idx="1">
-            <a:schemeClr val="lt1"/>
-          </a:fillRef>
-          <a:effectRef idx="0">
-            <a:schemeClr val="dk1"/>
-          </a:effectRef>
-          <a:fontRef idx="minor">
-            <a:schemeClr val="dk1"/>
-          </a:fontRef>
-        </p:style>
-        <p:txBody>
-          <a:bodyPr wrap="none" rtlCol="0">
-            <a:spAutoFit/>
-          </a:bodyPr>
-          <a:lstStyle/>
-          <a:p>
-            <a:r>
-              <a:rPr lang="en-US" sz="1400" dirty="0" smtClean="0"/>
-              <a:t>Nearest Neighbors</a:t>
-            </a:r>
-            <a:endParaRPr lang="en-US" sz="1400" dirty="0"/>
-          </a:p>
-        </p:txBody>
-      </p:sp>
-    </p:spTree>
-    <p:extLst>
-      <p:ext uri="{BB962C8B-B14F-4D97-AF65-F5344CB8AC3E}">
-        <p14:creationId xmlns:p14="http://schemas.microsoft.com/office/powerpoint/2010/main" val="1058461330"/>
-      </p:ext>
-    </p:extLst>
-  </p:cSld>
-  <p:clrMapOvr>
-    <a:masterClrMapping/>
-  </p:clrMapOvr>
-  <p:timing>
-    <p:tnLst>
-      <p:par>
-        <p:cTn id="1" dur="indefinite" restart="never" nodeType="tmRoot"/>
-      </p:par>
-    </p:tnLst>
-  </p:timing>
-</p:sld>
-</file>
-
 <file path=ppt/slides/slide8.xml><?xml version="1.0" encoding="utf-8"?>
 <p:sld xmlns:a="http://schemas.openxmlformats.org/drawingml/2006/main" xmlns:r="http://schemas.openxmlformats.org/officeDocument/2006/relationships" xmlns:p="http://schemas.openxmlformats.org/presentationml/2006/main">
   <p:cSld>
@@ -12022,22 +11658,49 @@
             <a:p>
               <a:pPr algn="ctr"/>
               <a:r>
-                <a:rPr lang="en-US" sz="2400" dirty="0">
+                <a:rPr lang="en-US" sz="2400" dirty="0" smtClean="0">
                   <a:solidFill>
                     <a:srgbClr val="FFFFFF"/>
                   </a:solidFill>
                   <a:latin typeface="Candara"/>
                   <a:cs typeface="Candara"/>
                 </a:rPr>
-                <a:t>Path Planning – Methodology (NN+2Opt)</a:t>
+                <a:t>Path Planning – </a:t>
               </a:r>
+              <a:r>
+                <a:rPr lang="en-US" sz="2400" dirty="0" err="1" smtClean="0">
+                  <a:solidFill>
+                    <a:srgbClr val="FFFFFF"/>
+                  </a:solidFill>
+                  <a:latin typeface="Candara"/>
+                  <a:cs typeface="Candara"/>
+                </a:rPr>
+                <a:t>Voronoi</a:t>
+              </a:r>
+              <a:r>
+                <a:rPr lang="en-US" sz="2400" dirty="0" smtClean="0">
+                  <a:solidFill>
+                    <a:srgbClr val="FFFFFF"/>
+                  </a:solidFill>
+                  <a:latin typeface="Candara"/>
+                  <a:cs typeface="Candara"/>
+                </a:rPr>
+                <a:t> Performance</a:t>
+              </a:r>
+              <a:endParaRPr lang="en-US" sz="2400" dirty="0">
+                <a:solidFill>
+                  <a:srgbClr val="FFFFFF"/>
+                </a:solidFill>
+                <a:latin typeface="Candara"/>
+                <a:cs typeface="Candara"/>
+              </a:endParaRPr>
             </a:p>
           </p:txBody>
         </p:sp>
       </p:grpSp>
       <p:sp>
         <p:nvSpPr>
-          <p:cNvPr id="11" name="Content Placeholder 10"/>
+          <p:cNvPr id="12" name="Content Placeholder 11"/>
           <p:cNvSpPr>
             <a:spLocks noGrp="1"/>
           </p:cNvSpPr>
@@ -12047,8 +11710,8 @@
         </p:nvSpPr>
         <p:spPr>
           <a:xfrm>
-            <a:off x="308343" y="1129005"/>
-            <a:ext cx="5231219" cy="5474806"/>
+            <a:off x="457200" y="1133062"/>
+            <a:ext cx="4038600" cy="4993102"/>
           </a:xfrm>
         </p:spPr>
         <p:txBody>
@@ -12058,66 +11721,37 @@
           <a:lstStyle/>
           <a:p>
             <a:r>
-              <a:rPr lang="en-US" dirty="0" smtClean="0"/>
-              <a:t>Able to handle multiple goals</a:t>
-            </a:r>
-          </a:p>
-          <a:p>
-            <a:pPr lvl="1"/>
-            <a:r>
-              <a:rPr lang="en-US" dirty="0" smtClean="0"/>
-              <a:t>The computational effort increases as the number of goals (i.e. rooms) increases</a:t>
-            </a:r>
-          </a:p>
-          <a:p>
-            <a:r>
-              <a:rPr lang="en-US" dirty="0" smtClean="0"/>
-              <a:t>Total area coverage is configurable</a:t>
-            </a:r>
-          </a:p>
-          <a:p>
-            <a:pPr lvl="1"/>
-            <a:r>
-              <a:rPr lang="en-US" dirty="0" smtClean="0"/>
-              <a:t>Depends on the granularity of auto-generated goal points</a:t>
-            </a:r>
-          </a:p>
-          <a:p>
-            <a:pPr lvl="1"/>
-            <a:r>
-              <a:rPr lang="en-US" dirty="0" smtClean="0"/>
-              <a:t>Goal points can be recalculated during the mission</a:t>
-            </a:r>
-          </a:p>
-          <a:p>
-            <a:endParaRPr lang="en-US" dirty="0"/>
+              <a:rPr lang="en-US" sz="2400" dirty="0" smtClean="0"/>
+              <a:t>Processing time is more or less linear</a:t>
+            </a:r>
+          </a:p>
+          <a:p>
+            <a:r>
+              <a:rPr lang="en-US" sz="2400" dirty="0" smtClean="0"/>
+              <a:t>Note that our space is define in 340 (red *)</a:t>
+            </a:r>
+            <a:endParaRPr lang="en-US" sz="2400" dirty="0"/>
           </a:p>
         </p:txBody>
       </p:sp>
       <p:pic>
         <p:nvPicPr>
-          <p:cNvPr id="10" name="Picture 9"/>
+          <p:cNvPr id="14" name="Picture 13"/>
           <p:cNvPicPr>
             <a:picLocks noChangeAspect="1"/>
           </p:cNvPicPr>
           <p:nvPr/>
         </p:nvPicPr>
         <p:blipFill>
-          <a:blip r:embed="rId4">
-            <a:extLst>
-              <a:ext uri="{28A0092B-C50C-407E-A947-70E740481C1C}">
-                <a14:useLocalDpi xmlns:a14="http://schemas.microsoft.com/office/drawing/2010/main" val="0"/>
-              </a:ext>
-            </a:extLst>
-          </a:blip>
+          <a:blip r:embed="rId4"/>
           <a:stretch>
             <a:fillRect/>
           </a:stretch>
         </p:blipFill>
         <p:spPr>
           <a:xfrm>
-            <a:off x="5443787" y="936647"/>
-            <a:ext cx="3625782" cy="5859523"/>
+            <a:off x="4693658" y="834387"/>
+            <a:ext cx="4076750" cy="6109032"/>
           </a:xfrm>
           <a:prstGeom prst="rect">
             <a:avLst/>
@@ -12127,20 +11761,13 @@
     </p:spTree>
     <p:extLst>
       <p:ext uri="{BB962C8B-B14F-4D97-AF65-F5344CB8AC3E}">
-        <p14:creationId xmlns:p14="http://schemas.microsoft.com/office/powerpoint/2010/main" val="1746585427"/>
+        <p14:creationId xmlns:p14="http://schemas.microsoft.com/office/powerpoint/2010/main" val="3343476880"/>
       </p:ext>
     </p:extLst>
   </p:cSld>
   <p:clrMapOvr>
     <a:masterClrMapping/>
   </p:clrMapOvr>
-  <p:timing>
-    <p:tnLst>
-      <p:par>
-        <p:cTn id="1" dur="indefinite" restart="never" nodeType="tmRoot"/>
-      </p:par>
-    </p:tnLst>
-  </p:timing>
 </p:sld>
 </file>
 
@@ -12336,16 +11963,6 @@
             <a:p>
               <a:pPr algn="ctr"/>
               <a:r>
-                <a:rPr lang="en-US" sz="2400" dirty="0">
-                  <a:solidFill>
-                    <a:srgbClr val="FFFFFF"/>
-                  </a:solidFill>
-                  <a:latin typeface="Candara"/>
-                  <a:cs typeface="Candara"/>
-                </a:rPr>
-                <a:t>Path Planning – </a:t>
-              </a:r>
-              <a:r>
                 <a:rPr lang="en-US" sz="2400" dirty="0" smtClean="0">
                   <a:solidFill>
                     <a:srgbClr val="FFFFFF"/>
@@ -12353,7 +11970,7 @@
                   <a:latin typeface="Candara"/>
                   <a:cs typeface="Candara"/>
                 </a:rPr>
-                <a:t>NN+2Opt Performance</a:t>
+                <a:t>Path Planning – Summary</a:t>
               </a:r>
               <a:endParaRPr lang="en-US" sz="2400" dirty="0">
                 <a:solidFill>
@@ -12366,102 +11983,725 @@
           </p:txBody>
         </p:sp>
       </p:grpSp>
-      <p:sp>
-        <p:nvSpPr>
-          <p:cNvPr id="15" name="TextBox 14"/>
-          <p:cNvSpPr txBox="1"/>
-          <p:nvPr/>
-        </p:nvSpPr>
-        <p:spPr>
-          <a:xfrm>
-            <a:off x="5147874" y="6394805"/>
-            <a:ext cx="3889334" cy="307777"/>
-          </a:xfrm>
-          <a:prstGeom prst="rect">
-            <a:avLst/>
-          </a:prstGeom>
-          <a:noFill/>
-        </p:spPr>
-        <p:txBody>
-          <a:bodyPr wrap="none" rtlCol="0">
-            <a:spAutoFit/>
-          </a:bodyPr>
-          <a:lstStyle/>
-          <a:p>
-            <a:r>
-              <a:rPr lang="en-US" sz="1400" dirty="0" smtClean="0"/>
-              <a:t>Note: Performance based on Matlab computations</a:t>
-            </a:r>
-            <a:endParaRPr lang="en-US" sz="1400" dirty="0"/>
-          </a:p>
-        </p:txBody>
-      </p:sp>
       <p:graphicFrame>
         <p:nvGraphicFramePr>
-          <p:cNvPr id="19" name="Chart 18"/>
-          <p:cNvGraphicFramePr/>
+          <p:cNvPr id="3" name="Table 2"/>
+          <p:cNvGraphicFramePr>
+            <a:graphicFrameLocks noGrp="1"/>
+          </p:cNvGraphicFramePr>
           <p:nvPr>
-            <p:extLst/>
+            <p:extLst>
+              <p:ext uri="{D42A27DB-BD31-4B8C-83A1-F6EECF244321}">
+                <p14:modId xmlns:p14="http://schemas.microsoft.com/office/powerpoint/2010/main" val="1239343127"/>
+              </p:ext>
+            </p:extLst>
           </p:nvPr>
         </p:nvGraphicFramePr>
         <p:xfrm>
-          <a:off x="3215229" y="1020725"/>
-          <a:ext cx="5535257" cy="3690171"/>
+          <a:off x="170121" y="1035667"/>
+          <a:ext cx="8803758" cy="3840480"/>
         </p:xfrm>
         <a:graphic>
-          <a:graphicData uri="http://schemas.openxmlformats.org/drawingml/2006/chart">
-            <c:chart xmlns:c="http://schemas.openxmlformats.org/drawingml/2006/chart" xmlns:r="http://schemas.openxmlformats.org/officeDocument/2006/relationships" r:id="rId4"/>
+          <a:graphicData uri="http://schemas.openxmlformats.org/drawingml/2006/table">
+            <a:tbl>
+              <a:tblPr>
+                <a:tableStyleId>{D7AC3CCA-C797-4891-BE02-D94E43425B78}</a:tableStyleId>
+              </a:tblPr>
+              <a:tblGrid>
+                <a:gridCol w="805222"/>
+                <a:gridCol w="2941743"/>
+                <a:gridCol w="5056793"/>
+              </a:tblGrid>
+              <a:tr h="0">
+                <a:tc gridSpan="2">
+                  <a:txBody>
+                    <a:bodyPr/>
+                    <a:lstStyle/>
+                    <a:p>
+                      <a:pPr algn="l" fontAlgn="ctr"/>
+                      <a:r>
+                        <a:rPr lang="en-US" sz="1400" b="1" i="0" u="none" strike="noStrike" dirty="0" smtClean="0">
+                          <a:solidFill>
+                            <a:srgbClr val="000000"/>
+                          </a:solidFill>
+                          <a:effectLst/>
+                          <a:latin typeface="Calibri (Body)"/>
+                        </a:rPr>
+                        <a:t>Level 3</a:t>
+                      </a:r>
+                      <a:endParaRPr lang="en-US" sz="1400" b="1" i="0" u="none" strike="noStrike" dirty="0">
+                        <a:solidFill>
+                          <a:srgbClr val="000000"/>
+                        </a:solidFill>
+                        <a:effectLst/>
+                        <a:latin typeface="Calibri (Body)"/>
+                      </a:endParaRPr>
+                    </a:p>
+                  </a:txBody>
+                  <a:tcPr anchor="ctr"/>
+                </a:tc>
+                <a:tc hMerge="1">
+                  <a:txBody>
+                    <a:bodyPr/>
+                    <a:lstStyle/>
+                    <a:p>
+                      <a:endParaRPr lang="en-US"/>
+                    </a:p>
+                  </a:txBody>
+                  <a:tcPr/>
+                </a:tc>
+                <a:tc>
+                  <a:txBody>
+                    <a:bodyPr/>
+                    <a:lstStyle/>
+                    <a:p>
+                      <a:pPr algn="l" fontAlgn="ctr"/>
+                      <a:r>
+                        <a:rPr lang="en-US" sz="1400" b="1" i="0" u="none" strike="noStrike" dirty="0" smtClean="0">
+                          <a:solidFill>
+                            <a:srgbClr val="000000"/>
+                          </a:solidFill>
+                          <a:effectLst/>
+                          <a:latin typeface="Calibri (Body)"/>
+                        </a:rPr>
+                        <a:t>Solution</a:t>
+                      </a:r>
+                      <a:endParaRPr lang="en-US" sz="1400" b="1" i="0" u="none" strike="noStrike" dirty="0">
+                        <a:solidFill>
+                          <a:srgbClr val="000000"/>
+                        </a:solidFill>
+                        <a:effectLst/>
+                        <a:latin typeface="Calibri (Body)"/>
+                      </a:endParaRPr>
+                    </a:p>
+                  </a:txBody>
+                  <a:tcPr anchor="ctr"/>
+                </a:tc>
+              </a:tr>
+              <a:tr h="0">
+                <a:tc>
+                  <a:txBody>
+                    <a:bodyPr/>
+                    <a:lstStyle/>
+                    <a:p>
+                      <a:r>
+                        <a:rPr lang="en-US" sz="1600" dirty="0" smtClean="0"/>
+                        <a:t>1.2.1</a:t>
+                      </a:r>
+                      <a:endParaRPr lang="en-US" sz="1600" dirty="0"/>
+                    </a:p>
+                  </a:txBody>
+                  <a:tcPr anchor="ctr">
+                    <a:noFill/>
+                  </a:tcPr>
+                </a:tc>
+                <a:tc>
+                  <a:txBody>
+                    <a:bodyPr/>
+                    <a:lstStyle/>
+                    <a:p>
+                      <a:pPr algn="l" fontAlgn="ctr"/>
+                      <a:r>
+                        <a:rPr lang="en-US" sz="1600" u="none" strike="noStrike" dirty="0">
+                          <a:effectLst/>
+                        </a:rPr>
+                        <a:t>The vehicles shall avoid unrecoverable collisions with obstacles</a:t>
+                      </a:r>
+                      <a:endParaRPr lang="en-US" sz="1600" b="0" i="0" u="none" strike="noStrike" dirty="0">
+                        <a:solidFill>
+                          <a:srgbClr val="000000"/>
+                        </a:solidFill>
+                        <a:effectLst/>
+                        <a:latin typeface="Calibri (Body)"/>
+                      </a:endParaRPr>
+                    </a:p>
+                  </a:txBody>
+                  <a:tcPr anchor="ctr">
+                    <a:noFill/>
+                  </a:tcPr>
+                </a:tc>
+                <a:tc>
+                  <a:txBody>
+                    <a:bodyPr/>
+                    <a:lstStyle/>
+                    <a:p>
+                      <a:pPr marL="0" indent="0" algn="l" fontAlgn="ctr">
+                        <a:buFontTx/>
+                        <a:buNone/>
+                      </a:pPr>
+                      <a:r>
+                        <a:rPr lang="en-US" sz="1600" u="none" strike="noStrike" kern="1200" dirty="0" smtClean="0">
+                          <a:solidFill>
+                            <a:schemeClr val="dk1"/>
+                          </a:solidFill>
+                          <a:effectLst/>
+                          <a:latin typeface="+mn-lt"/>
+                          <a:ea typeface="+mn-ea"/>
+                          <a:cs typeface="+mn-cs"/>
+                        </a:rPr>
+                        <a:t>- PRM:</a:t>
+                      </a:r>
+                      <a:r>
+                        <a:rPr lang="en-US" sz="1600" u="none" strike="noStrike" kern="1200" baseline="0" dirty="0" smtClean="0">
+                          <a:solidFill>
+                            <a:schemeClr val="dk1"/>
+                          </a:solidFill>
+                          <a:effectLst/>
+                          <a:latin typeface="+mn-lt"/>
+                          <a:ea typeface="+mn-ea"/>
+                          <a:cs typeface="+mn-cs"/>
+                        </a:rPr>
+                        <a:t> </a:t>
+                      </a:r>
+                      <a:r>
+                        <a:rPr lang="en-US" sz="1600" u="none" strike="noStrike" kern="1200" dirty="0" smtClean="0">
+                          <a:solidFill>
+                            <a:schemeClr val="dk1"/>
+                          </a:solidFill>
+                          <a:effectLst/>
+                          <a:latin typeface="+mn-lt"/>
+                          <a:ea typeface="+mn-ea"/>
+                          <a:cs typeface="+mn-cs"/>
+                        </a:rPr>
+                        <a:t>Nodes </a:t>
+                      </a:r>
+                      <a:r>
+                        <a:rPr lang="en-US" sz="1600" u="none" strike="noStrike" kern="1200" dirty="0" smtClean="0">
+                          <a:solidFill>
+                            <a:schemeClr val="dk1"/>
+                          </a:solidFill>
+                          <a:effectLst/>
+                          <a:latin typeface="+mn-lt"/>
+                          <a:ea typeface="+mn-ea"/>
+                          <a:cs typeface="+mn-cs"/>
+                        </a:rPr>
+                        <a:t>are randomly placed in open space</a:t>
+                      </a:r>
+                      <a:r>
+                        <a:rPr lang="en-US" sz="1600" u="none" strike="noStrike" kern="1200" dirty="0" smtClean="0">
+                          <a:solidFill>
+                            <a:schemeClr val="dk1"/>
+                          </a:solidFill>
+                          <a:effectLst/>
+                          <a:latin typeface="+mn-lt"/>
+                          <a:ea typeface="+mn-ea"/>
+                          <a:cs typeface="+mn-cs"/>
+                        </a:rPr>
+                        <a:t>.</a:t>
+                      </a:r>
+                    </a:p>
+                    <a:p>
+                      <a:pPr marL="0" indent="0" algn="l" fontAlgn="ctr">
+                        <a:buFontTx/>
+                        <a:buNone/>
+                      </a:pPr>
+                      <a:r>
+                        <a:rPr lang="en-US" sz="1600" u="none" strike="noStrike" kern="1200" dirty="0" smtClean="0">
+                          <a:solidFill>
+                            <a:schemeClr val="dk1"/>
+                          </a:solidFill>
+                          <a:effectLst/>
+                          <a:latin typeface="+mn-lt"/>
+                          <a:ea typeface="+mn-ea"/>
+                          <a:cs typeface="+mn-cs"/>
+                        </a:rPr>
+                        <a:t>- </a:t>
+                      </a:r>
+                      <a:r>
+                        <a:rPr lang="en-US" sz="1600" u="none" strike="noStrike" kern="1200" dirty="0" err="1" smtClean="0">
+                          <a:solidFill>
+                            <a:schemeClr val="dk1"/>
+                          </a:solidFill>
+                          <a:effectLst/>
+                          <a:latin typeface="+mn-lt"/>
+                          <a:ea typeface="+mn-ea"/>
+                          <a:cs typeface="+mn-cs"/>
+                        </a:rPr>
+                        <a:t>Voronoi</a:t>
+                      </a:r>
+                      <a:r>
+                        <a:rPr lang="en-US" sz="1600" u="none" strike="noStrike" kern="1200" dirty="0" smtClean="0">
+                          <a:solidFill>
+                            <a:schemeClr val="dk1"/>
+                          </a:solidFill>
+                          <a:effectLst/>
+                          <a:latin typeface="+mn-lt"/>
+                          <a:ea typeface="+mn-ea"/>
+                          <a:cs typeface="+mn-cs"/>
+                        </a:rPr>
+                        <a:t>: Nodes selected based on distance</a:t>
+                      </a:r>
+                      <a:r>
+                        <a:rPr lang="en-US" sz="1600" u="none" strike="noStrike" kern="1200" baseline="0" dirty="0" smtClean="0">
+                          <a:solidFill>
+                            <a:schemeClr val="dk1"/>
+                          </a:solidFill>
+                          <a:effectLst/>
+                          <a:latin typeface="+mn-lt"/>
+                          <a:ea typeface="+mn-ea"/>
+                          <a:cs typeface="+mn-cs"/>
+                        </a:rPr>
+                        <a:t> from obstacles</a:t>
+                      </a:r>
+                      <a:endParaRPr lang="en-US" sz="1600" u="none" strike="noStrike" kern="1200" dirty="0" smtClean="0">
+                        <a:solidFill>
+                          <a:schemeClr val="dk1"/>
+                        </a:solidFill>
+                        <a:effectLst/>
+                        <a:latin typeface="+mn-lt"/>
+                        <a:ea typeface="+mn-ea"/>
+                        <a:cs typeface="+mn-cs"/>
+                      </a:endParaRPr>
+                    </a:p>
+                    <a:p>
+                      <a:pPr algn="l" fontAlgn="ctr"/>
+                      <a:r>
+                        <a:rPr lang="en-US" sz="1600" u="none" strike="noStrike" kern="1200" dirty="0" smtClean="0">
+                          <a:solidFill>
+                            <a:schemeClr val="dk1"/>
+                          </a:solidFill>
+                          <a:effectLst/>
+                          <a:latin typeface="+mn-lt"/>
+                          <a:ea typeface="+mn-ea"/>
+                          <a:cs typeface="+mn-cs"/>
+                        </a:rPr>
+                        <a:t>- Collision-prone node connections are discarded.</a:t>
+                      </a:r>
+                      <a:endParaRPr lang="en-US" sz="1600" u="none" strike="noStrike" kern="1200" dirty="0">
+                        <a:solidFill>
+                          <a:schemeClr val="dk1"/>
+                        </a:solidFill>
+                        <a:effectLst/>
+                        <a:latin typeface="+mn-lt"/>
+                        <a:ea typeface="+mn-ea"/>
+                        <a:cs typeface="+mn-cs"/>
+                      </a:endParaRPr>
+                    </a:p>
+                  </a:txBody>
+                  <a:tcPr anchor="ctr">
+                    <a:noFill/>
+                  </a:tcPr>
+                </a:tc>
+              </a:tr>
+              <a:tr h="0">
+                <a:tc>
+                  <a:txBody>
+                    <a:bodyPr/>
+                    <a:lstStyle/>
+                    <a:p>
+                      <a:r>
+                        <a:rPr lang="en-US" sz="1600" dirty="0" smtClean="0"/>
+                        <a:t>1.2.2</a:t>
+                      </a:r>
+                      <a:endParaRPr lang="en-US" sz="1600" dirty="0"/>
+                    </a:p>
+                  </a:txBody>
+                  <a:tcPr anchor="ctr">
+                    <a:noFill/>
+                  </a:tcPr>
+                </a:tc>
+                <a:tc>
+                  <a:txBody>
+                    <a:bodyPr/>
+                    <a:lstStyle/>
+                    <a:p>
+                      <a:pPr algn="l" fontAlgn="ctr"/>
+                      <a:r>
+                        <a:rPr lang="en-US" sz="1600" u="none" strike="noStrike" dirty="0">
+                          <a:effectLst/>
+                        </a:rPr>
+                        <a:t>The system shall plan vehicle trajectories through the environment</a:t>
+                      </a:r>
+                      <a:endParaRPr lang="en-US" sz="1600" b="0" i="0" u="none" strike="noStrike" dirty="0">
+                        <a:solidFill>
+                          <a:srgbClr val="000000"/>
+                        </a:solidFill>
+                        <a:effectLst/>
+                        <a:latin typeface="Calibri (Body)"/>
+                      </a:endParaRPr>
+                    </a:p>
+                  </a:txBody>
+                  <a:tcPr anchor="ctr">
+                    <a:noFill/>
+                  </a:tcPr>
+                </a:tc>
+                <a:tc>
+                  <a:txBody>
+                    <a:bodyPr/>
+                    <a:lstStyle/>
+                    <a:p>
+                      <a:pPr algn="l" fontAlgn="ctr"/>
+                      <a:r>
+                        <a:rPr lang="en-US" sz="1600" u="none" strike="noStrike" kern="1200" dirty="0" smtClean="0">
+                          <a:solidFill>
+                            <a:schemeClr val="dk1"/>
+                          </a:solidFill>
+                          <a:effectLst/>
+                          <a:latin typeface="+mn-lt"/>
+                          <a:ea typeface="+mn-ea"/>
+                          <a:cs typeface="+mn-cs"/>
+                        </a:rPr>
+                        <a:t>- Roadmap provides collision-free paths to most points in open space.</a:t>
+                      </a:r>
+                    </a:p>
+                    <a:p>
+                      <a:pPr algn="l" fontAlgn="ctr"/>
+                      <a:r>
+                        <a:rPr lang="en-US" sz="1600" u="none" strike="noStrike" kern="1200" dirty="0" smtClean="0">
+                          <a:solidFill>
+                            <a:schemeClr val="dk1"/>
+                          </a:solidFill>
+                          <a:effectLst/>
+                          <a:latin typeface="+mn-lt"/>
+                          <a:ea typeface="+mn-ea"/>
+                          <a:cs typeface="+mn-cs"/>
+                        </a:rPr>
+                        <a:t>- </a:t>
+                      </a:r>
+                      <a:r>
+                        <a:rPr lang="en-US" sz="1600" u="none" strike="noStrike" kern="1200" dirty="0" smtClean="0">
+                          <a:solidFill>
+                            <a:schemeClr val="dk1"/>
+                          </a:solidFill>
+                          <a:effectLst/>
+                          <a:latin typeface="+mn-lt"/>
+                          <a:ea typeface="+mn-ea"/>
+                          <a:cs typeface="+mn-cs"/>
+                        </a:rPr>
+                        <a:t>NN+2Opt/A*</a:t>
+                      </a:r>
+                      <a:r>
+                        <a:rPr lang="en-US" sz="1600" u="none" strike="noStrike" kern="1200" baseline="0" dirty="0" smtClean="0">
+                          <a:solidFill>
+                            <a:schemeClr val="dk1"/>
+                          </a:solidFill>
+                          <a:effectLst/>
+                          <a:latin typeface="+mn-lt"/>
+                          <a:ea typeface="+mn-ea"/>
+                          <a:cs typeface="+mn-cs"/>
+                        </a:rPr>
+                        <a:t> </a:t>
+                      </a:r>
+                      <a:r>
+                        <a:rPr lang="en-US" sz="1600" u="none" strike="noStrike" kern="1200" baseline="0" dirty="0" smtClean="0">
+                          <a:solidFill>
+                            <a:schemeClr val="dk1"/>
+                          </a:solidFill>
+                          <a:effectLst/>
+                          <a:latin typeface="+mn-lt"/>
+                          <a:ea typeface="+mn-ea"/>
+                          <a:cs typeface="+mn-cs"/>
+                        </a:rPr>
+                        <a:t>method provides a trajectory to visit most of the open space on the roadmap.</a:t>
+                      </a:r>
+                      <a:endParaRPr lang="en-US" sz="1600" u="none" strike="noStrike" kern="1200" dirty="0" smtClean="0">
+                        <a:solidFill>
+                          <a:schemeClr val="dk1"/>
+                        </a:solidFill>
+                        <a:effectLst/>
+                        <a:latin typeface="+mn-lt"/>
+                        <a:ea typeface="+mn-ea"/>
+                        <a:cs typeface="+mn-cs"/>
+                      </a:endParaRPr>
+                    </a:p>
+                  </a:txBody>
+                  <a:tcPr anchor="ctr">
+                    <a:noFill/>
+                  </a:tcPr>
+                </a:tc>
+              </a:tr>
+              <a:tr h="0">
+                <a:tc>
+                  <a:txBody>
+                    <a:bodyPr/>
+                    <a:lstStyle/>
+                    <a:p>
+                      <a:r>
+                        <a:rPr lang="en-US" sz="1600" u="none" strike="noStrike" kern="1200" dirty="0" smtClean="0">
+                          <a:solidFill>
+                            <a:schemeClr val="dk1"/>
+                          </a:solidFill>
+                          <a:effectLst/>
+                          <a:latin typeface="+mn-lt"/>
+                          <a:ea typeface="+mn-ea"/>
+                          <a:cs typeface="+mn-cs"/>
+                        </a:rPr>
+                        <a:t>1.2.4</a:t>
+                      </a:r>
+                      <a:endParaRPr lang="en-US" sz="1600" u="none" strike="noStrike" kern="1200" dirty="0">
+                        <a:solidFill>
+                          <a:schemeClr val="dk1"/>
+                        </a:solidFill>
+                        <a:effectLst/>
+                        <a:latin typeface="+mn-lt"/>
+                        <a:ea typeface="+mn-ea"/>
+                        <a:cs typeface="+mn-cs"/>
+                      </a:endParaRPr>
+                    </a:p>
+                  </a:txBody>
+                  <a:tcPr anchor="ctr">
+                    <a:noFill/>
+                  </a:tcPr>
+                </a:tc>
+                <a:tc>
+                  <a:txBody>
+                    <a:bodyPr/>
+                    <a:lstStyle/>
+                    <a:p>
+                      <a:pPr algn="l" fontAlgn="ctr"/>
+                      <a:r>
+                        <a:rPr lang="en-US" sz="1600" u="none" strike="noStrike" kern="1200" dirty="0" smtClean="0">
+                          <a:solidFill>
+                            <a:schemeClr val="dk1"/>
+                          </a:solidFill>
+                          <a:effectLst/>
+                          <a:latin typeface="+mn-lt"/>
+                          <a:ea typeface="+mn-ea"/>
+                          <a:cs typeface="+mn-cs"/>
+                        </a:rPr>
+                        <a:t>The aerial vehicle will maintain a minimum distance of 5 cm from obstacles</a:t>
+                      </a:r>
+                      <a:endParaRPr lang="en-US" sz="1600" u="none" strike="noStrike" kern="1200" dirty="0">
+                        <a:solidFill>
+                          <a:schemeClr val="dk1"/>
+                        </a:solidFill>
+                        <a:effectLst/>
+                        <a:latin typeface="+mn-lt"/>
+                        <a:ea typeface="+mn-ea"/>
+                        <a:cs typeface="+mn-cs"/>
+                      </a:endParaRPr>
+                    </a:p>
+                  </a:txBody>
+                  <a:tcPr anchor="ctr">
+                    <a:noFill/>
+                  </a:tcPr>
+                </a:tc>
+                <a:tc>
+                  <a:txBody>
+                    <a:bodyPr/>
+                    <a:lstStyle/>
+                    <a:p>
+                      <a:pPr algn="l" fontAlgn="ctr"/>
+                      <a:r>
+                        <a:rPr lang="en-US" sz="1600" u="none" strike="noStrike" kern="1200" dirty="0" smtClean="0">
+                          <a:solidFill>
+                            <a:schemeClr val="dk1"/>
+                          </a:solidFill>
+                          <a:effectLst/>
+                          <a:latin typeface="+mn-lt"/>
+                          <a:ea typeface="+mn-ea"/>
+                          <a:cs typeface="+mn-cs"/>
+                        </a:rPr>
+                        <a:t>- </a:t>
+                      </a:r>
+                      <a:r>
+                        <a:rPr lang="en-US" sz="1600" u="none" strike="noStrike" kern="1200" dirty="0" smtClean="0">
+                          <a:solidFill>
+                            <a:schemeClr val="dk1"/>
+                          </a:solidFill>
+                          <a:effectLst/>
+                          <a:latin typeface="+mn-lt"/>
+                          <a:ea typeface="+mn-ea"/>
+                          <a:cs typeface="+mn-cs"/>
+                        </a:rPr>
+                        <a:t>PRM/</a:t>
+                      </a:r>
+                      <a:r>
+                        <a:rPr lang="en-US" sz="1600" u="none" strike="noStrike" kern="1200" dirty="0" err="1" smtClean="0">
+                          <a:solidFill>
+                            <a:schemeClr val="dk1"/>
+                          </a:solidFill>
+                          <a:effectLst/>
+                          <a:latin typeface="+mn-lt"/>
+                          <a:ea typeface="+mn-ea"/>
+                          <a:cs typeface="+mn-cs"/>
+                        </a:rPr>
+                        <a:t>Voronoi</a:t>
+                      </a:r>
+                      <a:r>
+                        <a:rPr lang="en-US" sz="1600" u="none" strike="noStrike" kern="1200" baseline="0" dirty="0" smtClean="0">
+                          <a:solidFill>
+                            <a:schemeClr val="dk1"/>
+                          </a:solidFill>
+                          <a:effectLst/>
+                          <a:latin typeface="+mn-lt"/>
+                          <a:ea typeface="+mn-ea"/>
+                          <a:cs typeface="+mn-cs"/>
+                        </a:rPr>
+                        <a:t> have </a:t>
+                      </a:r>
+                      <a:r>
+                        <a:rPr lang="en-US" sz="1600" u="none" strike="noStrike" kern="1200" baseline="0" dirty="0" smtClean="0">
+                          <a:solidFill>
+                            <a:schemeClr val="dk1"/>
+                          </a:solidFill>
+                          <a:effectLst/>
+                          <a:latin typeface="+mn-lt"/>
+                          <a:ea typeface="+mn-ea"/>
+                          <a:cs typeface="+mn-cs"/>
+                        </a:rPr>
+                        <a:t>the capability to configure the minimum distance from obstacles.</a:t>
+                      </a:r>
+                      <a:endParaRPr lang="en-US" sz="1600" u="none" strike="noStrike" kern="1200" dirty="0">
+                        <a:solidFill>
+                          <a:schemeClr val="dk1"/>
+                        </a:solidFill>
+                        <a:effectLst/>
+                        <a:latin typeface="+mn-lt"/>
+                        <a:ea typeface="+mn-ea"/>
+                        <a:cs typeface="+mn-cs"/>
+                      </a:endParaRPr>
+                    </a:p>
+                  </a:txBody>
+                  <a:tcPr anchor="ctr">
+                    <a:noFill/>
+                  </a:tcPr>
+                </a:tc>
+              </a:tr>
+              <a:tr h="0">
+                <a:tc>
+                  <a:txBody>
+                    <a:bodyPr/>
+                    <a:lstStyle/>
+                    <a:p>
+                      <a:r>
+                        <a:rPr lang="en-US" sz="1600" dirty="0" smtClean="0"/>
+                        <a:t>4.4.1</a:t>
+                      </a:r>
+                      <a:endParaRPr lang="en-US" sz="1600" dirty="0"/>
+                    </a:p>
+                  </a:txBody>
+                  <a:tcPr anchor="ctr">
+                    <a:noFill/>
+                  </a:tcPr>
+                </a:tc>
+                <a:tc>
+                  <a:txBody>
+                    <a:bodyPr/>
+                    <a:lstStyle/>
+                    <a:p>
+                      <a:pPr algn="l" fontAlgn="ctr"/>
+                      <a:r>
+                        <a:rPr lang="en-US" sz="1600" u="none" strike="noStrike" dirty="0" smtClean="0">
+                          <a:effectLst/>
+                        </a:rPr>
+                        <a:t>The system shall make all navigation decisions onboard.</a:t>
+                      </a:r>
+                      <a:endParaRPr lang="en-US" sz="1600" b="0" i="0" u="none" strike="noStrike" dirty="0">
+                        <a:solidFill>
+                          <a:srgbClr val="000000"/>
+                        </a:solidFill>
+                        <a:effectLst/>
+                        <a:latin typeface="Calibri (Body)"/>
+                      </a:endParaRPr>
+                    </a:p>
+                  </a:txBody>
+                  <a:tcPr anchor="ctr">
+                    <a:noFill/>
+                  </a:tcPr>
+                </a:tc>
+                <a:tc>
+                  <a:txBody>
+                    <a:bodyPr/>
+                    <a:lstStyle/>
+                    <a:p>
+                      <a:pPr algn="l" fontAlgn="ctr"/>
+                      <a:r>
+                        <a:rPr lang="en-US" sz="1600" u="none" strike="noStrike" kern="1200" dirty="0" smtClean="0">
+                          <a:solidFill>
+                            <a:schemeClr val="dk1"/>
+                          </a:solidFill>
+                          <a:effectLst/>
+                          <a:latin typeface="+mn-lt"/>
+                          <a:ea typeface="+mn-ea"/>
+                          <a:cs typeface="+mn-cs"/>
+                        </a:rPr>
+                        <a:t>- </a:t>
+                      </a:r>
+                      <a:r>
+                        <a:rPr lang="en-US" sz="1600" u="none" strike="noStrike" kern="1200" dirty="0" smtClean="0">
+                          <a:solidFill>
+                            <a:schemeClr val="dk1"/>
+                          </a:solidFill>
+                          <a:effectLst/>
+                          <a:latin typeface="+mn-lt"/>
+                          <a:ea typeface="+mn-ea"/>
+                          <a:cs typeface="+mn-cs"/>
+                        </a:rPr>
+                        <a:t>PRM/</a:t>
+                      </a:r>
+                      <a:r>
+                        <a:rPr lang="en-US" sz="1600" u="none" strike="noStrike" kern="1200" dirty="0" err="1" smtClean="0">
+                          <a:solidFill>
+                            <a:schemeClr val="dk1"/>
+                          </a:solidFill>
+                          <a:effectLst/>
+                          <a:latin typeface="+mn-lt"/>
+                          <a:ea typeface="+mn-ea"/>
+                          <a:cs typeface="+mn-cs"/>
+                        </a:rPr>
+                        <a:t>Voronoi</a:t>
+                      </a:r>
+                      <a:r>
+                        <a:rPr lang="en-US" sz="1600" u="none" strike="noStrike" kern="1200" dirty="0" smtClean="0">
+                          <a:solidFill>
+                            <a:schemeClr val="dk1"/>
+                          </a:solidFill>
+                          <a:effectLst/>
+                          <a:latin typeface="+mn-lt"/>
+                          <a:ea typeface="+mn-ea"/>
+                          <a:cs typeface="+mn-cs"/>
+                        </a:rPr>
+                        <a:t> both provide</a:t>
+                      </a:r>
+                      <a:r>
+                        <a:rPr lang="en-US" sz="1600" u="none" strike="noStrike" kern="1200" baseline="0" dirty="0" smtClean="0">
+                          <a:solidFill>
+                            <a:schemeClr val="dk1"/>
+                          </a:solidFill>
+                          <a:effectLst/>
+                          <a:latin typeface="+mn-lt"/>
+                          <a:ea typeface="+mn-ea"/>
+                          <a:cs typeface="+mn-cs"/>
+                        </a:rPr>
+                        <a:t> </a:t>
+                      </a:r>
+                      <a:r>
+                        <a:rPr lang="en-US" sz="1600" u="none" strike="noStrike" kern="1200" baseline="0" dirty="0" smtClean="0">
+                          <a:solidFill>
+                            <a:schemeClr val="dk1"/>
+                          </a:solidFill>
+                          <a:effectLst/>
+                          <a:latin typeface="+mn-lt"/>
+                          <a:ea typeface="+mn-ea"/>
+                          <a:cs typeface="+mn-cs"/>
+                        </a:rPr>
+                        <a:t>position set points in open space with collision-free paths between them.</a:t>
+                      </a:r>
+                      <a:endParaRPr lang="en-US" sz="1600" u="none" strike="noStrike" kern="1200" dirty="0">
+                        <a:solidFill>
+                          <a:schemeClr val="dk1"/>
+                        </a:solidFill>
+                        <a:effectLst/>
+                        <a:latin typeface="+mn-lt"/>
+                        <a:ea typeface="+mn-ea"/>
+                        <a:cs typeface="+mn-cs"/>
+                      </a:endParaRPr>
+                    </a:p>
+                  </a:txBody>
+                  <a:tcPr anchor="ctr">
+                    <a:noFill/>
+                  </a:tcPr>
+                </a:tc>
+              </a:tr>
+            </a:tbl>
           </a:graphicData>
         </a:graphic>
       </p:graphicFrame>
-      <p:sp>
-        <p:nvSpPr>
-          <p:cNvPr id="22" name="Content Placeholder 1"/>
-          <p:cNvSpPr>
-            <a:spLocks noGrp="1"/>
-          </p:cNvSpPr>
-          <p:nvPr>
-            <p:ph sz="half" idx="1"/>
-          </p:nvPr>
-        </p:nvSpPr>
-        <p:spPr>
-          <a:xfrm>
-            <a:off x="180754" y="1080210"/>
-            <a:ext cx="2944411" cy="5622372"/>
-          </a:xfrm>
-        </p:spPr>
-        <p:txBody>
-          <a:bodyPr>
-            <a:normAutofit/>
-          </a:bodyPr>
-          <a:lstStyle/>
-          <a:p>
-            <a:r>
-              <a:rPr lang="en-US" dirty="0" smtClean="0"/>
-              <a:t>Processing time increases </a:t>
-            </a:r>
-            <a:r>
-              <a:rPr lang="en-US" dirty="0" err="1" smtClean="0"/>
-              <a:t>quadratically</a:t>
-            </a:r>
-            <a:r>
-              <a:rPr lang="en-US" dirty="0" smtClean="0"/>
-              <a:t> as the number of goals increases</a:t>
-            </a:r>
-          </a:p>
-          <a:p>
-            <a:r>
-              <a:rPr lang="en-US" dirty="0" smtClean="0"/>
-              <a:t>Goals are auto-generated for uniform coverage of the open space</a:t>
-            </a:r>
-            <a:endParaRPr lang="en-US" dirty="0"/>
-          </a:p>
-        </p:txBody>
-      </p:sp>
     </p:spTree>
     <p:extLst>
       <p:ext uri="{BB962C8B-B14F-4D97-AF65-F5344CB8AC3E}">
-        <p14:creationId xmlns:p14="http://schemas.microsoft.com/office/powerpoint/2010/main" val="1399227577"/>
+        <p14:creationId xmlns:p14="http://schemas.microsoft.com/office/powerpoint/2010/main" val="1732000199"/>
       </p:ext>
     </p:extLst>
   </p:cSld>

--- a/Presentations/CDR_Fall_2015/Individual_Slides/Bryce/PathPlanning.pptx
+++ b/Presentations/CDR_Fall_2015/Individual_Slides/Bryce/PathPlanning.pptx
@@ -424,11 +424,11 @@
           <c:showPercent val="0"/>
           <c:showBubbleSize val="0"/>
         </c:dLbls>
-        <c:axId val="349705744"/>
-        <c:axId val="349709272"/>
+        <c:axId val="367055912"/>
+        <c:axId val="367053560"/>
       </c:scatterChart>
       <c:valAx>
-        <c:axId val="349705744"/>
+        <c:axId val="367055912"/>
         <c:scaling>
           <c:orientation val="minMax"/>
         </c:scaling>
@@ -541,12 +541,12 @@
             <a:endParaRPr lang="en-US"/>
           </a:p>
         </c:txPr>
-        <c:crossAx val="349709272"/>
+        <c:crossAx val="367053560"/>
         <c:crosses val="autoZero"/>
         <c:crossBetween val="midCat"/>
       </c:valAx>
       <c:valAx>
-        <c:axId val="349709272"/>
+        <c:axId val="367053560"/>
         <c:scaling>
           <c:orientation val="minMax"/>
         </c:scaling>
@@ -659,7 +659,7 @@
             <a:endParaRPr lang="en-US"/>
           </a:p>
         </c:txPr>
-        <c:crossAx val="349705744"/>
+        <c:crossAx val="367055912"/>
         <c:crosses val="autoZero"/>
         <c:crossBetween val="midCat"/>
       </c:valAx>
@@ -9858,11 +9858,7 @@
             <a:pPr lvl="2"/>
             <a:r>
               <a:rPr lang="en-US" dirty="0" smtClean="0"/>
-              <a:t>Inherently avoid obstacles due to step </a:t>
-            </a:r>
-            <a:r>
-              <a:rPr lang="en-US" dirty="0" smtClean="0"/>
-              <a:t>1</a:t>
+              <a:t>Inherently avoid obstacles due to step 1</a:t>
             </a:r>
           </a:p>
           <a:p>
@@ -10104,27 +10100,7 @@
                   <a:latin typeface="Candara"/>
                   <a:cs typeface="Candara"/>
                 </a:rPr>
-                <a:t>Planning – </a:t>
-              </a:r>
-              <a:r>
-                <a:rPr lang="en-US" sz="2400" dirty="0" smtClean="0">
-                  <a:solidFill>
-                    <a:srgbClr val="FFFFFF"/>
-                  </a:solidFill>
-                  <a:latin typeface="Candara"/>
-                  <a:cs typeface="Candara"/>
-                </a:rPr>
-                <a:t>Roadmap </a:t>
-              </a:r>
-              <a:r>
-                <a:rPr lang="en-US" sz="2400" dirty="0" smtClean="0">
-                  <a:solidFill>
-                    <a:srgbClr val="FFFFFF"/>
-                  </a:solidFill>
-                  <a:latin typeface="Candara"/>
-                  <a:cs typeface="Candara"/>
-                </a:rPr>
-                <a:t>(PRM)</a:t>
+                <a:t>Planning – Roadmap (PRM)</a:t>
               </a:r>
               <a:endParaRPr lang="en-US" sz="2400" dirty="0">
                 <a:solidFill>
@@ -10335,14 +10311,14 @@
             <a:r>
               <a:rPr lang="en-US" dirty="0">
                 <a:solidFill>
-                  <a:srgbClr val="FF0000"/>
+                  <a:schemeClr val="tx1"/>
                 </a:solidFill>
               </a:rPr>
-              <a:t>quadcopter</a:t>
+              <a:t>quadcopter </a:t>
             </a:r>
             <a:r>
               <a:rPr lang="en-US" dirty="0"/>
-              <a:t> configurations at random</a:t>
+              <a:t>configurations at random</a:t>
             </a:r>
           </a:p>
           <a:p>
@@ -10430,14 +10406,14 @@
             <a:r>
               <a:rPr lang="en-US" dirty="0" smtClean="0">
                 <a:solidFill>
-                  <a:srgbClr val="FF0000"/>
+                  <a:schemeClr val="tx1"/>
                 </a:solidFill>
               </a:rPr>
               <a:t>vehicle configurations</a:t>
             </a:r>
             <a:endParaRPr lang="en-US" dirty="0">
               <a:solidFill>
-                <a:srgbClr val="FF0000"/>
+                <a:schemeClr val="tx1"/>
               </a:solidFill>
             </a:endParaRPr>
           </a:p>
@@ -10673,17 +10649,7 @@
                   <a:latin typeface="Candara"/>
                   <a:cs typeface="Candara"/>
                 </a:rPr>
-                <a:t>Path Planning </a:t>
-              </a:r>
-              <a:r>
-                <a:rPr lang="en-US" sz="2400" dirty="0" smtClean="0">
-                  <a:solidFill>
-                    <a:srgbClr val="FFFFFF"/>
-                  </a:solidFill>
-                  <a:latin typeface="Candara"/>
-                  <a:cs typeface="Candara"/>
-                </a:rPr>
-                <a:t>– Roadmap </a:t>
+                <a:t>Path Planning – Roadmap </a:t>
               </a:r>
               <a:r>
                 <a:rPr lang="en-US" sz="2400" dirty="0" err="1" smtClean="0">
@@ -10884,11 +10850,7 @@
             </a:r>
             <a:r>
               <a:rPr lang="en-US" dirty="0" smtClean="0"/>
-              <a:t>(where vertices are the obstacles</a:t>
-            </a:r>
-            <a:r>
-              <a:rPr lang="en-US" dirty="0" smtClean="0"/>
-              <a:t>)</a:t>
+              <a:t>(where vertices are the obstacles)</a:t>
             </a:r>
           </a:p>
           <a:p>
@@ -11207,17 +11169,7 @@
                   <a:latin typeface="Candara"/>
                   <a:cs typeface="Candara"/>
                 </a:rPr>
-                <a:t>Path Planning </a:t>
-              </a:r>
-              <a:r>
-                <a:rPr lang="en-US" sz="2400" dirty="0" smtClean="0">
-                  <a:solidFill>
-                    <a:srgbClr val="FFFFFF"/>
-                  </a:solidFill>
-                  <a:latin typeface="Candara"/>
-                  <a:cs typeface="Candara"/>
-                </a:rPr>
-                <a:t>– Roadmap </a:t>
+                <a:t>Path Planning – Roadmap </a:t>
               </a:r>
               <a:r>
                 <a:rPr lang="en-US" sz="2400" dirty="0" err="1" smtClean="0">
@@ -11418,11 +11370,7 @@
             </a:r>
             <a:r>
               <a:rPr lang="en-US" dirty="0" smtClean="0"/>
-              <a:t>(where vertices are the obstacles</a:t>
-            </a:r>
-            <a:r>
-              <a:rPr lang="en-US" dirty="0" smtClean="0"/>
-              <a:t>)</a:t>
+              <a:t>(where vertices are the obstacles)</a:t>
             </a:r>
           </a:p>
           <a:p>
@@ -11751,17 +11699,7 @@
                   <a:latin typeface="Candara"/>
                   <a:cs typeface="Candara"/>
                 </a:rPr>
-                <a:t>Planning </a:t>
-              </a:r>
-              <a:r>
-                <a:rPr lang="en-US" sz="2400" dirty="0" smtClean="0">
-                  <a:solidFill>
-                    <a:srgbClr val="FFFFFF"/>
-                  </a:solidFill>
-                  <a:latin typeface="Candara"/>
-                  <a:cs typeface="Candara"/>
-                </a:rPr>
-                <a:t>–NN+2Opt</a:t>
+                <a:t>Planning –NN+2Opt</a:t>
               </a:r>
               <a:endParaRPr lang="en-US" sz="2400" dirty="0">
                 <a:solidFill>
